--- a/Documentation/DiamondPricePrediction.pptx
+++ b/Documentation/DiamondPricePrediction.pptx
@@ -19,6 +19,7 @@
     <p:sldId id="266" r:id="rId13"/>
     <p:sldId id="267" r:id="rId14"/>
     <p:sldId id="268" r:id="rId15"/>
+    <p:sldId id="270" r:id="rId16"/>
   </p:sldIdLst>
   <p:sldSz cx="12192000" cy="6858000"/>
   <p:notesSz cx="6858000" cy="9144000"/>
@@ -117,6 +118,11 @@
       </a:defRPr>
     </a:lvl9pPr>
   </p:defaultTextStyle>
+  <p:extLst>
+    <p:ext uri="{EFAFB233-063F-42B5-8137-9DF3F51BA10A}">
+      <p15:sldGuideLst xmlns:p15="http://schemas.microsoft.com/office/powerpoint/2012/main"/>
+    </p:ext>
+  </p:extLst>
 </p:presentation>
 </file>
 
@@ -267,7 +273,7 @@
           <a:p>
             <a:fld id="{0DAF61AA-5A98-4049-A93E-477E5505141A}" type="datetimeFigureOut">
               <a:rPr lang="en-US" smtClean="0"/>
-              <a:t>7/6/21</a:t>
+              <a:t>7/20/21</a:t>
             </a:fld>
             <a:endParaRPr lang="en-US" dirty="0"/>
           </a:p>
@@ -465,7 +471,7 @@
           <a:p>
             <a:fld id="{0DAF61AA-5A98-4049-A93E-477E5505141A}" type="datetimeFigureOut">
               <a:rPr lang="en-US" smtClean="0"/>
-              <a:t>7/6/21</a:t>
+              <a:t>7/20/21</a:t>
             </a:fld>
             <a:endParaRPr lang="en-US"/>
           </a:p>
@@ -673,7 +679,7 @@
           <a:p>
             <a:fld id="{0DAF61AA-5A98-4049-A93E-477E5505141A}" type="datetimeFigureOut">
               <a:rPr lang="en-US" smtClean="0"/>
-              <a:t>7/6/21</a:t>
+              <a:t>7/20/21</a:t>
             </a:fld>
             <a:endParaRPr lang="en-US"/>
           </a:p>
@@ -871,7 +877,7 @@
           <a:p>
             <a:fld id="{0DAF61AA-5A98-4049-A93E-477E5505141A}" type="datetimeFigureOut">
               <a:rPr lang="en-US" smtClean="0"/>
-              <a:t>7/6/21</a:t>
+              <a:t>7/20/21</a:t>
             </a:fld>
             <a:endParaRPr lang="en-US"/>
           </a:p>
@@ -1146,7 +1152,7 @@
           <a:p>
             <a:fld id="{0DAF61AA-5A98-4049-A93E-477E5505141A}" type="datetimeFigureOut">
               <a:rPr lang="en-US" smtClean="0"/>
-              <a:t>7/6/21</a:t>
+              <a:t>7/20/21</a:t>
             </a:fld>
             <a:endParaRPr lang="en-US"/>
           </a:p>
@@ -1411,7 +1417,7 @@
           <a:p>
             <a:fld id="{0DAF61AA-5A98-4049-A93E-477E5505141A}" type="datetimeFigureOut">
               <a:rPr lang="en-US" smtClean="0"/>
-              <a:t>7/6/21</a:t>
+              <a:t>7/20/21</a:t>
             </a:fld>
             <a:endParaRPr lang="en-US"/>
           </a:p>
@@ -1823,7 +1829,7 @@
           <a:p>
             <a:fld id="{0DAF61AA-5A98-4049-A93E-477E5505141A}" type="datetimeFigureOut">
               <a:rPr lang="en-US" smtClean="0"/>
-              <a:t>7/6/21</a:t>
+              <a:t>7/20/21</a:t>
             </a:fld>
             <a:endParaRPr lang="en-US"/>
           </a:p>
@@ -1964,7 +1970,7 @@
           <a:p>
             <a:fld id="{0DAF61AA-5A98-4049-A93E-477E5505141A}" type="datetimeFigureOut">
               <a:rPr lang="en-US" smtClean="0"/>
-              <a:t>7/6/21</a:t>
+              <a:t>7/20/21</a:t>
             </a:fld>
             <a:endParaRPr lang="en-US"/>
           </a:p>
@@ -2077,7 +2083,7 @@
           <a:p>
             <a:fld id="{0DAF61AA-5A98-4049-A93E-477E5505141A}" type="datetimeFigureOut">
               <a:rPr lang="en-US" smtClean="0"/>
-              <a:t>7/6/21</a:t>
+              <a:t>7/20/21</a:t>
             </a:fld>
             <a:endParaRPr lang="en-US"/>
           </a:p>
@@ -2388,7 +2394,7 @@
           <a:p>
             <a:fld id="{0DAF61AA-5A98-4049-A93E-477E5505141A}" type="datetimeFigureOut">
               <a:rPr lang="en-US" smtClean="0"/>
-              <a:t>7/6/21</a:t>
+              <a:t>7/20/21</a:t>
             </a:fld>
             <a:endParaRPr lang="en-US"/>
           </a:p>
@@ -2679,7 +2685,7 @@
           <a:p>
             <a:fld id="{0DAF61AA-5A98-4049-A93E-477E5505141A}" type="datetimeFigureOut">
               <a:rPr lang="en-US" smtClean="0"/>
-              <a:t>7/6/21</a:t>
+              <a:t>7/20/21</a:t>
             </a:fld>
             <a:endParaRPr lang="en-US"/>
           </a:p>
@@ -6367,7 +6373,7 @@
             <a:fld id="{0DAF61AA-5A98-4049-A93E-477E5505141A}" type="datetimeFigureOut">
               <a:rPr lang="en-US" smtClean="0"/>
               <a:pPr/>
-              <a:t>7/6/21</a:t>
+              <a:t>7/20/21</a:t>
             </a:fld>
             <a:endParaRPr lang="en-US" dirty="0"/>
           </a:p>
@@ -14989,17 +14995,405 @@
           <a:p>
             <a:r>
               <a:rPr lang="en-US" dirty="0"/>
-              <a:t>Objectives</a:t>
+              <a:t>Value Driver Tree</a:t>
             </a:r>
+          </a:p>
+        </p:txBody>
+      </p:sp>
+      <p:pic>
+        <p:nvPicPr>
+          <p:cNvPr id="111" name="Picture 110">
+            <a:extLst>
+              <a:ext uri="{FF2B5EF4-FFF2-40B4-BE49-F238E27FC236}">
+                <a16:creationId xmlns:a16="http://schemas.microsoft.com/office/drawing/2014/main" id="{3A7EF8BA-1A3D-0F46-B936-95E559AE2BE8}"/>
+              </a:ext>
+            </a:extLst>
+          </p:cNvPr>
+          <p:cNvPicPr>
+            <a:picLocks noChangeAspect="1"/>
+          </p:cNvPicPr>
+          <p:nvPr/>
+        </p:nvPicPr>
+        <p:blipFill>
+          <a:blip r:embed="rId2"/>
+          <a:stretch>
+            <a:fillRect/>
+          </a:stretch>
+        </p:blipFill>
+        <p:spPr>
+          <a:xfrm>
+            <a:off x="6529764" y="0"/>
+            <a:ext cx="5176153" cy="2604052"/>
+          </a:xfrm>
+          <a:prstGeom prst="rect">
+            <a:avLst/>
+          </a:prstGeom>
+        </p:spPr>
+      </p:pic>
+      <p:sp>
+        <p:nvSpPr>
+          <p:cNvPr id="112" name="Rounded Rectangle 111">
+            <a:extLst>
+              <a:ext uri="{FF2B5EF4-FFF2-40B4-BE49-F238E27FC236}">
+                <a16:creationId xmlns:a16="http://schemas.microsoft.com/office/drawing/2014/main" id="{FE31BEF8-9F6D-FB46-8754-DDF77A789F01}"/>
+              </a:ext>
+            </a:extLst>
+          </p:cNvPr>
+          <p:cNvSpPr/>
+          <p:nvPr/>
+        </p:nvSpPr>
+        <p:spPr>
+          <a:xfrm>
+            <a:off x="683421" y="3205369"/>
+            <a:ext cx="1214953" cy="447261"/>
+          </a:xfrm>
+          <a:prstGeom prst="roundRect">
+            <a:avLst/>
+          </a:prstGeom>
+        </p:spPr>
+        <p:style>
+          <a:lnRef idx="2">
+            <a:schemeClr val="accent3">
+              <a:shade val="50000"/>
+            </a:schemeClr>
+          </a:lnRef>
+          <a:fillRef idx="1">
+            <a:schemeClr val="accent3"/>
+          </a:fillRef>
+          <a:effectRef idx="0">
+            <a:schemeClr val="accent3"/>
+          </a:effectRef>
+          <a:fontRef idx="minor">
+            <a:schemeClr val="lt1"/>
+          </a:fontRef>
+        </p:style>
+        <p:txBody>
+          <a:bodyPr rtlCol="0" anchor="ctr"/>
+          <a:lstStyle/>
+          <a:p>
+            <a:pPr algn="ctr"/>
+            <a:endParaRPr lang="en-US"/>
           </a:p>
         </p:txBody>
       </p:sp>
       <p:sp>
         <p:nvSpPr>
-          <p:cNvPr id="3" name="Content Placeholder 2">
+          <p:cNvPr id="113" name="Google Shape;35;p1">
             <a:extLst>
               <a:ext uri="{FF2B5EF4-FFF2-40B4-BE49-F238E27FC236}">
-                <a16:creationId xmlns:a16="http://schemas.microsoft.com/office/drawing/2014/main" id="{D6FA1DBC-F319-3040-840F-86648825BC48}"/>
+                <a16:creationId xmlns:a16="http://schemas.microsoft.com/office/drawing/2014/main" id="{8683D54A-7015-794F-B374-8A6D2D260591}"/>
+              </a:ext>
+            </a:extLst>
+          </p:cNvPr>
+          <p:cNvSpPr txBox="1"/>
+          <p:nvPr/>
+        </p:nvSpPr>
+        <p:spPr>
+          <a:xfrm>
+            <a:off x="888556" y="3255064"/>
+            <a:ext cx="804682" cy="138499"/>
+          </a:xfrm>
+          <a:prstGeom prst="rect">
+            <a:avLst/>
+          </a:prstGeom>
+          <a:noFill/>
+          <a:ln>
+            <a:noFill/>
+          </a:ln>
+        </p:spPr>
+        <p:txBody>
+          <a:bodyPr spcFirstLastPara="1" wrap="square" lIns="0" tIns="0" rIns="0" bIns="0" anchor="t" anchorCtr="0">
+            <a:spAutoFit/>
+          </a:bodyPr>
+          <a:lstStyle/>
+          <a:p>
+            <a:pPr marL="0" marR="0" lvl="0" indent="0" algn="ctr" rtl="0">
+              <a:lnSpc>
+                <a:spcPct val="100000"/>
+              </a:lnSpc>
+              <a:spcBef>
+                <a:spcPts val="0"/>
+              </a:spcBef>
+              <a:spcAft>
+                <a:spcPts val="0"/>
+              </a:spcAft>
+              <a:buClr>
+                <a:srgbClr val="879C16"/>
+              </a:buClr>
+              <a:buSzPts val="714"/>
+              <a:buFont typeface="Arial"/>
+              <a:buNone/>
+            </a:pPr>
+            <a:r>
+              <a:rPr lang="en-US" sz="900" b="1" i="0" u="none" strike="noStrike" cap="none" dirty="0">
+                <a:solidFill>
+                  <a:srgbClr val="FFFFFF"/>
+                </a:solidFill>
+                <a:latin typeface="Arial"/>
+                <a:ea typeface="Arial"/>
+                <a:cs typeface="Arial"/>
+                <a:sym typeface="Arial"/>
+              </a:rPr>
+              <a:t>Store Profit</a:t>
+            </a:r>
+            <a:endParaRPr sz="2400" dirty="0"/>
+          </a:p>
+        </p:txBody>
+      </p:sp>
+      <p:sp>
+        <p:nvSpPr>
+          <p:cNvPr id="114" name="Rounded Rectangle 113">
+            <a:extLst>
+              <a:ext uri="{FF2B5EF4-FFF2-40B4-BE49-F238E27FC236}">
+                <a16:creationId xmlns:a16="http://schemas.microsoft.com/office/drawing/2014/main" id="{4FD7F021-7E8D-FE47-B51A-68E0B975AD2E}"/>
+              </a:ext>
+            </a:extLst>
+          </p:cNvPr>
+          <p:cNvSpPr/>
+          <p:nvPr/>
+        </p:nvSpPr>
+        <p:spPr>
+          <a:xfrm>
+            <a:off x="2634804" y="4341741"/>
+            <a:ext cx="1214953" cy="447261"/>
+          </a:xfrm>
+          <a:prstGeom prst="roundRect">
+            <a:avLst/>
+          </a:prstGeom>
+        </p:spPr>
+        <p:style>
+          <a:lnRef idx="2">
+            <a:schemeClr val="accent3">
+              <a:shade val="50000"/>
+            </a:schemeClr>
+          </a:lnRef>
+          <a:fillRef idx="1">
+            <a:schemeClr val="accent3"/>
+          </a:fillRef>
+          <a:effectRef idx="0">
+            <a:schemeClr val="accent3"/>
+          </a:effectRef>
+          <a:fontRef idx="minor">
+            <a:schemeClr val="lt1"/>
+          </a:fontRef>
+        </p:style>
+        <p:txBody>
+          <a:bodyPr rtlCol="0" anchor="ctr"/>
+          <a:lstStyle/>
+          <a:p>
+            <a:pPr algn="ctr"/>
+            <a:endParaRPr lang="en-US"/>
+          </a:p>
+        </p:txBody>
+      </p:sp>
+      <p:sp>
+        <p:nvSpPr>
+          <p:cNvPr id="115" name="Google Shape;35;p1">
+            <a:extLst>
+              <a:ext uri="{FF2B5EF4-FFF2-40B4-BE49-F238E27FC236}">
+                <a16:creationId xmlns:a16="http://schemas.microsoft.com/office/drawing/2014/main" id="{1B14AB73-CE14-C541-9104-FC89C805B570}"/>
+              </a:ext>
+            </a:extLst>
+          </p:cNvPr>
+          <p:cNvSpPr txBox="1"/>
+          <p:nvPr/>
+        </p:nvSpPr>
+        <p:spPr>
+          <a:xfrm>
+            <a:off x="2839939" y="4391436"/>
+            <a:ext cx="804682" cy="138499"/>
+          </a:xfrm>
+          <a:prstGeom prst="rect">
+            <a:avLst/>
+          </a:prstGeom>
+          <a:noFill/>
+          <a:ln>
+            <a:noFill/>
+          </a:ln>
+        </p:spPr>
+        <p:txBody>
+          <a:bodyPr spcFirstLastPara="1" wrap="square" lIns="0" tIns="0" rIns="0" bIns="0" anchor="t" anchorCtr="0">
+            <a:spAutoFit/>
+          </a:bodyPr>
+          <a:lstStyle/>
+          <a:p>
+            <a:pPr marL="0" marR="0" lvl="0" indent="0" algn="ctr" rtl="0">
+              <a:lnSpc>
+                <a:spcPct val="100000"/>
+              </a:lnSpc>
+              <a:spcBef>
+                <a:spcPts val="0"/>
+              </a:spcBef>
+              <a:spcAft>
+                <a:spcPts val="0"/>
+              </a:spcAft>
+              <a:buClr>
+                <a:srgbClr val="879C16"/>
+              </a:buClr>
+              <a:buSzPts val="714"/>
+              <a:buFont typeface="Arial"/>
+              <a:buNone/>
+            </a:pPr>
+            <a:r>
+              <a:rPr lang="en-US" sz="900" b="1" dirty="0">
+                <a:solidFill>
+                  <a:srgbClr val="FFFFFF"/>
+                </a:solidFill>
+                <a:latin typeface="Arial"/>
+                <a:cs typeface="Arial"/>
+                <a:sym typeface="Arial"/>
+              </a:rPr>
+              <a:t>Costs</a:t>
+            </a:r>
+            <a:endParaRPr sz="2400" dirty="0"/>
+          </a:p>
+        </p:txBody>
+      </p:sp>
+      <p:sp>
+        <p:nvSpPr>
+          <p:cNvPr id="116" name="Rounded Rectangle 115">
+            <a:extLst>
+              <a:ext uri="{FF2B5EF4-FFF2-40B4-BE49-F238E27FC236}">
+                <a16:creationId xmlns:a16="http://schemas.microsoft.com/office/drawing/2014/main" id="{62F3D376-411C-AA49-8E2A-3A04422E695B}"/>
+              </a:ext>
+            </a:extLst>
+          </p:cNvPr>
+          <p:cNvSpPr/>
+          <p:nvPr/>
+        </p:nvSpPr>
+        <p:spPr>
+          <a:xfrm>
+            <a:off x="2638390" y="1946412"/>
+            <a:ext cx="1214953" cy="447261"/>
+          </a:xfrm>
+          <a:prstGeom prst="roundRect">
+            <a:avLst/>
+          </a:prstGeom>
+        </p:spPr>
+        <p:style>
+          <a:lnRef idx="2">
+            <a:schemeClr val="accent3">
+              <a:shade val="50000"/>
+            </a:schemeClr>
+          </a:lnRef>
+          <a:fillRef idx="1">
+            <a:schemeClr val="accent3"/>
+          </a:fillRef>
+          <a:effectRef idx="0">
+            <a:schemeClr val="accent3"/>
+          </a:effectRef>
+          <a:fontRef idx="minor">
+            <a:schemeClr val="lt1"/>
+          </a:fontRef>
+        </p:style>
+        <p:txBody>
+          <a:bodyPr rtlCol="0" anchor="ctr"/>
+          <a:lstStyle/>
+          <a:p>
+            <a:pPr algn="ctr"/>
+            <a:endParaRPr lang="en-US"/>
+          </a:p>
+        </p:txBody>
+      </p:sp>
+      <p:sp>
+        <p:nvSpPr>
+          <p:cNvPr id="117" name="Google Shape;35;p1">
+            <a:extLst>
+              <a:ext uri="{FF2B5EF4-FFF2-40B4-BE49-F238E27FC236}">
+                <a16:creationId xmlns:a16="http://schemas.microsoft.com/office/drawing/2014/main" id="{EB47182A-20C2-194B-80A2-33CD474ED015}"/>
+              </a:ext>
+            </a:extLst>
+          </p:cNvPr>
+          <p:cNvSpPr txBox="1"/>
+          <p:nvPr/>
+        </p:nvSpPr>
+        <p:spPr>
+          <a:xfrm>
+            <a:off x="2843525" y="1996107"/>
+            <a:ext cx="804682" cy="138499"/>
+          </a:xfrm>
+          <a:prstGeom prst="rect">
+            <a:avLst/>
+          </a:prstGeom>
+          <a:noFill/>
+          <a:ln>
+            <a:noFill/>
+          </a:ln>
+        </p:spPr>
+        <p:txBody>
+          <a:bodyPr spcFirstLastPara="1" wrap="square" lIns="0" tIns="0" rIns="0" bIns="0" anchor="t" anchorCtr="0">
+            <a:spAutoFit/>
+          </a:bodyPr>
+          <a:lstStyle/>
+          <a:p>
+            <a:pPr marL="0" marR="0" lvl="0" indent="0" algn="ctr" rtl="0">
+              <a:lnSpc>
+                <a:spcPct val="100000"/>
+              </a:lnSpc>
+              <a:spcBef>
+                <a:spcPts val="0"/>
+              </a:spcBef>
+              <a:spcAft>
+                <a:spcPts val="0"/>
+              </a:spcAft>
+              <a:buClr>
+                <a:srgbClr val="879C16"/>
+              </a:buClr>
+              <a:buSzPts val="714"/>
+              <a:buFont typeface="Arial"/>
+              <a:buNone/>
+            </a:pPr>
+            <a:r>
+              <a:rPr lang="en-US" sz="900" b="1" dirty="0">
+                <a:solidFill>
+                  <a:srgbClr val="FFFFFF"/>
+                </a:solidFill>
+                <a:latin typeface="Arial"/>
+                <a:cs typeface="Arial"/>
+                <a:sym typeface="Arial"/>
+              </a:rPr>
+              <a:t>Revenue</a:t>
+            </a:r>
+            <a:endParaRPr sz="2400" dirty="0"/>
+          </a:p>
+        </p:txBody>
+      </p:sp>
+    </p:spTree>
+    <p:extLst>
+      <p:ext uri="{BB962C8B-B14F-4D97-AF65-F5344CB8AC3E}">
+        <p14:creationId xmlns:p14="http://schemas.microsoft.com/office/powerpoint/2010/main" val="1592730682"/>
+      </p:ext>
+    </p:extLst>
+  </p:cSld>
+  <p:clrMapOvr>
+    <a:masterClrMapping/>
+  </p:clrMapOvr>
+</p:sld>
+</file>
+
+<file path=ppt/slides/slide15.xml><?xml version="1.0" encoding="utf-8"?>
+<p:sld xmlns:a="http://schemas.openxmlformats.org/drawingml/2006/main" xmlns:r="http://schemas.openxmlformats.org/officeDocument/2006/relationships" xmlns:p="http://schemas.openxmlformats.org/presentationml/2006/main">
+  <p:cSld>
+    <p:spTree>
+      <p:nvGrpSpPr>
+        <p:cNvPr id="1" name=""/>
+        <p:cNvGrpSpPr/>
+        <p:nvPr/>
+      </p:nvGrpSpPr>
+      <p:grpSpPr>
+        <a:xfrm>
+          <a:off x="0" y="0"/>
+          <a:ext cx="0" cy="0"/>
+          <a:chOff x="0" y="0"/>
+          <a:chExt cx="0" cy="0"/>
+        </a:xfrm>
+      </p:grpSpPr>
+      <p:sp>
+        <p:nvSpPr>
+          <p:cNvPr id="2" name="Title 1">
+            <a:extLst>
+              <a:ext uri="{FF2B5EF4-FFF2-40B4-BE49-F238E27FC236}">
+                <a16:creationId xmlns:a16="http://schemas.microsoft.com/office/drawing/2014/main" id="{5F55E52E-B227-DB4D-A8BF-BFEDBC25E0FC}"/>
               </a:ext>
             </a:extLst>
           </p:cNvPr>
@@ -15007,14 +15401,5287 @@
             <a:spLocks noGrp="1"/>
           </p:cNvSpPr>
           <p:nvPr>
-            <p:ph idx="1"/>
+            <p:ph type="title"/>
           </p:nvPr>
         </p:nvSpPr>
-        <p:spPr/>
+        <p:spPr>
+          <a:xfrm>
+            <a:off x="838200" y="-2732"/>
+            <a:ext cx="10515600" cy="1325563"/>
+          </a:xfrm>
+        </p:spPr>
         <p:txBody>
           <a:bodyPr/>
           <a:lstStyle/>
           <a:p>
+            <a:r>
+              <a:rPr lang="en-US" dirty="0"/>
+              <a:t>Value Driver Tree</a:t>
+            </a:r>
+          </a:p>
+        </p:txBody>
+      </p:sp>
+      <p:cxnSp>
+        <p:nvCxnSpPr>
+          <p:cNvPr id="4" name="Google Shape;24;p1">
+            <a:extLst>
+              <a:ext uri="{FF2B5EF4-FFF2-40B4-BE49-F238E27FC236}">
+                <a16:creationId xmlns:a16="http://schemas.microsoft.com/office/drawing/2014/main" id="{3CF0F54E-5AA7-0341-94BA-EABB8BF50EA7}"/>
+              </a:ext>
+            </a:extLst>
+          </p:cNvPr>
+          <p:cNvCxnSpPr/>
+          <p:nvPr/>
+        </p:nvCxnSpPr>
+        <p:spPr>
+          <a:xfrm rot="-5400000" flipH="1">
+            <a:off x="5555837" y="4918564"/>
+            <a:ext cx="806700" cy="133800"/>
+          </a:xfrm>
+          <a:prstGeom prst="bentConnector2">
+            <a:avLst/>
+          </a:prstGeom>
+          <a:noFill/>
+          <a:ln w="12700" cap="flat" cmpd="sng">
+            <a:solidFill>
+              <a:schemeClr val="accent6"/>
+            </a:solidFill>
+            <a:prstDash val="solid"/>
+            <a:round/>
+            <a:headEnd type="none" w="sm" len="sm"/>
+            <a:tailEnd type="none" w="sm" len="sm"/>
+          </a:ln>
+        </p:spPr>
+      </p:cxnSp>
+      <p:cxnSp>
+        <p:nvCxnSpPr>
+          <p:cNvPr id="5" name="Google Shape;25;p1">
+            <a:extLst>
+              <a:ext uri="{FF2B5EF4-FFF2-40B4-BE49-F238E27FC236}">
+                <a16:creationId xmlns:a16="http://schemas.microsoft.com/office/drawing/2014/main" id="{6557BCE4-E5A6-A14F-8C7C-0E4EC21EC1A6}"/>
+              </a:ext>
+            </a:extLst>
+          </p:cNvPr>
+          <p:cNvCxnSpPr/>
+          <p:nvPr/>
+        </p:nvCxnSpPr>
+        <p:spPr>
+          <a:xfrm rot="-5400000" flipH="1">
+            <a:off x="5422327" y="2679170"/>
+            <a:ext cx="673200" cy="204300"/>
+          </a:xfrm>
+          <a:prstGeom prst="bentConnector3">
+            <a:avLst>
+              <a:gd name="adj1" fmla="val 0"/>
+            </a:avLst>
+          </a:prstGeom>
+          <a:noFill/>
+          <a:ln w="12700" cap="flat" cmpd="sng">
+            <a:solidFill>
+              <a:schemeClr val="accent6"/>
+            </a:solidFill>
+            <a:prstDash val="solid"/>
+            <a:round/>
+            <a:headEnd type="none" w="sm" len="sm"/>
+            <a:tailEnd type="none" w="sm" len="sm"/>
+          </a:ln>
+        </p:spPr>
+      </p:cxnSp>
+      <p:cxnSp>
+        <p:nvCxnSpPr>
+          <p:cNvPr id="6" name="Google Shape;26;p1">
+            <a:extLst>
+              <a:ext uri="{FF2B5EF4-FFF2-40B4-BE49-F238E27FC236}">
+                <a16:creationId xmlns:a16="http://schemas.microsoft.com/office/drawing/2014/main" id="{57276240-5A9A-6B40-832A-3A112BEC89B9}"/>
+              </a:ext>
+            </a:extLst>
+          </p:cNvPr>
+          <p:cNvCxnSpPr/>
+          <p:nvPr/>
+        </p:nvCxnSpPr>
+        <p:spPr>
+          <a:xfrm rot="-5400000">
+            <a:off x="5461442" y="4155012"/>
+            <a:ext cx="673200" cy="204300"/>
+          </a:xfrm>
+          <a:prstGeom prst="bentConnector3">
+            <a:avLst>
+              <a:gd name="adj1" fmla="val 0"/>
+            </a:avLst>
+          </a:prstGeom>
+          <a:noFill/>
+          <a:ln w="12700" cap="flat" cmpd="sng">
+            <a:solidFill>
+              <a:schemeClr val="accent6"/>
+            </a:solidFill>
+            <a:prstDash val="solid"/>
+            <a:round/>
+            <a:headEnd type="none" w="sm" len="sm"/>
+            <a:tailEnd type="none" w="sm" len="sm"/>
+          </a:ln>
+        </p:spPr>
+      </p:cxnSp>
+      <p:cxnSp>
+        <p:nvCxnSpPr>
+          <p:cNvPr id="7" name="Google Shape;27;p1">
+            <a:extLst>
+              <a:ext uri="{FF2B5EF4-FFF2-40B4-BE49-F238E27FC236}">
+                <a16:creationId xmlns:a16="http://schemas.microsoft.com/office/drawing/2014/main" id="{E343640E-B24F-094D-8C7C-E355024D13D8}"/>
+              </a:ext>
+            </a:extLst>
+          </p:cNvPr>
+          <p:cNvCxnSpPr/>
+          <p:nvPr/>
+        </p:nvCxnSpPr>
+        <p:spPr>
+          <a:xfrm rot="-5400000">
+            <a:off x="5422327" y="2005970"/>
+            <a:ext cx="673200" cy="204300"/>
+          </a:xfrm>
+          <a:prstGeom prst="bentConnector3">
+            <a:avLst>
+              <a:gd name="adj1" fmla="val 0"/>
+            </a:avLst>
+          </a:prstGeom>
+          <a:noFill/>
+          <a:ln w="12700" cap="flat" cmpd="sng">
+            <a:solidFill>
+              <a:schemeClr val="accent6"/>
+            </a:solidFill>
+            <a:prstDash val="solid"/>
+            <a:round/>
+            <a:headEnd type="none" w="sm" len="sm"/>
+            <a:tailEnd type="none" w="sm" len="sm"/>
+          </a:ln>
+        </p:spPr>
+      </p:cxnSp>
+      <p:grpSp>
+        <p:nvGrpSpPr>
+          <p:cNvPr id="8" name="Google Shape;28;p1">
+            <a:extLst>
+              <a:ext uri="{FF2B5EF4-FFF2-40B4-BE49-F238E27FC236}">
+                <a16:creationId xmlns:a16="http://schemas.microsoft.com/office/drawing/2014/main" id="{1EC8BDBE-1108-A346-A7D7-F7C5D7D4491B}"/>
+              </a:ext>
+            </a:extLst>
+          </p:cNvPr>
+          <p:cNvGrpSpPr/>
+          <p:nvPr/>
+        </p:nvGrpSpPr>
+        <p:grpSpPr>
+          <a:xfrm>
+            <a:off x="1777680" y="3289725"/>
+            <a:ext cx="2547935" cy="425774"/>
+            <a:chOff x="181335" y="3496200"/>
+            <a:chExt cx="2745460" cy="465566"/>
+          </a:xfrm>
+        </p:grpSpPr>
+        <p:grpSp>
+          <p:nvGrpSpPr>
+            <p:cNvPr id="9" name="Google Shape;29;p1">
+              <a:extLst>
+                <a:ext uri="{FF2B5EF4-FFF2-40B4-BE49-F238E27FC236}">
+                  <a16:creationId xmlns:a16="http://schemas.microsoft.com/office/drawing/2014/main" id="{27BBB8E2-BC44-F44A-A17C-A2987C6F3B9A}"/>
+                </a:ext>
+              </a:extLst>
+            </p:cNvPr>
+            <p:cNvGrpSpPr/>
+            <p:nvPr/>
+          </p:nvGrpSpPr>
+          <p:grpSpPr>
+            <a:xfrm>
+              <a:off x="1699968" y="3521670"/>
+              <a:ext cx="1226827" cy="154830"/>
+              <a:chOff x="4954832" y="1080555"/>
+              <a:chExt cx="1088747" cy="147867"/>
+            </a:xfrm>
+          </p:grpSpPr>
+          <p:sp>
+            <p:nvSpPr>
+              <p:cNvPr id="15" name="Google Shape;30;p1">
+                <a:extLst>
+                  <a:ext uri="{FF2B5EF4-FFF2-40B4-BE49-F238E27FC236}">
+                    <a16:creationId xmlns:a16="http://schemas.microsoft.com/office/drawing/2014/main" id="{E857C767-2529-3B48-A9A0-0743B99F18DE}"/>
+                  </a:ext>
+                </a:extLst>
+              </p:cNvPr>
+              <p:cNvSpPr txBox="1"/>
+              <p:nvPr/>
+            </p:nvSpPr>
+            <p:spPr>
+              <a:xfrm>
+                <a:off x="4954832" y="1080555"/>
+                <a:ext cx="769475" cy="147867"/>
+              </a:xfrm>
+              <a:prstGeom prst="rect">
+                <a:avLst/>
+              </a:prstGeom>
+              <a:noFill/>
+              <a:ln>
+                <a:noFill/>
+              </a:ln>
+            </p:spPr>
+            <p:txBody>
+              <a:bodyPr spcFirstLastPara="1" wrap="square" lIns="0" tIns="0" rIns="0" bIns="0" anchor="t" anchorCtr="0">
+                <a:noAutofit/>
+              </a:bodyPr>
+              <a:lstStyle/>
+              <a:p>
+                <a:pPr marL="0" marR="0" lvl="0" indent="0" algn="l" rtl="0">
+                  <a:lnSpc>
+                    <a:spcPct val="100000"/>
+                  </a:lnSpc>
+                  <a:spcBef>
+                    <a:spcPts val="0"/>
+                  </a:spcBef>
+                  <a:spcAft>
+                    <a:spcPts val="0"/>
+                  </a:spcAft>
+                  <a:buClr>
+                    <a:srgbClr val="879C16"/>
+                  </a:buClr>
+                  <a:buSzPts val="714"/>
+                  <a:buFont typeface="Arial"/>
+                  <a:buNone/>
+                </a:pPr>
+                <a:r>
+                  <a:rPr lang="en-US" sz="714" b="1" i="0" u="none" strike="noStrike" cap="none" dirty="0">
+                    <a:solidFill>
+                      <a:srgbClr val="FFFFFF"/>
+                    </a:solidFill>
+                    <a:latin typeface="Arial"/>
+                    <a:ea typeface="Arial"/>
+                    <a:cs typeface="Arial"/>
+                    <a:sym typeface="Arial"/>
+                  </a:rPr>
+                  <a:t>Coal based costs</a:t>
+                </a:r>
+                <a:endParaRPr dirty="0"/>
+              </a:p>
+            </p:txBody>
+          </p:sp>
+          <p:sp>
+            <p:nvSpPr>
+              <p:cNvPr id="16" name="Google Shape;31;p1">
+                <a:extLst>
+                  <a:ext uri="{FF2B5EF4-FFF2-40B4-BE49-F238E27FC236}">
+                    <a16:creationId xmlns:a16="http://schemas.microsoft.com/office/drawing/2014/main" id="{04A11973-ADF9-134A-8182-63B979409480}"/>
+                  </a:ext>
+                </a:extLst>
+              </p:cNvPr>
+              <p:cNvSpPr txBox="1"/>
+              <p:nvPr/>
+            </p:nvSpPr>
+            <p:spPr>
+              <a:xfrm>
+                <a:off x="5713681" y="1080555"/>
+                <a:ext cx="329898" cy="147867"/>
+              </a:xfrm>
+              <a:prstGeom prst="rect">
+                <a:avLst/>
+              </a:prstGeom>
+              <a:noFill/>
+              <a:ln>
+                <a:noFill/>
+              </a:ln>
+            </p:spPr>
+            <p:txBody>
+              <a:bodyPr spcFirstLastPara="1" wrap="square" lIns="0" tIns="0" rIns="0" bIns="0" anchor="t" anchorCtr="0">
+                <a:noAutofit/>
+              </a:bodyPr>
+              <a:lstStyle/>
+              <a:p>
+                <a:pPr marL="0" marR="0" lvl="0" indent="0" algn="ctr" rtl="0">
+                  <a:lnSpc>
+                    <a:spcPct val="100000"/>
+                  </a:lnSpc>
+                  <a:spcBef>
+                    <a:spcPts val="0"/>
+                  </a:spcBef>
+                  <a:spcAft>
+                    <a:spcPts val="0"/>
+                  </a:spcAft>
+                  <a:buClr>
+                    <a:srgbClr val="879C16"/>
+                  </a:buClr>
+                  <a:buSzPts val="714"/>
+                  <a:buFont typeface="Arial"/>
+                  <a:buNone/>
+                </a:pPr>
+                <a:r>
+                  <a:rPr lang="en-US" sz="714" b="1" i="0" u="none" strike="noStrike" cap="none">
+                    <a:solidFill>
+                      <a:srgbClr val="FFFFFF"/>
+                    </a:solidFill>
+                    <a:latin typeface="Arial"/>
+                    <a:ea typeface="Arial"/>
+                    <a:cs typeface="Arial"/>
+                    <a:sym typeface="Arial"/>
+                  </a:rPr>
+                  <a:t>($)</a:t>
+                </a:r>
+                <a:endParaRPr/>
+              </a:p>
+            </p:txBody>
+          </p:sp>
+        </p:grpSp>
+        <p:grpSp>
+          <p:nvGrpSpPr>
+            <p:cNvPr id="10" name="Google Shape;32;p1">
+              <a:extLst>
+                <a:ext uri="{FF2B5EF4-FFF2-40B4-BE49-F238E27FC236}">
+                  <a16:creationId xmlns:a16="http://schemas.microsoft.com/office/drawing/2014/main" id="{C4FE9F78-ED2D-D846-8C22-FC4EB1AE7048}"/>
+                </a:ext>
+              </a:extLst>
+            </p:cNvPr>
+            <p:cNvGrpSpPr/>
+            <p:nvPr/>
+          </p:nvGrpSpPr>
+          <p:grpSpPr>
+            <a:xfrm>
+              <a:off x="181335" y="3496200"/>
+              <a:ext cx="1275292" cy="465566"/>
+              <a:chOff x="4934192" y="1056229"/>
+              <a:chExt cx="1131757" cy="444628"/>
+            </a:xfrm>
+          </p:grpSpPr>
+          <p:sp>
+            <p:nvSpPr>
+              <p:cNvPr id="11" name="Google Shape;33;p1">
+                <a:extLst>
+                  <a:ext uri="{FF2B5EF4-FFF2-40B4-BE49-F238E27FC236}">
+                    <a16:creationId xmlns:a16="http://schemas.microsoft.com/office/drawing/2014/main" id="{311E0EB1-00FF-724C-AFA4-936876926FE2}"/>
+                  </a:ext>
+                </a:extLst>
+              </p:cNvPr>
+              <p:cNvSpPr/>
+              <p:nvPr/>
+            </p:nvSpPr>
+            <p:spPr>
+              <a:xfrm>
+                <a:off x="4934192" y="1056229"/>
+                <a:ext cx="1131757" cy="444628"/>
+              </a:xfrm>
+              <a:prstGeom prst="rect">
+                <a:avLst/>
+              </a:prstGeom>
+              <a:solidFill>
+                <a:schemeClr val="lt1"/>
+              </a:solidFill>
+              <a:ln w="12700" cap="flat" cmpd="sng">
+                <a:solidFill>
+                  <a:schemeClr val="accent2"/>
+                </a:solidFill>
+                <a:prstDash val="solid"/>
+                <a:round/>
+                <a:headEnd type="none" w="sm" len="sm"/>
+                <a:tailEnd type="none" w="sm" len="sm"/>
+              </a:ln>
+            </p:spPr>
+            <p:txBody>
+              <a:bodyPr spcFirstLastPara="1" wrap="square" lIns="91425" tIns="45700" rIns="91425" bIns="45700" anchor="ctr" anchorCtr="0">
+                <a:noAutofit/>
+              </a:bodyPr>
+              <a:lstStyle/>
+              <a:p>
+                <a:pPr marL="0" marR="0" lvl="0" indent="0" algn="ctr" rtl="0">
+                  <a:lnSpc>
+                    <a:spcPct val="100000"/>
+                  </a:lnSpc>
+                  <a:spcBef>
+                    <a:spcPts val="0"/>
+                  </a:spcBef>
+                  <a:spcAft>
+                    <a:spcPts val="0"/>
+                  </a:spcAft>
+                  <a:buClr>
+                    <a:srgbClr val="000000"/>
+                  </a:buClr>
+                  <a:buSzPts val="714"/>
+                  <a:buFont typeface="Arial"/>
+                  <a:buNone/>
+                </a:pPr>
+                <a:endParaRPr sz="714" b="0" i="0" u="none" strike="noStrike" cap="none" dirty="0">
+                  <a:solidFill>
+                    <a:srgbClr val="002C46"/>
+                  </a:solidFill>
+                  <a:latin typeface="Arial"/>
+                  <a:ea typeface="Arial"/>
+                  <a:cs typeface="Arial"/>
+                  <a:sym typeface="Arial"/>
+                </a:endParaRPr>
+              </a:p>
+            </p:txBody>
+          </p:sp>
+          <p:sp>
+            <p:nvSpPr>
+              <p:cNvPr id="12" name="Google Shape;34;p1">
+                <a:extLst>
+                  <a:ext uri="{FF2B5EF4-FFF2-40B4-BE49-F238E27FC236}">
+                    <a16:creationId xmlns:a16="http://schemas.microsoft.com/office/drawing/2014/main" id="{133213EF-5635-B641-AA1B-016075F48EF4}"/>
+                  </a:ext>
+                </a:extLst>
+              </p:cNvPr>
+              <p:cNvSpPr/>
+              <p:nvPr/>
+            </p:nvSpPr>
+            <p:spPr>
+              <a:xfrm>
+                <a:off x="4934192" y="1056229"/>
+                <a:ext cx="1131757" cy="264464"/>
+              </a:xfrm>
+              <a:prstGeom prst="rect">
+                <a:avLst/>
+              </a:prstGeom>
+              <a:solidFill>
+                <a:srgbClr val="00C09D"/>
+              </a:solidFill>
+              <a:ln w="12700" cap="flat" cmpd="sng">
+                <a:solidFill>
+                  <a:schemeClr val="accent2"/>
+                </a:solidFill>
+                <a:prstDash val="solid"/>
+                <a:round/>
+                <a:headEnd type="none" w="sm" len="sm"/>
+                <a:tailEnd type="none" w="sm" len="sm"/>
+              </a:ln>
+            </p:spPr>
+            <p:txBody>
+              <a:bodyPr spcFirstLastPara="1" wrap="square" lIns="91425" tIns="45700" rIns="91425" bIns="45700" anchor="ctr" anchorCtr="0">
+                <a:noAutofit/>
+              </a:bodyPr>
+              <a:lstStyle/>
+              <a:p>
+                <a:pPr marL="0" marR="0" lvl="0" indent="0" algn="ctr" rtl="0">
+                  <a:lnSpc>
+                    <a:spcPct val="100000"/>
+                  </a:lnSpc>
+                  <a:spcBef>
+                    <a:spcPts val="0"/>
+                  </a:spcBef>
+                  <a:spcAft>
+                    <a:spcPts val="0"/>
+                  </a:spcAft>
+                  <a:buClr>
+                    <a:srgbClr val="000000"/>
+                  </a:buClr>
+                  <a:buSzPts val="714"/>
+                  <a:buFont typeface="Arial"/>
+                  <a:buNone/>
+                </a:pPr>
+                <a:endParaRPr sz="714" b="0" i="0" u="none" strike="noStrike" cap="none">
+                  <a:solidFill>
+                    <a:srgbClr val="002C46"/>
+                  </a:solidFill>
+                  <a:latin typeface="Arial"/>
+                  <a:ea typeface="Arial"/>
+                  <a:cs typeface="Arial"/>
+                  <a:sym typeface="Arial"/>
+                </a:endParaRPr>
+              </a:p>
+            </p:txBody>
+          </p:sp>
+          <p:sp>
+            <p:nvSpPr>
+              <p:cNvPr id="13" name="Google Shape;35;p1">
+                <a:extLst>
+                  <a:ext uri="{FF2B5EF4-FFF2-40B4-BE49-F238E27FC236}">
+                    <a16:creationId xmlns:a16="http://schemas.microsoft.com/office/drawing/2014/main" id="{D0376724-F04E-E244-8D55-C84DFD674001}"/>
+                  </a:ext>
+                </a:extLst>
+              </p:cNvPr>
+              <p:cNvSpPr txBox="1"/>
+              <p:nvPr/>
+            </p:nvSpPr>
+            <p:spPr>
+              <a:xfrm>
+                <a:off x="4954832" y="1080554"/>
+                <a:ext cx="769475" cy="114769"/>
+              </a:xfrm>
+              <a:prstGeom prst="rect">
+                <a:avLst/>
+              </a:prstGeom>
+              <a:noFill/>
+              <a:ln>
+                <a:noFill/>
+              </a:ln>
+            </p:spPr>
+            <p:txBody>
+              <a:bodyPr spcFirstLastPara="1" wrap="square" lIns="0" tIns="0" rIns="0" bIns="0" anchor="t" anchorCtr="0">
+                <a:spAutoFit/>
+              </a:bodyPr>
+              <a:lstStyle/>
+              <a:p>
+                <a:pPr marL="0" marR="0" lvl="0" indent="0" algn="l" rtl="0">
+                  <a:lnSpc>
+                    <a:spcPct val="100000"/>
+                  </a:lnSpc>
+                  <a:spcBef>
+                    <a:spcPts val="0"/>
+                  </a:spcBef>
+                  <a:spcAft>
+                    <a:spcPts val="0"/>
+                  </a:spcAft>
+                  <a:buClr>
+                    <a:srgbClr val="879C16"/>
+                  </a:buClr>
+                  <a:buSzPts val="714"/>
+                  <a:buFont typeface="Arial"/>
+                  <a:buNone/>
+                </a:pPr>
+                <a:r>
+                  <a:rPr lang="en-US" sz="714" b="1" i="0" u="none" strike="noStrike" cap="none" dirty="0">
+                    <a:solidFill>
+                      <a:srgbClr val="FFFFFF"/>
+                    </a:solidFill>
+                    <a:latin typeface="Arial"/>
+                    <a:ea typeface="Arial"/>
+                    <a:cs typeface="Arial"/>
+                    <a:sym typeface="Arial"/>
+                  </a:rPr>
+                  <a:t>Breakeven Price</a:t>
+                </a:r>
+                <a:endParaRPr dirty="0"/>
+              </a:p>
+            </p:txBody>
+          </p:sp>
+          <p:sp>
+            <p:nvSpPr>
+              <p:cNvPr id="14" name="Google Shape;36;p1">
+                <a:extLst>
+                  <a:ext uri="{FF2B5EF4-FFF2-40B4-BE49-F238E27FC236}">
+                    <a16:creationId xmlns:a16="http://schemas.microsoft.com/office/drawing/2014/main" id="{30F5FD11-F280-E846-8F6B-F3D43FDB6EED}"/>
+                  </a:ext>
+                </a:extLst>
+              </p:cNvPr>
+              <p:cNvSpPr txBox="1"/>
+              <p:nvPr/>
+            </p:nvSpPr>
+            <p:spPr>
+              <a:xfrm>
+                <a:off x="5713681" y="1080555"/>
+                <a:ext cx="329898" cy="117100"/>
+              </a:xfrm>
+              <a:prstGeom prst="rect">
+                <a:avLst/>
+              </a:prstGeom>
+              <a:noFill/>
+              <a:ln>
+                <a:noFill/>
+              </a:ln>
+            </p:spPr>
+            <p:txBody>
+              <a:bodyPr spcFirstLastPara="1" wrap="square" lIns="0" tIns="0" rIns="0" bIns="0" anchor="t" anchorCtr="0">
+                <a:spAutoFit/>
+              </a:bodyPr>
+              <a:lstStyle/>
+              <a:p>
+                <a:pPr marL="0" marR="0" lvl="0" indent="0" algn="l" rtl="0">
+                  <a:lnSpc>
+                    <a:spcPct val="100000"/>
+                  </a:lnSpc>
+                  <a:spcBef>
+                    <a:spcPts val="0"/>
+                  </a:spcBef>
+                  <a:spcAft>
+                    <a:spcPts val="0"/>
+                  </a:spcAft>
+                  <a:buClr>
+                    <a:srgbClr val="879C16"/>
+                  </a:buClr>
+                  <a:buSzPts val="714"/>
+                  <a:buFont typeface="Arial"/>
+                  <a:buNone/>
+                </a:pPr>
+                <a:r>
+                  <a:rPr lang="en-US" sz="714" b="1" i="0" u="none" strike="noStrike" cap="none" dirty="0">
+                    <a:solidFill>
+                      <a:srgbClr val="FFFFFF"/>
+                    </a:solidFill>
+                    <a:latin typeface="Arial"/>
+                    <a:ea typeface="Arial"/>
+                    <a:cs typeface="Arial"/>
+                    <a:sym typeface="Arial"/>
+                  </a:rPr>
+                  <a:t>($</a:t>
+                </a:r>
+                <a:r>
+                  <a:rPr lang="en-US" sz="714" b="1" dirty="0">
+                    <a:solidFill>
+                      <a:srgbClr val="FFFFFF"/>
+                    </a:solidFill>
+                  </a:rPr>
+                  <a:t>50</a:t>
+                </a:r>
+                <a:r>
+                  <a:rPr lang="en-US" sz="714" b="1" i="0" u="none" strike="noStrike" cap="none" dirty="0">
+                    <a:solidFill>
+                      <a:srgbClr val="FFFFFF"/>
+                    </a:solidFill>
+                    <a:latin typeface="Arial"/>
+                    <a:ea typeface="Arial"/>
+                    <a:cs typeface="Arial"/>
+                    <a:sym typeface="Arial"/>
+                  </a:rPr>
+                  <a:t>)</a:t>
+                </a:r>
+                <a:endParaRPr dirty="0"/>
+              </a:p>
+            </p:txBody>
+          </p:sp>
+        </p:grpSp>
+      </p:grpSp>
+      <p:cxnSp>
+        <p:nvCxnSpPr>
+          <p:cNvPr id="17" name="Google Shape;37;p1">
+            <a:extLst>
+              <a:ext uri="{FF2B5EF4-FFF2-40B4-BE49-F238E27FC236}">
+                <a16:creationId xmlns:a16="http://schemas.microsoft.com/office/drawing/2014/main" id="{3DEB9022-3FFC-5D48-BCCC-90117C2DF323}"/>
+              </a:ext>
+            </a:extLst>
+          </p:cNvPr>
+          <p:cNvCxnSpPr>
+            <a:stCxn id="11" idx="3"/>
+          </p:cNvCxnSpPr>
+          <p:nvPr/>
+        </p:nvCxnSpPr>
+        <p:spPr>
+          <a:xfrm>
+            <a:off x="2961220" y="3502612"/>
+            <a:ext cx="1481400" cy="1050900"/>
+          </a:xfrm>
+          <a:prstGeom prst="bentConnector3">
+            <a:avLst>
+              <a:gd name="adj1" fmla="val 50000"/>
+            </a:avLst>
+          </a:prstGeom>
+          <a:noFill/>
+          <a:ln w="9525" cap="flat" cmpd="sng">
+            <a:solidFill>
+              <a:schemeClr val="accent6"/>
+            </a:solidFill>
+            <a:prstDash val="solid"/>
+            <a:round/>
+            <a:headEnd type="none" w="sm" len="sm"/>
+            <a:tailEnd type="none" w="sm" len="sm"/>
+          </a:ln>
+        </p:spPr>
+      </p:cxnSp>
+      <p:cxnSp>
+        <p:nvCxnSpPr>
+          <p:cNvPr id="18" name="Google Shape;38;p1">
+            <a:extLst>
+              <a:ext uri="{FF2B5EF4-FFF2-40B4-BE49-F238E27FC236}">
+                <a16:creationId xmlns:a16="http://schemas.microsoft.com/office/drawing/2014/main" id="{B109B68A-0EED-814B-82AF-F40B103E592B}"/>
+              </a:ext>
+            </a:extLst>
+          </p:cNvPr>
+          <p:cNvCxnSpPr>
+            <a:stCxn id="11" idx="3"/>
+          </p:cNvCxnSpPr>
+          <p:nvPr/>
+        </p:nvCxnSpPr>
+        <p:spPr>
+          <a:xfrm rot="10800000" flipH="1">
+            <a:off x="2961220" y="2451712"/>
+            <a:ext cx="1515900" cy="1050900"/>
+          </a:xfrm>
+          <a:prstGeom prst="bentConnector3">
+            <a:avLst>
+              <a:gd name="adj1" fmla="val 49998"/>
+            </a:avLst>
+          </a:prstGeom>
+          <a:noFill/>
+          <a:ln w="9525" cap="flat" cmpd="sng">
+            <a:solidFill>
+              <a:schemeClr val="accent6"/>
+            </a:solidFill>
+            <a:prstDash val="solid"/>
+            <a:round/>
+            <a:headEnd type="none" w="sm" len="sm"/>
+            <a:tailEnd type="none" w="sm" len="sm"/>
+          </a:ln>
+        </p:spPr>
+      </p:cxnSp>
+      <p:sp>
+        <p:nvSpPr>
+          <p:cNvPr id="19" name="Google Shape;40;p1">
+            <a:extLst>
+              <a:ext uri="{FF2B5EF4-FFF2-40B4-BE49-F238E27FC236}">
+                <a16:creationId xmlns:a16="http://schemas.microsoft.com/office/drawing/2014/main" id="{D85B54E8-299D-3A4E-B70B-5BFD7C33914D}"/>
+              </a:ext>
+            </a:extLst>
+          </p:cNvPr>
+          <p:cNvSpPr/>
+          <p:nvPr/>
+        </p:nvSpPr>
+        <p:spPr>
+          <a:xfrm>
+            <a:off x="3634671" y="3420896"/>
+            <a:ext cx="155774" cy="155774"/>
+          </a:xfrm>
+          <a:prstGeom prst="ellipse">
+            <a:avLst/>
+          </a:prstGeom>
+          <a:solidFill>
+            <a:schemeClr val="accent3"/>
+          </a:solidFill>
+          <a:ln w="12700" cap="flat" cmpd="sng">
+            <a:solidFill>
+              <a:schemeClr val="lt1"/>
+            </a:solidFill>
+            <a:prstDash val="solid"/>
+            <a:round/>
+            <a:headEnd type="none" w="sm" len="sm"/>
+            <a:tailEnd type="none" w="sm" len="sm"/>
+          </a:ln>
+        </p:spPr>
+        <p:txBody>
+          <a:bodyPr spcFirstLastPara="1" wrap="square" lIns="91425" tIns="45700" rIns="91425" bIns="45700" anchor="ctr" anchorCtr="0">
+            <a:noAutofit/>
+          </a:bodyPr>
+          <a:lstStyle/>
+          <a:p>
+            <a:pPr marL="0" marR="0" lvl="0" indent="0" algn="l" rtl="0">
+              <a:lnSpc>
+                <a:spcPct val="100000"/>
+              </a:lnSpc>
+              <a:spcBef>
+                <a:spcPts val="0"/>
+              </a:spcBef>
+              <a:spcAft>
+                <a:spcPts val="0"/>
+              </a:spcAft>
+              <a:buClr>
+                <a:srgbClr val="000000"/>
+              </a:buClr>
+              <a:buSzPts val="1428"/>
+              <a:buFont typeface="Arial"/>
+              <a:buNone/>
+            </a:pPr>
+            <a:endParaRPr sz="1428" b="1" i="0" u="none" strike="noStrike" cap="none">
+              <a:solidFill>
+                <a:srgbClr val="000000"/>
+              </a:solidFill>
+              <a:latin typeface="Arial"/>
+              <a:ea typeface="Arial"/>
+              <a:cs typeface="Arial"/>
+              <a:sym typeface="Arial"/>
+            </a:endParaRPr>
+          </a:p>
+        </p:txBody>
+      </p:sp>
+      <p:grpSp>
+        <p:nvGrpSpPr>
+          <p:cNvPr id="20" name="Google Shape;42;p1">
+            <a:extLst>
+              <a:ext uri="{FF2B5EF4-FFF2-40B4-BE49-F238E27FC236}">
+                <a16:creationId xmlns:a16="http://schemas.microsoft.com/office/drawing/2014/main" id="{8366F3C7-15D4-9A4A-AD6B-680BE1818095}"/>
+              </a:ext>
+            </a:extLst>
+          </p:cNvPr>
+          <p:cNvGrpSpPr/>
+          <p:nvPr/>
+        </p:nvGrpSpPr>
+        <p:grpSpPr>
+          <a:xfrm rot="2700000">
+            <a:off x="5678361" y="2357941"/>
+            <a:ext cx="155774" cy="155774"/>
+            <a:chOff x="4283114" y="-597224"/>
+            <a:chExt cx="170332" cy="170332"/>
+          </a:xfrm>
+        </p:grpSpPr>
+        <p:sp>
+          <p:nvSpPr>
+            <p:cNvPr id="21" name="Google Shape;43;p1">
+              <a:extLst>
+                <a:ext uri="{FF2B5EF4-FFF2-40B4-BE49-F238E27FC236}">
+                  <a16:creationId xmlns:a16="http://schemas.microsoft.com/office/drawing/2014/main" id="{2D79565F-8BB6-9A4C-BF58-415350F59310}"/>
+                </a:ext>
+              </a:extLst>
+            </p:cNvPr>
+            <p:cNvSpPr/>
+            <p:nvPr/>
+          </p:nvSpPr>
+          <p:spPr>
+            <a:xfrm>
+              <a:off x="4283114" y="-597224"/>
+              <a:ext cx="170332" cy="170332"/>
+            </a:xfrm>
+            <a:prstGeom prst="ellipse">
+              <a:avLst/>
+            </a:prstGeom>
+            <a:solidFill>
+              <a:schemeClr val="accent3"/>
+            </a:solidFill>
+            <a:ln w="12700" cap="flat" cmpd="sng">
+              <a:solidFill>
+                <a:schemeClr val="lt1"/>
+              </a:solidFill>
+              <a:prstDash val="solid"/>
+              <a:round/>
+              <a:headEnd type="none" w="sm" len="sm"/>
+              <a:tailEnd type="none" w="sm" len="sm"/>
+            </a:ln>
+          </p:spPr>
+          <p:txBody>
+            <a:bodyPr spcFirstLastPara="1" wrap="square" lIns="91425" tIns="45700" rIns="91425" bIns="45700" anchor="ctr" anchorCtr="0">
+              <a:noAutofit/>
+            </a:bodyPr>
+            <a:lstStyle/>
+            <a:p>
+              <a:pPr marL="0" marR="0" lvl="0" indent="0" algn="l" rtl="0">
+                <a:lnSpc>
+                  <a:spcPct val="100000"/>
+                </a:lnSpc>
+                <a:spcBef>
+                  <a:spcPts val="0"/>
+                </a:spcBef>
+                <a:spcAft>
+                  <a:spcPts val="0"/>
+                </a:spcAft>
+                <a:buClr>
+                  <a:srgbClr val="000000"/>
+                </a:buClr>
+                <a:buSzPts val="1428"/>
+                <a:buFont typeface="Arial"/>
+                <a:buNone/>
+              </a:pPr>
+              <a:endParaRPr sz="1428" b="1" i="0" u="none" strike="noStrike" cap="none">
+                <a:solidFill>
+                  <a:srgbClr val="000000"/>
+                </a:solidFill>
+                <a:latin typeface="Arial"/>
+                <a:ea typeface="Arial"/>
+                <a:cs typeface="Arial"/>
+                <a:sym typeface="Arial"/>
+              </a:endParaRPr>
+            </a:p>
+          </p:txBody>
+        </p:sp>
+        <p:sp>
+          <p:nvSpPr>
+            <p:cNvPr id="22" name="Google Shape;44;p1">
+              <a:extLst>
+                <a:ext uri="{FF2B5EF4-FFF2-40B4-BE49-F238E27FC236}">
+                  <a16:creationId xmlns:a16="http://schemas.microsoft.com/office/drawing/2014/main" id="{E99E0FEE-A5CE-B04D-A774-82F55D997708}"/>
+                </a:ext>
+              </a:extLst>
+            </p:cNvPr>
+            <p:cNvSpPr/>
+            <p:nvPr/>
+          </p:nvSpPr>
+          <p:spPr>
+            <a:xfrm>
+              <a:off x="4308743" y="-571595"/>
+              <a:ext cx="119073" cy="119073"/>
+            </a:xfrm>
+            <a:custGeom>
+              <a:avLst/>
+              <a:gdLst/>
+              <a:ahLst/>
+              <a:cxnLst/>
+              <a:rect l="l" t="t" r="r" b="b"/>
+              <a:pathLst>
+                <a:path w="204" h="204" extrusionOk="0">
+                  <a:moveTo>
+                    <a:pt x="83" y="0"/>
+                  </a:moveTo>
+                  <a:lnTo>
+                    <a:pt x="119" y="0"/>
+                  </a:lnTo>
+                  <a:lnTo>
+                    <a:pt x="119" y="83"/>
+                  </a:lnTo>
+                  <a:lnTo>
+                    <a:pt x="204" y="83"/>
+                  </a:lnTo>
+                  <a:lnTo>
+                    <a:pt x="204" y="119"/>
+                  </a:lnTo>
+                  <a:lnTo>
+                    <a:pt x="119" y="119"/>
+                  </a:lnTo>
+                  <a:lnTo>
+                    <a:pt x="119" y="204"/>
+                  </a:lnTo>
+                  <a:lnTo>
+                    <a:pt x="83" y="204"/>
+                  </a:lnTo>
+                  <a:lnTo>
+                    <a:pt x="83" y="119"/>
+                  </a:lnTo>
+                  <a:lnTo>
+                    <a:pt x="0" y="119"/>
+                  </a:lnTo>
+                  <a:lnTo>
+                    <a:pt x="0" y="83"/>
+                  </a:lnTo>
+                  <a:lnTo>
+                    <a:pt x="83" y="83"/>
+                  </a:lnTo>
+                  <a:lnTo>
+                    <a:pt x="83" y="0"/>
+                  </a:lnTo>
+                  <a:close/>
+                </a:path>
+              </a:pathLst>
+            </a:custGeom>
+            <a:solidFill>
+              <a:schemeClr val="dk2"/>
+            </a:solidFill>
+            <a:ln>
+              <a:noFill/>
+            </a:ln>
+          </p:spPr>
+          <p:txBody>
+            <a:bodyPr spcFirstLastPara="1" wrap="square" lIns="93275" tIns="46625" rIns="93275" bIns="46625" anchor="t" anchorCtr="0">
+              <a:noAutofit/>
+            </a:bodyPr>
+            <a:lstStyle/>
+            <a:p>
+              <a:pPr marL="0" marR="0" lvl="0" indent="0" algn="l" rtl="0">
+                <a:lnSpc>
+                  <a:spcPct val="100000"/>
+                </a:lnSpc>
+                <a:spcBef>
+                  <a:spcPts val="0"/>
+                </a:spcBef>
+                <a:spcAft>
+                  <a:spcPts val="0"/>
+                </a:spcAft>
+                <a:buClr>
+                  <a:srgbClr val="000000"/>
+                </a:buClr>
+                <a:buSzPts val="1428"/>
+                <a:buFont typeface="Arial"/>
+                <a:buNone/>
+              </a:pPr>
+              <a:endParaRPr sz="1428" b="0" i="0" u="none" strike="noStrike" cap="none">
+                <a:solidFill>
+                  <a:srgbClr val="000000"/>
+                </a:solidFill>
+                <a:latin typeface="Arial"/>
+                <a:ea typeface="Arial"/>
+                <a:cs typeface="Arial"/>
+                <a:sym typeface="Arial"/>
+              </a:endParaRPr>
+            </a:p>
+          </p:txBody>
+        </p:sp>
+      </p:grpSp>
+      <p:grpSp>
+        <p:nvGrpSpPr>
+          <p:cNvPr id="23" name="Google Shape;45;p1">
+            <a:extLst>
+              <a:ext uri="{FF2B5EF4-FFF2-40B4-BE49-F238E27FC236}">
+                <a16:creationId xmlns:a16="http://schemas.microsoft.com/office/drawing/2014/main" id="{CD84E570-969D-9542-903C-6B94368DC658}"/>
+              </a:ext>
+            </a:extLst>
+          </p:cNvPr>
+          <p:cNvGrpSpPr/>
+          <p:nvPr/>
+        </p:nvGrpSpPr>
+        <p:grpSpPr>
+          <a:xfrm>
+            <a:off x="5689776" y="4511157"/>
+            <a:ext cx="155774" cy="155774"/>
+            <a:chOff x="4283114" y="-597224"/>
+            <a:chExt cx="170332" cy="170332"/>
+          </a:xfrm>
+        </p:grpSpPr>
+        <p:sp>
+          <p:nvSpPr>
+            <p:cNvPr id="24" name="Google Shape;46;p1">
+              <a:extLst>
+                <a:ext uri="{FF2B5EF4-FFF2-40B4-BE49-F238E27FC236}">
+                  <a16:creationId xmlns:a16="http://schemas.microsoft.com/office/drawing/2014/main" id="{802A7558-EBBC-A543-8468-B8D77FA1B45E}"/>
+                </a:ext>
+              </a:extLst>
+            </p:cNvPr>
+            <p:cNvSpPr/>
+            <p:nvPr/>
+          </p:nvSpPr>
+          <p:spPr>
+            <a:xfrm>
+              <a:off x="4283114" y="-597224"/>
+              <a:ext cx="170332" cy="170332"/>
+            </a:xfrm>
+            <a:prstGeom prst="ellipse">
+              <a:avLst/>
+            </a:prstGeom>
+            <a:solidFill>
+              <a:schemeClr val="accent3"/>
+            </a:solidFill>
+            <a:ln w="12700" cap="flat" cmpd="sng">
+              <a:solidFill>
+                <a:schemeClr val="lt1"/>
+              </a:solidFill>
+              <a:prstDash val="solid"/>
+              <a:round/>
+              <a:headEnd type="none" w="sm" len="sm"/>
+              <a:tailEnd type="none" w="sm" len="sm"/>
+            </a:ln>
+          </p:spPr>
+          <p:txBody>
+            <a:bodyPr spcFirstLastPara="1" wrap="square" lIns="91425" tIns="45700" rIns="91425" bIns="45700" anchor="ctr" anchorCtr="0">
+              <a:noAutofit/>
+            </a:bodyPr>
+            <a:lstStyle/>
+            <a:p>
+              <a:pPr marL="0" marR="0" lvl="0" indent="0" algn="l" rtl="0">
+                <a:lnSpc>
+                  <a:spcPct val="100000"/>
+                </a:lnSpc>
+                <a:spcBef>
+                  <a:spcPts val="0"/>
+                </a:spcBef>
+                <a:spcAft>
+                  <a:spcPts val="0"/>
+                </a:spcAft>
+                <a:buClr>
+                  <a:srgbClr val="000000"/>
+                </a:buClr>
+                <a:buSzPts val="1428"/>
+                <a:buFont typeface="Arial"/>
+                <a:buNone/>
+              </a:pPr>
+              <a:endParaRPr sz="1428" b="1" i="0" u="none" strike="noStrike" cap="none">
+                <a:solidFill>
+                  <a:srgbClr val="000000"/>
+                </a:solidFill>
+                <a:latin typeface="Arial"/>
+                <a:ea typeface="Arial"/>
+                <a:cs typeface="Arial"/>
+                <a:sym typeface="Arial"/>
+              </a:endParaRPr>
+            </a:p>
+          </p:txBody>
+        </p:sp>
+        <p:sp>
+          <p:nvSpPr>
+            <p:cNvPr id="25" name="Google Shape;47;p1">
+              <a:extLst>
+                <a:ext uri="{FF2B5EF4-FFF2-40B4-BE49-F238E27FC236}">
+                  <a16:creationId xmlns:a16="http://schemas.microsoft.com/office/drawing/2014/main" id="{EA4AD572-8A38-A34E-82E9-689408146598}"/>
+                </a:ext>
+              </a:extLst>
+            </p:cNvPr>
+            <p:cNvSpPr/>
+            <p:nvPr/>
+          </p:nvSpPr>
+          <p:spPr>
+            <a:xfrm>
+              <a:off x="4308743" y="-571595"/>
+              <a:ext cx="119073" cy="119073"/>
+            </a:xfrm>
+            <a:custGeom>
+              <a:avLst/>
+              <a:gdLst/>
+              <a:ahLst/>
+              <a:cxnLst/>
+              <a:rect l="l" t="t" r="r" b="b"/>
+              <a:pathLst>
+                <a:path w="204" h="204" extrusionOk="0">
+                  <a:moveTo>
+                    <a:pt x="83" y="0"/>
+                  </a:moveTo>
+                  <a:lnTo>
+                    <a:pt x="119" y="0"/>
+                  </a:lnTo>
+                  <a:lnTo>
+                    <a:pt x="119" y="83"/>
+                  </a:lnTo>
+                  <a:lnTo>
+                    <a:pt x="204" y="83"/>
+                  </a:lnTo>
+                  <a:lnTo>
+                    <a:pt x="204" y="119"/>
+                  </a:lnTo>
+                  <a:lnTo>
+                    <a:pt x="119" y="119"/>
+                  </a:lnTo>
+                  <a:lnTo>
+                    <a:pt x="119" y="204"/>
+                  </a:lnTo>
+                  <a:lnTo>
+                    <a:pt x="83" y="204"/>
+                  </a:lnTo>
+                  <a:lnTo>
+                    <a:pt x="83" y="119"/>
+                  </a:lnTo>
+                  <a:lnTo>
+                    <a:pt x="0" y="119"/>
+                  </a:lnTo>
+                  <a:lnTo>
+                    <a:pt x="0" y="83"/>
+                  </a:lnTo>
+                  <a:lnTo>
+                    <a:pt x="83" y="83"/>
+                  </a:lnTo>
+                  <a:lnTo>
+                    <a:pt x="83" y="0"/>
+                  </a:lnTo>
+                  <a:close/>
+                </a:path>
+              </a:pathLst>
+            </a:custGeom>
+            <a:solidFill>
+              <a:schemeClr val="dk2"/>
+            </a:solidFill>
+            <a:ln>
+              <a:noFill/>
+            </a:ln>
+          </p:spPr>
+          <p:txBody>
+            <a:bodyPr spcFirstLastPara="1" wrap="square" lIns="93275" tIns="46625" rIns="93275" bIns="46625" anchor="t" anchorCtr="0">
+              <a:noAutofit/>
+            </a:bodyPr>
+            <a:lstStyle/>
+            <a:p>
+              <a:pPr marL="0" marR="0" lvl="0" indent="0" algn="l" rtl="0">
+                <a:lnSpc>
+                  <a:spcPct val="100000"/>
+                </a:lnSpc>
+                <a:spcBef>
+                  <a:spcPts val="0"/>
+                </a:spcBef>
+                <a:spcAft>
+                  <a:spcPts val="0"/>
+                </a:spcAft>
+                <a:buClr>
+                  <a:srgbClr val="000000"/>
+                </a:buClr>
+                <a:buSzPts val="1428"/>
+                <a:buFont typeface="Arial"/>
+                <a:buNone/>
+              </a:pPr>
+              <a:endParaRPr sz="1428" b="0" i="0" u="none" strike="noStrike" cap="none">
+                <a:solidFill>
+                  <a:srgbClr val="000000"/>
+                </a:solidFill>
+                <a:latin typeface="Arial"/>
+                <a:ea typeface="Arial"/>
+                <a:cs typeface="Arial"/>
+                <a:sym typeface="Arial"/>
+              </a:endParaRPr>
+            </a:p>
+          </p:txBody>
+        </p:sp>
+      </p:grpSp>
+      <p:grpSp>
+        <p:nvGrpSpPr>
+          <p:cNvPr id="26" name="Google Shape;48;p1">
+            <a:extLst>
+              <a:ext uri="{FF2B5EF4-FFF2-40B4-BE49-F238E27FC236}">
+                <a16:creationId xmlns:a16="http://schemas.microsoft.com/office/drawing/2014/main" id="{728C16C1-605B-EB4A-91AA-A5E3C4F64B6E}"/>
+              </a:ext>
+            </a:extLst>
+          </p:cNvPr>
+          <p:cNvGrpSpPr/>
+          <p:nvPr/>
+        </p:nvGrpSpPr>
+        <p:grpSpPr>
+          <a:xfrm>
+            <a:off x="4497487" y="2219290"/>
+            <a:ext cx="2547940" cy="425774"/>
+            <a:chOff x="181331" y="3496200"/>
+            <a:chExt cx="2745464" cy="465566"/>
+          </a:xfrm>
+        </p:grpSpPr>
+        <p:grpSp>
+          <p:nvGrpSpPr>
+            <p:cNvPr id="27" name="Google Shape;49;p1">
+              <a:extLst>
+                <a:ext uri="{FF2B5EF4-FFF2-40B4-BE49-F238E27FC236}">
+                  <a16:creationId xmlns:a16="http://schemas.microsoft.com/office/drawing/2014/main" id="{60C2BC45-B64D-0D4E-9122-302895D2D3C4}"/>
+                </a:ext>
+              </a:extLst>
+            </p:cNvPr>
+            <p:cNvGrpSpPr/>
+            <p:nvPr/>
+          </p:nvGrpSpPr>
+          <p:grpSpPr>
+            <a:xfrm>
+              <a:off x="1699968" y="3521670"/>
+              <a:ext cx="1226827" cy="154830"/>
+              <a:chOff x="4954832" y="1080555"/>
+              <a:chExt cx="1088747" cy="147867"/>
+            </a:xfrm>
+          </p:grpSpPr>
+          <p:sp>
+            <p:nvSpPr>
+              <p:cNvPr id="33" name="Google Shape;50;p1">
+                <a:extLst>
+                  <a:ext uri="{FF2B5EF4-FFF2-40B4-BE49-F238E27FC236}">
+                    <a16:creationId xmlns:a16="http://schemas.microsoft.com/office/drawing/2014/main" id="{FF73BBC9-D10A-424F-BE14-F9E3AEBB0213}"/>
+                  </a:ext>
+                </a:extLst>
+              </p:cNvPr>
+              <p:cNvSpPr txBox="1"/>
+              <p:nvPr/>
+            </p:nvSpPr>
+            <p:spPr>
+              <a:xfrm>
+                <a:off x="4954832" y="1080555"/>
+                <a:ext cx="769475" cy="147867"/>
+              </a:xfrm>
+              <a:prstGeom prst="rect">
+                <a:avLst/>
+              </a:prstGeom>
+              <a:noFill/>
+              <a:ln>
+                <a:noFill/>
+              </a:ln>
+            </p:spPr>
+            <p:txBody>
+              <a:bodyPr spcFirstLastPara="1" wrap="square" lIns="0" tIns="0" rIns="0" bIns="0" anchor="t" anchorCtr="0">
+                <a:noAutofit/>
+              </a:bodyPr>
+              <a:lstStyle/>
+              <a:p>
+                <a:pPr marL="0" marR="0" lvl="0" indent="0" algn="l" rtl="0">
+                  <a:lnSpc>
+                    <a:spcPct val="100000"/>
+                  </a:lnSpc>
+                  <a:spcBef>
+                    <a:spcPts val="0"/>
+                  </a:spcBef>
+                  <a:spcAft>
+                    <a:spcPts val="0"/>
+                  </a:spcAft>
+                  <a:buClr>
+                    <a:srgbClr val="879C16"/>
+                  </a:buClr>
+                  <a:buSzPts val="714"/>
+                  <a:buFont typeface="Arial"/>
+                  <a:buNone/>
+                </a:pPr>
+                <a:r>
+                  <a:rPr lang="en-US" sz="714" b="1" i="0" u="none" strike="noStrike" cap="none">
+                    <a:solidFill>
+                      <a:srgbClr val="FFFFFF"/>
+                    </a:solidFill>
+                    <a:latin typeface="Arial"/>
+                    <a:ea typeface="Arial"/>
+                    <a:cs typeface="Arial"/>
+                    <a:sym typeface="Arial"/>
+                  </a:rPr>
+                  <a:t>Coal based costs</a:t>
+                </a:r>
+                <a:endParaRPr/>
+              </a:p>
+            </p:txBody>
+          </p:sp>
+          <p:sp>
+            <p:nvSpPr>
+              <p:cNvPr id="34" name="Google Shape;51;p1">
+                <a:extLst>
+                  <a:ext uri="{FF2B5EF4-FFF2-40B4-BE49-F238E27FC236}">
+                    <a16:creationId xmlns:a16="http://schemas.microsoft.com/office/drawing/2014/main" id="{CEEC1431-8DD2-C445-9977-2BB2BAD73148}"/>
+                  </a:ext>
+                </a:extLst>
+              </p:cNvPr>
+              <p:cNvSpPr txBox="1"/>
+              <p:nvPr/>
+            </p:nvSpPr>
+            <p:spPr>
+              <a:xfrm>
+                <a:off x="5713681" y="1080555"/>
+                <a:ext cx="329898" cy="147867"/>
+              </a:xfrm>
+              <a:prstGeom prst="rect">
+                <a:avLst/>
+              </a:prstGeom>
+              <a:noFill/>
+              <a:ln>
+                <a:noFill/>
+              </a:ln>
+            </p:spPr>
+            <p:txBody>
+              <a:bodyPr spcFirstLastPara="1" wrap="square" lIns="0" tIns="0" rIns="0" bIns="0" anchor="t" anchorCtr="0">
+                <a:noAutofit/>
+              </a:bodyPr>
+              <a:lstStyle/>
+              <a:p>
+                <a:pPr marL="0" marR="0" lvl="0" indent="0" algn="ctr" rtl="0">
+                  <a:lnSpc>
+                    <a:spcPct val="100000"/>
+                  </a:lnSpc>
+                  <a:spcBef>
+                    <a:spcPts val="0"/>
+                  </a:spcBef>
+                  <a:spcAft>
+                    <a:spcPts val="0"/>
+                  </a:spcAft>
+                  <a:buClr>
+                    <a:srgbClr val="879C16"/>
+                  </a:buClr>
+                  <a:buSzPts val="714"/>
+                  <a:buFont typeface="Arial"/>
+                  <a:buNone/>
+                </a:pPr>
+                <a:r>
+                  <a:rPr lang="en-US" sz="714" b="1" i="0" u="none" strike="noStrike" cap="none">
+                    <a:solidFill>
+                      <a:srgbClr val="FFFFFF"/>
+                    </a:solidFill>
+                    <a:latin typeface="Arial"/>
+                    <a:ea typeface="Arial"/>
+                    <a:cs typeface="Arial"/>
+                    <a:sym typeface="Arial"/>
+                  </a:rPr>
+                  <a:t>($)</a:t>
+                </a:r>
+                <a:endParaRPr/>
+              </a:p>
+            </p:txBody>
+          </p:sp>
+        </p:grpSp>
+        <p:grpSp>
+          <p:nvGrpSpPr>
+            <p:cNvPr id="28" name="Google Shape;52;p1">
+              <a:extLst>
+                <a:ext uri="{FF2B5EF4-FFF2-40B4-BE49-F238E27FC236}">
+                  <a16:creationId xmlns:a16="http://schemas.microsoft.com/office/drawing/2014/main" id="{9FD68EDB-33BE-DA4F-B15D-DC01EF384045}"/>
+                </a:ext>
+              </a:extLst>
+            </p:cNvPr>
+            <p:cNvGrpSpPr/>
+            <p:nvPr/>
+          </p:nvGrpSpPr>
+          <p:grpSpPr>
+            <a:xfrm>
+              <a:off x="181331" y="3496200"/>
+              <a:ext cx="1341505" cy="465566"/>
+              <a:chOff x="4934192" y="1056229"/>
+              <a:chExt cx="1190519" cy="444628"/>
+            </a:xfrm>
+          </p:grpSpPr>
+          <p:sp>
+            <p:nvSpPr>
+              <p:cNvPr id="29" name="Google Shape;53;p1">
+                <a:extLst>
+                  <a:ext uri="{FF2B5EF4-FFF2-40B4-BE49-F238E27FC236}">
+                    <a16:creationId xmlns:a16="http://schemas.microsoft.com/office/drawing/2014/main" id="{2D58AA0C-A3E8-684B-A209-8C125D3C5374}"/>
+                  </a:ext>
+                </a:extLst>
+              </p:cNvPr>
+              <p:cNvSpPr/>
+              <p:nvPr/>
+            </p:nvSpPr>
+            <p:spPr>
+              <a:xfrm>
+                <a:off x="4934192" y="1056229"/>
+                <a:ext cx="1131757" cy="444628"/>
+              </a:xfrm>
+              <a:prstGeom prst="rect">
+                <a:avLst/>
+              </a:prstGeom>
+              <a:solidFill>
+                <a:schemeClr val="lt1"/>
+              </a:solidFill>
+              <a:ln w="12700" cap="flat" cmpd="sng">
+                <a:solidFill>
+                  <a:schemeClr val="accent2"/>
+                </a:solidFill>
+                <a:prstDash val="solid"/>
+                <a:round/>
+                <a:headEnd type="none" w="sm" len="sm"/>
+                <a:tailEnd type="none" w="sm" len="sm"/>
+              </a:ln>
+            </p:spPr>
+            <p:txBody>
+              <a:bodyPr spcFirstLastPara="1" wrap="square" lIns="91425" tIns="45700" rIns="91425" bIns="45700" anchor="ctr" anchorCtr="0">
+                <a:noAutofit/>
+              </a:bodyPr>
+              <a:lstStyle/>
+              <a:p>
+                <a:pPr marL="0" marR="0" lvl="0" indent="0" algn="ctr" rtl="0">
+                  <a:lnSpc>
+                    <a:spcPct val="100000"/>
+                  </a:lnSpc>
+                  <a:spcBef>
+                    <a:spcPts val="0"/>
+                  </a:spcBef>
+                  <a:spcAft>
+                    <a:spcPts val="0"/>
+                  </a:spcAft>
+                  <a:buClr>
+                    <a:srgbClr val="000000"/>
+                  </a:buClr>
+                  <a:buSzPts val="714"/>
+                  <a:buFont typeface="Arial"/>
+                  <a:buNone/>
+                </a:pPr>
+                <a:endParaRPr sz="714" b="0" i="0" u="none" strike="noStrike" cap="none">
+                  <a:solidFill>
+                    <a:srgbClr val="002C46"/>
+                  </a:solidFill>
+                  <a:latin typeface="Arial"/>
+                  <a:ea typeface="Arial"/>
+                  <a:cs typeface="Arial"/>
+                  <a:sym typeface="Arial"/>
+                </a:endParaRPr>
+              </a:p>
+            </p:txBody>
+          </p:sp>
+          <p:sp>
+            <p:nvSpPr>
+              <p:cNvPr id="30" name="Google Shape;54;p1">
+                <a:extLst>
+                  <a:ext uri="{FF2B5EF4-FFF2-40B4-BE49-F238E27FC236}">
+                    <a16:creationId xmlns:a16="http://schemas.microsoft.com/office/drawing/2014/main" id="{85B4AA2E-346E-C64F-8461-ECF2523EB1D1}"/>
+                  </a:ext>
+                </a:extLst>
+              </p:cNvPr>
+              <p:cNvSpPr/>
+              <p:nvPr/>
+            </p:nvSpPr>
+            <p:spPr>
+              <a:xfrm>
+                <a:off x="4934192" y="1056229"/>
+                <a:ext cx="1131757" cy="264464"/>
+              </a:xfrm>
+              <a:prstGeom prst="rect">
+                <a:avLst/>
+              </a:prstGeom>
+              <a:solidFill>
+                <a:srgbClr val="00C09D"/>
+              </a:solidFill>
+              <a:ln w="12700" cap="flat" cmpd="sng">
+                <a:solidFill>
+                  <a:schemeClr val="accent2"/>
+                </a:solidFill>
+                <a:prstDash val="solid"/>
+                <a:round/>
+                <a:headEnd type="none" w="sm" len="sm"/>
+                <a:tailEnd type="none" w="sm" len="sm"/>
+              </a:ln>
+            </p:spPr>
+            <p:txBody>
+              <a:bodyPr spcFirstLastPara="1" wrap="square" lIns="91425" tIns="45700" rIns="91425" bIns="45700" anchor="ctr" anchorCtr="0">
+                <a:noAutofit/>
+              </a:bodyPr>
+              <a:lstStyle/>
+              <a:p>
+                <a:pPr marL="0" marR="0" lvl="0" indent="0" algn="ctr" rtl="0">
+                  <a:lnSpc>
+                    <a:spcPct val="100000"/>
+                  </a:lnSpc>
+                  <a:spcBef>
+                    <a:spcPts val="0"/>
+                  </a:spcBef>
+                  <a:spcAft>
+                    <a:spcPts val="0"/>
+                  </a:spcAft>
+                  <a:buClr>
+                    <a:srgbClr val="000000"/>
+                  </a:buClr>
+                  <a:buSzPts val="714"/>
+                  <a:buFont typeface="Arial"/>
+                  <a:buNone/>
+                </a:pPr>
+                <a:endParaRPr sz="714" b="0" i="0" u="none" strike="noStrike" cap="none">
+                  <a:solidFill>
+                    <a:srgbClr val="002C46"/>
+                  </a:solidFill>
+                  <a:latin typeface="Arial"/>
+                  <a:ea typeface="Arial"/>
+                  <a:cs typeface="Arial"/>
+                  <a:sym typeface="Arial"/>
+                </a:endParaRPr>
+              </a:p>
+            </p:txBody>
+          </p:sp>
+          <p:sp>
+            <p:nvSpPr>
+              <p:cNvPr id="31" name="Google Shape;55;p1">
+                <a:extLst>
+                  <a:ext uri="{FF2B5EF4-FFF2-40B4-BE49-F238E27FC236}">
+                    <a16:creationId xmlns:a16="http://schemas.microsoft.com/office/drawing/2014/main" id="{AE063B2C-1EC4-974D-92E7-48A43478E422}"/>
+                  </a:ext>
+                </a:extLst>
+              </p:cNvPr>
+              <p:cNvSpPr txBox="1"/>
+              <p:nvPr/>
+            </p:nvSpPr>
+            <p:spPr>
+              <a:xfrm>
+                <a:off x="4954832" y="1080554"/>
+                <a:ext cx="769475" cy="229537"/>
+              </a:xfrm>
+              <a:prstGeom prst="rect">
+                <a:avLst/>
+              </a:prstGeom>
+              <a:noFill/>
+              <a:ln>
+                <a:noFill/>
+              </a:ln>
+            </p:spPr>
+            <p:txBody>
+              <a:bodyPr spcFirstLastPara="1" wrap="square" lIns="0" tIns="0" rIns="0" bIns="0" anchor="t" anchorCtr="0">
+                <a:spAutoFit/>
+              </a:bodyPr>
+              <a:lstStyle/>
+              <a:p>
+                <a:pPr marL="0" marR="0" lvl="0" indent="0" algn="l" rtl="0">
+                  <a:lnSpc>
+                    <a:spcPct val="100000"/>
+                  </a:lnSpc>
+                  <a:spcBef>
+                    <a:spcPts val="0"/>
+                  </a:spcBef>
+                  <a:spcAft>
+                    <a:spcPts val="0"/>
+                  </a:spcAft>
+                  <a:buClr>
+                    <a:srgbClr val="879C16"/>
+                  </a:buClr>
+                  <a:buSzPts val="714"/>
+                  <a:buFont typeface="Arial"/>
+                  <a:buNone/>
+                </a:pPr>
+                <a:r>
+                  <a:rPr lang="en-US" sz="714" b="1" i="0" u="none" strike="noStrike" cap="none" dirty="0">
+                    <a:solidFill>
+                      <a:srgbClr val="FFFFFF"/>
+                    </a:solidFill>
+                    <a:latin typeface="Arial"/>
+                    <a:ea typeface="Arial"/>
+                    <a:cs typeface="Arial"/>
+                    <a:sym typeface="Arial"/>
+                  </a:rPr>
+                  <a:t>Revenue from Ore Sold</a:t>
+                </a:r>
+                <a:endParaRPr dirty="0"/>
+              </a:p>
+            </p:txBody>
+          </p:sp>
+          <p:sp>
+            <p:nvSpPr>
+              <p:cNvPr id="32" name="Google Shape;56;p1">
+                <a:extLst>
+                  <a:ext uri="{FF2B5EF4-FFF2-40B4-BE49-F238E27FC236}">
+                    <a16:creationId xmlns:a16="http://schemas.microsoft.com/office/drawing/2014/main" id="{EF99B18A-9817-E246-BE34-BFEB907DEEE7}"/>
+                  </a:ext>
+                </a:extLst>
+              </p:cNvPr>
+              <p:cNvSpPr txBox="1"/>
+              <p:nvPr/>
+            </p:nvSpPr>
+            <p:spPr>
+              <a:xfrm>
+                <a:off x="5794813" y="1080554"/>
+                <a:ext cx="329898" cy="117099"/>
+              </a:xfrm>
+              <a:prstGeom prst="rect">
+                <a:avLst/>
+              </a:prstGeom>
+              <a:noFill/>
+              <a:ln>
+                <a:noFill/>
+              </a:ln>
+            </p:spPr>
+            <p:txBody>
+              <a:bodyPr spcFirstLastPara="1" wrap="square" lIns="0" tIns="0" rIns="0" bIns="0" anchor="t" anchorCtr="0">
+                <a:spAutoFit/>
+              </a:bodyPr>
+              <a:lstStyle/>
+              <a:p>
+                <a:pPr marL="0" marR="0" lvl="0" indent="0" algn="l" rtl="0">
+                  <a:lnSpc>
+                    <a:spcPct val="100000"/>
+                  </a:lnSpc>
+                  <a:spcBef>
+                    <a:spcPts val="0"/>
+                  </a:spcBef>
+                  <a:spcAft>
+                    <a:spcPts val="0"/>
+                  </a:spcAft>
+                  <a:buClr>
+                    <a:srgbClr val="879C16"/>
+                  </a:buClr>
+                  <a:buSzPts val="714"/>
+                  <a:buFont typeface="Arial"/>
+                  <a:buNone/>
+                </a:pPr>
+                <a:r>
+                  <a:rPr lang="en-US" sz="714" b="1" i="0" u="none" strike="noStrike" cap="none" dirty="0">
+                    <a:solidFill>
+                      <a:srgbClr val="FFFFFF"/>
+                    </a:solidFill>
+                    <a:latin typeface="Arial"/>
+                    <a:ea typeface="Arial"/>
+                    <a:cs typeface="Arial"/>
+                    <a:sym typeface="Arial"/>
+                  </a:rPr>
+                  <a:t>($55)</a:t>
+                </a:r>
+                <a:endParaRPr dirty="0"/>
+              </a:p>
+            </p:txBody>
+          </p:sp>
+        </p:grpSp>
+      </p:grpSp>
+      <p:grpSp>
+        <p:nvGrpSpPr>
+          <p:cNvPr id="35" name="Google Shape;57;p1">
+            <a:extLst>
+              <a:ext uri="{FF2B5EF4-FFF2-40B4-BE49-F238E27FC236}">
+                <a16:creationId xmlns:a16="http://schemas.microsoft.com/office/drawing/2014/main" id="{1D83DEB1-E50A-7D4B-82C1-B7D91281704C}"/>
+              </a:ext>
+            </a:extLst>
+          </p:cNvPr>
+          <p:cNvGrpSpPr/>
+          <p:nvPr/>
+        </p:nvGrpSpPr>
+        <p:grpSpPr>
+          <a:xfrm>
+            <a:off x="4497485" y="4358684"/>
+            <a:ext cx="2547942" cy="425774"/>
+            <a:chOff x="181329" y="3496200"/>
+            <a:chExt cx="2745466" cy="465566"/>
+          </a:xfrm>
+        </p:grpSpPr>
+        <p:grpSp>
+          <p:nvGrpSpPr>
+            <p:cNvPr id="36" name="Google Shape;58;p1">
+              <a:extLst>
+                <a:ext uri="{FF2B5EF4-FFF2-40B4-BE49-F238E27FC236}">
+                  <a16:creationId xmlns:a16="http://schemas.microsoft.com/office/drawing/2014/main" id="{4F648BF2-8200-0843-BCE7-CE6A2D2FE4F4}"/>
+                </a:ext>
+              </a:extLst>
+            </p:cNvPr>
+            <p:cNvGrpSpPr/>
+            <p:nvPr/>
+          </p:nvGrpSpPr>
+          <p:grpSpPr>
+            <a:xfrm>
+              <a:off x="1699968" y="3521670"/>
+              <a:ext cx="1226827" cy="154830"/>
+              <a:chOff x="4954832" y="1080555"/>
+              <a:chExt cx="1088747" cy="147867"/>
+            </a:xfrm>
+          </p:grpSpPr>
+          <p:sp>
+            <p:nvSpPr>
+              <p:cNvPr id="42" name="Google Shape;59;p1">
+                <a:extLst>
+                  <a:ext uri="{FF2B5EF4-FFF2-40B4-BE49-F238E27FC236}">
+                    <a16:creationId xmlns:a16="http://schemas.microsoft.com/office/drawing/2014/main" id="{A758C5C9-E6D9-7945-A29A-9A39556BFF63}"/>
+                  </a:ext>
+                </a:extLst>
+              </p:cNvPr>
+              <p:cNvSpPr txBox="1"/>
+              <p:nvPr/>
+            </p:nvSpPr>
+            <p:spPr>
+              <a:xfrm>
+                <a:off x="4954832" y="1080555"/>
+                <a:ext cx="769475" cy="147867"/>
+              </a:xfrm>
+              <a:prstGeom prst="rect">
+                <a:avLst/>
+              </a:prstGeom>
+              <a:noFill/>
+              <a:ln>
+                <a:noFill/>
+              </a:ln>
+            </p:spPr>
+            <p:txBody>
+              <a:bodyPr spcFirstLastPara="1" wrap="square" lIns="0" tIns="0" rIns="0" bIns="0" anchor="t" anchorCtr="0">
+                <a:noAutofit/>
+              </a:bodyPr>
+              <a:lstStyle/>
+              <a:p>
+                <a:pPr marL="0" marR="0" lvl="0" indent="0" algn="l" rtl="0">
+                  <a:lnSpc>
+                    <a:spcPct val="100000"/>
+                  </a:lnSpc>
+                  <a:spcBef>
+                    <a:spcPts val="0"/>
+                  </a:spcBef>
+                  <a:spcAft>
+                    <a:spcPts val="0"/>
+                  </a:spcAft>
+                  <a:buClr>
+                    <a:srgbClr val="879C16"/>
+                  </a:buClr>
+                  <a:buSzPts val="714"/>
+                  <a:buFont typeface="Arial"/>
+                  <a:buNone/>
+                </a:pPr>
+                <a:r>
+                  <a:rPr lang="en-US" sz="714" b="1" i="0" u="none" strike="noStrike" cap="none">
+                    <a:solidFill>
+                      <a:srgbClr val="FFFFFF"/>
+                    </a:solidFill>
+                    <a:latin typeface="Arial"/>
+                    <a:ea typeface="Arial"/>
+                    <a:cs typeface="Arial"/>
+                    <a:sym typeface="Arial"/>
+                  </a:rPr>
+                  <a:t>Coal based costs</a:t>
+                </a:r>
+                <a:endParaRPr/>
+              </a:p>
+            </p:txBody>
+          </p:sp>
+          <p:sp>
+            <p:nvSpPr>
+              <p:cNvPr id="43" name="Google Shape;60;p1">
+                <a:extLst>
+                  <a:ext uri="{FF2B5EF4-FFF2-40B4-BE49-F238E27FC236}">
+                    <a16:creationId xmlns:a16="http://schemas.microsoft.com/office/drawing/2014/main" id="{10702A90-0FBB-6949-8B2B-0D12F6D1817B}"/>
+                  </a:ext>
+                </a:extLst>
+              </p:cNvPr>
+              <p:cNvSpPr txBox="1"/>
+              <p:nvPr/>
+            </p:nvSpPr>
+            <p:spPr>
+              <a:xfrm>
+                <a:off x="5713681" y="1080555"/>
+                <a:ext cx="329898" cy="147867"/>
+              </a:xfrm>
+              <a:prstGeom prst="rect">
+                <a:avLst/>
+              </a:prstGeom>
+              <a:noFill/>
+              <a:ln>
+                <a:noFill/>
+              </a:ln>
+            </p:spPr>
+            <p:txBody>
+              <a:bodyPr spcFirstLastPara="1" wrap="square" lIns="0" tIns="0" rIns="0" bIns="0" anchor="t" anchorCtr="0">
+                <a:noAutofit/>
+              </a:bodyPr>
+              <a:lstStyle/>
+              <a:p>
+                <a:pPr marL="0" marR="0" lvl="0" indent="0" algn="ctr" rtl="0">
+                  <a:lnSpc>
+                    <a:spcPct val="100000"/>
+                  </a:lnSpc>
+                  <a:spcBef>
+                    <a:spcPts val="0"/>
+                  </a:spcBef>
+                  <a:spcAft>
+                    <a:spcPts val="0"/>
+                  </a:spcAft>
+                  <a:buClr>
+                    <a:srgbClr val="879C16"/>
+                  </a:buClr>
+                  <a:buSzPts val="714"/>
+                  <a:buFont typeface="Arial"/>
+                  <a:buNone/>
+                </a:pPr>
+                <a:r>
+                  <a:rPr lang="en-US" sz="714" b="1" i="0" u="none" strike="noStrike" cap="none">
+                    <a:solidFill>
+                      <a:srgbClr val="FFFFFF"/>
+                    </a:solidFill>
+                    <a:latin typeface="Arial"/>
+                    <a:ea typeface="Arial"/>
+                    <a:cs typeface="Arial"/>
+                    <a:sym typeface="Arial"/>
+                  </a:rPr>
+                  <a:t>($)</a:t>
+                </a:r>
+                <a:endParaRPr/>
+              </a:p>
+            </p:txBody>
+          </p:sp>
+        </p:grpSp>
+        <p:grpSp>
+          <p:nvGrpSpPr>
+            <p:cNvPr id="37" name="Google Shape;61;p1">
+              <a:extLst>
+                <a:ext uri="{FF2B5EF4-FFF2-40B4-BE49-F238E27FC236}">
+                  <a16:creationId xmlns:a16="http://schemas.microsoft.com/office/drawing/2014/main" id="{269B2746-4618-5846-894F-75A467F0B704}"/>
+                </a:ext>
+              </a:extLst>
+            </p:cNvPr>
+            <p:cNvGrpSpPr/>
+            <p:nvPr/>
+          </p:nvGrpSpPr>
+          <p:grpSpPr>
+            <a:xfrm>
+              <a:off x="181329" y="3496200"/>
+              <a:ext cx="1361821" cy="465566"/>
+              <a:chOff x="4934192" y="1056229"/>
+              <a:chExt cx="1208549" cy="444628"/>
+            </a:xfrm>
+          </p:grpSpPr>
+          <p:sp>
+            <p:nvSpPr>
+              <p:cNvPr id="38" name="Google Shape;62;p1">
+                <a:extLst>
+                  <a:ext uri="{FF2B5EF4-FFF2-40B4-BE49-F238E27FC236}">
+                    <a16:creationId xmlns:a16="http://schemas.microsoft.com/office/drawing/2014/main" id="{C9CF31CA-5BB3-2744-9FFF-4E191B2BD07B}"/>
+                  </a:ext>
+                </a:extLst>
+              </p:cNvPr>
+              <p:cNvSpPr/>
+              <p:nvPr/>
+            </p:nvSpPr>
+            <p:spPr>
+              <a:xfrm>
+                <a:off x="4934192" y="1056229"/>
+                <a:ext cx="1131757" cy="444628"/>
+              </a:xfrm>
+              <a:prstGeom prst="rect">
+                <a:avLst/>
+              </a:prstGeom>
+              <a:solidFill>
+                <a:schemeClr val="lt1"/>
+              </a:solidFill>
+              <a:ln w="12700" cap="flat" cmpd="sng">
+                <a:solidFill>
+                  <a:schemeClr val="accent2"/>
+                </a:solidFill>
+                <a:prstDash val="solid"/>
+                <a:round/>
+                <a:headEnd type="none" w="sm" len="sm"/>
+                <a:tailEnd type="none" w="sm" len="sm"/>
+              </a:ln>
+            </p:spPr>
+            <p:txBody>
+              <a:bodyPr spcFirstLastPara="1" wrap="square" lIns="91425" tIns="45700" rIns="91425" bIns="45700" anchor="ctr" anchorCtr="0">
+                <a:noAutofit/>
+              </a:bodyPr>
+              <a:lstStyle/>
+              <a:p>
+                <a:pPr marL="0" marR="0" lvl="0" indent="0" algn="ctr" rtl="0">
+                  <a:lnSpc>
+                    <a:spcPct val="100000"/>
+                  </a:lnSpc>
+                  <a:spcBef>
+                    <a:spcPts val="0"/>
+                  </a:spcBef>
+                  <a:spcAft>
+                    <a:spcPts val="0"/>
+                  </a:spcAft>
+                  <a:buClr>
+                    <a:srgbClr val="000000"/>
+                  </a:buClr>
+                  <a:buSzPts val="714"/>
+                  <a:buFont typeface="Arial"/>
+                  <a:buNone/>
+                </a:pPr>
+                <a:endParaRPr sz="714" b="0" i="0" u="none" strike="noStrike" cap="none" dirty="0">
+                  <a:solidFill>
+                    <a:srgbClr val="002C46"/>
+                  </a:solidFill>
+                  <a:latin typeface="Arial"/>
+                  <a:ea typeface="Arial"/>
+                  <a:cs typeface="Arial"/>
+                  <a:sym typeface="Arial"/>
+                </a:endParaRPr>
+              </a:p>
+            </p:txBody>
+          </p:sp>
+          <p:sp>
+            <p:nvSpPr>
+              <p:cNvPr id="39" name="Google Shape;63;p1">
+                <a:extLst>
+                  <a:ext uri="{FF2B5EF4-FFF2-40B4-BE49-F238E27FC236}">
+                    <a16:creationId xmlns:a16="http://schemas.microsoft.com/office/drawing/2014/main" id="{4B97220F-E64C-934B-A77D-2B87A3E50482}"/>
+                  </a:ext>
+                </a:extLst>
+              </p:cNvPr>
+              <p:cNvSpPr/>
+              <p:nvPr/>
+            </p:nvSpPr>
+            <p:spPr>
+              <a:xfrm>
+                <a:off x="4934192" y="1056229"/>
+                <a:ext cx="1131757" cy="264464"/>
+              </a:xfrm>
+              <a:prstGeom prst="rect">
+                <a:avLst/>
+              </a:prstGeom>
+              <a:solidFill>
+                <a:srgbClr val="00C09D"/>
+              </a:solidFill>
+              <a:ln w="12700" cap="flat" cmpd="sng">
+                <a:solidFill>
+                  <a:schemeClr val="accent2"/>
+                </a:solidFill>
+                <a:prstDash val="solid"/>
+                <a:round/>
+                <a:headEnd type="none" w="sm" len="sm"/>
+                <a:tailEnd type="none" w="sm" len="sm"/>
+              </a:ln>
+            </p:spPr>
+            <p:txBody>
+              <a:bodyPr spcFirstLastPara="1" wrap="square" lIns="91425" tIns="45700" rIns="91425" bIns="45700" anchor="ctr" anchorCtr="0">
+                <a:noAutofit/>
+              </a:bodyPr>
+              <a:lstStyle/>
+              <a:p>
+                <a:pPr marL="0" marR="0" lvl="0" indent="0" algn="ctr" rtl="0">
+                  <a:lnSpc>
+                    <a:spcPct val="100000"/>
+                  </a:lnSpc>
+                  <a:spcBef>
+                    <a:spcPts val="0"/>
+                  </a:spcBef>
+                  <a:spcAft>
+                    <a:spcPts val="0"/>
+                  </a:spcAft>
+                  <a:buClr>
+                    <a:srgbClr val="000000"/>
+                  </a:buClr>
+                  <a:buSzPts val="714"/>
+                  <a:buFont typeface="Arial"/>
+                  <a:buNone/>
+                </a:pPr>
+                <a:endParaRPr sz="714" b="0" i="0" u="none" strike="noStrike" cap="none">
+                  <a:solidFill>
+                    <a:srgbClr val="002C46"/>
+                  </a:solidFill>
+                  <a:latin typeface="Arial"/>
+                  <a:ea typeface="Arial"/>
+                  <a:cs typeface="Arial"/>
+                  <a:sym typeface="Arial"/>
+                </a:endParaRPr>
+              </a:p>
+            </p:txBody>
+          </p:sp>
+          <p:sp>
+            <p:nvSpPr>
+              <p:cNvPr id="40" name="Google Shape;64;p1">
+                <a:extLst>
+                  <a:ext uri="{FF2B5EF4-FFF2-40B4-BE49-F238E27FC236}">
+                    <a16:creationId xmlns:a16="http://schemas.microsoft.com/office/drawing/2014/main" id="{D5025373-F47A-E14F-96ED-A8E555CC9C59}"/>
+                  </a:ext>
+                </a:extLst>
+              </p:cNvPr>
+              <p:cNvSpPr txBox="1"/>
+              <p:nvPr/>
+            </p:nvSpPr>
+            <p:spPr>
+              <a:xfrm>
+                <a:off x="4954832" y="1080554"/>
+                <a:ext cx="1020721" cy="229537"/>
+              </a:xfrm>
+              <a:prstGeom prst="rect">
+                <a:avLst/>
+              </a:prstGeom>
+              <a:noFill/>
+              <a:ln>
+                <a:noFill/>
+              </a:ln>
+            </p:spPr>
+            <p:txBody>
+              <a:bodyPr spcFirstLastPara="1" wrap="square" lIns="0" tIns="0" rIns="0" bIns="0" anchor="t" anchorCtr="0">
+                <a:spAutoFit/>
+              </a:bodyPr>
+              <a:lstStyle/>
+              <a:p>
+                <a:pPr marL="0" marR="0" lvl="0" indent="0" algn="l" rtl="0">
+                  <a:lnSpc>
+                    <a:spcPct val="100000"/>
+                  </a:lnSpc>
+                  <a:spcBef>
+                    <a:spcPts val="0"/>
+                  </a:spcBef>
+                  <a:spcAft>
+                    <a:spcPts val="0"/>
+                  </a:spcAft>
+                  <a:buClr>
+                    <a:srgbClr val="879C16"/>
+                  </a:buClr>
+                  <a:buSzPts val="714"/>
+                  <a:buFont typeface="Arial"/>
+                  <a:buNone/>
+                </a:pPr>
+                <a:r>
+                  <a:rPr lang="en-US" sz="714" b="1" dirty="0">
+                    <a:solidFill>
+                      <a:srgbClr val="FFFFFF"/>
+                    </a:solidFill>
+                  </a:rPr>
+                  <a:t>Production Maintenance Costs</a:t>
+                </a:r>
+                <a:endParaRPr dirty="0"/>
+              </a:p>
+            </p:txBody>
+          </p:sp>
+          <p:sp>
+            <p:nvSpPr>
+              <p:cNvPr id="41" name="Google Shape;65;p1">
+                <a:extLst>
+                  <a:ext uri="{FF2B5EF4-FFF2-40B4-BE49-F238E27FC236}">
+                    <a16:creationId xmlns:a16="http://schemas.microsoft.com/office/drawing/2014/main" id="{90E3186C-2BE4-AE4D-B900-415331C2CB0B}"/>
+                  </a:ext>
+                </a:extLst>
+              </p:cNvPr>
+              <p:cNvSpPr txBox="1"/>
+              <p:nvPr/>
+            </p:nvSpPr>
+            <p:spPr>
+              <a:xfrm>
+                <a:off x="5812843" y="1188843"/>
+                <a:ext cx="329898" cy="117099"/>
+              </a:xfrm>
+              <a:prstGeom prst="rect">
+                <a:avLst/>
+              </a:prstGeom>
+              <a:noFill/>
+              <a:ln>
+                <a:noFill/>
+              </a:ln>
+            </p:spPr>
+            <p:txBody>
+              <a:bodyPr spcFirstLastPara="1" wrap="square" lIns="0" tIns="0" rIns="0" bIns="0" anchor="t" anchorCtr="0">
+                <a:spAutoFit/>
+              </a:bodyPr>
+              <a:lstStyle/>
+              <a:p>
+                <a:pPr marL="0" marR="0" lvl="0" indent="0" algn="l" rtl="0">
+                  <a:lnSpc>
+                    <a:spcPct val="100000"/>
+                  </a:lnSpc>
+                  <a:spcBef>
+                    <a:spcPts val="0"/>
+                  </a:spcBef>
+                  <a:spcAft>
+                    <a:spcPts val="0"/>
+                  </a:spcAft>
+                  <a:buClr>
+                    <a:srgbClr val="879C16"/>
+                  </a:buClr>
+                  <a:buSzPts val="714"/>
+                  <a:buFont typeface="Arial"/>
+                  <a:buNone/>
+                </a:pPr>
+                <a:r>
+                  <a:rPr lang="en-US" sz="714" b="1" i="0" u="none" strike="noStrike" cap="none" dirty="0">
+                    <a:solidFill>
+                      <a:srgbClr val="FFFFFF"/>
+                    </a:solidFill>
+                    <a:latin typeface="Arial"/>
+                    <a:ea typeface="Arial"/>
+                    <a:cs typeface="Arial"/>
+                    <a:sym typeface="Arial"/>
+                  </a:rPr>
+                  <a:t>(45M)</a:t>
+                </a:r>
+                <a:endParaRPr dirty="0"/>
+              </a:p>
+            </p:txBody>
+          </p:sp>
+        </p:grpSp>
+      </p:grpSp>
+      <p:grpSp>
+        <p:nvGrpSpPr>
+          <p:cNvPr id="44" name="Google Shape;66;p1">
+            <a:extLst>
+              <a:ext uri="{FF2B5EF4-FFF2-40B4-BE49-F238E27FC236}">
+                <a16:creationId xmlns:a16="http://schemas.microsoft.com/office/drawing/2014/main" id="{DCC3DB83-85D0-7847-BD26-F83DAB7BA7EE}"/>
+              </a:ext>
+            </a:extLst>
+          </p:cNvPr>
+          <p:cNvGrpSpPr/>
+          <p:nvPr/>
+        </p:nvGrpSpPr>
+        <p:grpSpPr>
+          <a:xfrm>
+            <a:off x="6035565" y="5206358"/>
+            <a:ext cx="2547937" cy="425774"/>
+            <a:chOff x="181334" y="3496200"/>
+            <a:chExt cx="2745461" cy="465566"/>
+          </a:xfrm>
+        </p:grpSpPr>
+        <p:grpSp>
+          <p:nvGrpSpPr>
+            <p:cNvPr id="45" name="Google Shape;67;p1">
+              <a:extLst>
+                <a:ext uri="{FF2B5EF4-FFF2-40B4-BE49-F238E27FC236}">
+                  <a16:creationId xmlns:a16="http://schemas.microsoft.com/office/drawing/2014/main" id="{5F4F41EE-29F1-224A-9566-673519883BF4}"/>
+                </a:ext>
+              </a:extLst>
+            </p:cNvPr>
+            <p:cNvGrpSpPr/>
+            <p:nvPr/>
+          </p:nvGrpSpPr>
+          <p:grpSpPr>
+            <a:xfrm>
+              <a:off x="1699968" y="3521670"/>
+              <a:ext cx="1226827" cy="154830"/>
+              <a:chOff x="4954832" y="1080555"/>
+              <a:chExt cx="1088747" cy="147867"/>
+            </a:xfrm>
+          </p:grpSpPr>
+          <p:sp>
+            <p:nvSpPr>
+              <p:cNvPr id="51" name="Google Shape;68;p1">
+                <a:extLst>
+                  <a:ext uri="{FF2B5EF4-FFF2-40B4-BE49-F238E27FC236}">
+                    <a16:creationId xmlns:a16="http://schemas.microsoft.com/office/drawing/2014/main" id="{EA9941D9-0E68-3646-A5DE-A27962C23A3A}"/>
+                  </a:ext>
+                </a:extLst>
+              </p:cNvPr>
+              <p:cNvSpPr txBox="1"/>
+              <p:nvPr/>
+            </p:nvSpPr>
+            <p:spPr>
+              <a:xfrm>
+                <a:off x="4954832" y="1080555"/>
+                <a:ext cx="769475" cy="147867"/>
+              </a:xfrm>
+              <a:prstGeom prst="rect">
+                <a:avLst/>
+              </a:prstGeom>
+              <a:noFill/>
+              <a:ln>
+                <a:noFill/>
+              </a:ln>
+            </p:spPr>
+            <p:txBody>
+              <a:bodyPr spcFirstLastPara="1" wrap="square" lIns="0" tIns="0" rIns="0" bIns="0" anchor="t" anchorCtr="0">
+                <a:noAutofit/>
+              </a:bodyPr>
+              <a:lstStyle/>
+              <a:p>
+                <a:pPr marL="0" marR="0" lvl="0" indent="0" algn="l" rtl="0">
+                  <a:lnSpc>
+                    <a:spcPct val="100000"/>
+                  </a:lnSpc>
+                  <a:spcBef>
+                    <a:spcPts val="0"/>
+                  </a:spcBef>
+                  <a:spcAft>
+                    <a:spcPts val="0"/>
+                  </a:spcAft>
+                  <a:buClr>
+                    <a:srgbClr val="879C16"/>
+                  </a:buClr>
+                  <a:buSzPts val="714"/>
+                  <a:buFont typeface="Arial"/>
+                  <a:buNone/>
+                </a:pPr>
+                <a:r>
+                  <a:rPr lang="en-US" sz="714" b="1" i="0" u="none" strike="noStrike" cap="none">
+                    <a:solidFill>
+                      <a:srgbClr val="FFFFFF"/>
+                    </a:solidFill>
+                    <a:latin typeface="Arial"/>
+                    <a:ea typeface="Arial"/>
+                    <a:cs typeface="Arial"/>
+                    <a:sym typeface="Arial"/>
+                  </a:rPr>
+                  <a:t>Coal based costs</a:t>
+                </a:r>
+                <a:endParaRPr/>
+              </a:p>
+            </p:txBody>
+          </p:sp>
+          <p:sp>
+            <p:nvSpPr>
+              <p:cNvPr id="52" name="Google Shape;69;p1">
+                <a:extLst>
+                  <a:ext uri="{FF2B5EF4-FFF2-40B4-BE49-F238E27FC236}">
+                    <a16:creationId xmlns:a16="http://schemas.microsoft.com/office/drawing/2014/main" id="{D52F22FC-1280-1047-8883-11C27219F91C}"/>
+                  </a:ext>
+                </a:extLst>
+              </p:cNvPr>
+              <p:cNvSpPr txBox="1"/>
+              <p:nvPr/>
+            </p:nvSpPr>
+            <p:spPr>
+              <a:xfrm>
+                <a:off x="5713681" y="1080555"/>
+                <a:ext cx="329898" cy="147867"/>
+              </a:xfrm>
+              <a:prstGeom prst="rect">
+                <a:avLst/>
+              </a:prstGeom>
+              <a:noFill/>
+              <a:ln>
+                <a:noFill/>
+              </a:ln>
+            </p:spPr>
+            <p:txBody>
+              <a:bodyPr spcFirstLastPara="1" wrap="square" lIns="0" tIns="0" rIns="0" bIns="0" anchor="t" anchorCtr="0">
+                <a:noAutofit/>
+              </a:bodyPr>
+              <a:lstStyle/>
+              <a:p>
+                <a:pPr marL="0" marR="0" lvl="0" indent="0" algn="ctr" rtl="0">
+                  <a:lnSpc>
+                    <a:spcPct val="100000"/>
+                  </a:lnSpc>
+                  <a:spcBef>
+                    <a:spcPts val="0"/>
+                  </a:spcBef>
+                  <a:spcAft>
+                    <a:spcPts val="0"/>
+                  </a:spcAft>
+                  <a:buClr>
+                    <a:srgbClr val="879C16"/>
+                  </a:buClr>
+                  <a:buSzPts val="714"/>
+                  <a:buFont typeface="Arial"/>
+                  <a:buNone/>
+                </a:pPr>
+                <a:r>
+                  <a:rPr lang="en-US" sz="714" b="1" i="0" u="none" strike="noStrike" cap="none">
+                    <a:solidFill>
+                      <a:srgbClr val="FFFFFF"/>
+                    </a:solidFill>
+                    <a:latin typeface="Arial"/>
+                    <a:ea typeface="Arial"/>
+                    <a:cs typeface="Arial"/>
+                    <a:sym typeface="Arial"/>
+                  </a:rPr>
+                  <a:t>($)</a:t>
+                </a:r>
+                <a:endParaRPr/>
+              </a:p>
+            </p:txBody>
+          </p:sp>
+        </p:grpSp>
+        <p:grpSp>
+          <p:nvGrpSpPr>
+            <p:cNvPr id="46" name="Google Shape;70;p1">
+              <a:extLst>
+                <a:ext uri="{FF2B5EF4-FFF2-40B4-BE49-F238E27FC236}">
+                  <a16:creationId xmlns:a16="http://schemas.microsoft.com/office/drawing/2014/main" id="{8914DF70-C48F-264C-9647-FD6A444C7BC9}"/>
+                </a:ext>
+              </a:extLst>
+            </p:cNvPr>
+            <p:cNvGrpSpPr/>
+            <p:nvPr/>
+          </p:nvGrpSpPr>
+          <p:grpSpPr>
+            <a:xfrm>
+              <a:off x="181334" y="3496200"/>
+              <a:ext cx="1311031" cy="465566"/>
+              <a:chOff x="4934192" y="1056229"/>
+              <a:chExt cx="1163474" cy="444628"/>
+            </a:xfrm>
+          </p:grpSpPr>
+          <p:sp>
+            <p:nvSpPr>
+              <p:cNvPr id="47" name="Google Shape;71;p1">
+                <a:extLst>
+                  <a:ext uri="{FF2B5EF4-FFF2-40B4-BE49-F238E27FC236}">
+                    <a16:creationId xmlns:a16="http://schemas.microsoft.com/office/drawing/2014/main" id="{36F4A0AB-6FDC-BD4F-87DD-236BDBD72E4D}"/>
+                  </a:ext>
+                </a:extLst>
+              </p:cNvPr>
+              <p:cNvSpPr/>
+              <p:nvPr/>
+            </p:nvSpPr>
+            <p:spPr>
+              <a:xfrm>
+                <a:off x="4934192" y="1056229"/>
+                <a:ext cx="1131757" cy="444628"/>
+              </a:xfrm>
+              <a:prstGeom prst="rect">
+                <a:avLst/>
+              </a:prstGeom>
+              <a:solidFill>
+                <a:schemeClr val="lt1"/>
+              </a:solidFill>
+              <a:ln w="12700" cap="flat" cmpd="sng">
+                <a:solidFill>
+                  <a:schemeClr val="accent2"/>
+                </a:solidFill>
+                <a:prstDash val="solid"/>
+                <a:round/>
+                <a:headEnd type="none" w="sm" len="sm"/>
+                <a:tailEnd type="none" w="sm" len="sm"/>
+              </a:ln>
+            </p:spPr>
+            <p:txBody>
+              <a:bodyPr spcFirstLastPara="1" wrap="square" lIns="91425" tIns="45700" rIns="91425" bIns="45700" anchor="ctr" anchorCtr="0">
+                <a:noAutofit/>
+              </a:bodyPr>
+              <a:lstStyle/>
+              <a:p>
+                <a:pPr marL="0" marR="0" lvl="0" indent="0" algn="ctr" rtl="0">
+                  <a:lnSpc>
+                    <a:spcPct val="100000"/>
+                  </a:lnSpc>
+                  <a:spcBef>
+                    <a:spcPts val="0"/>
+                  </a:spcBef>
+                  <a:spcAft>
+                    <a:spcPts val="0"/>
+                  </a:spcAft>
+                  <a:buClr>
+                    <a:srgbClr val="000000"/>
+                  </a:buClr>
+                  <a:buSzPts val="714"/>
+                  <a:buFont typeface="Arial"/>
+                  <a:buNone/>
+                </a:pPr>
+                <a:endParaRPr sz="714" b="0" i="0" u="none" strike="noStrike" cap="none">
+                  <a:solidFill>
+                    <a:srgbClr val="002C46"/>
+                  </a:solidFill>
+                  <a:latin typeface="Arial"/>
+                  <a:ea typeface="Arial"/>
+                  <a:cs typeface="Arial"/>
+                  <a:sym typeface="Arial"/>
+                </a:endParaRPr>
+              </a:p>
+            </p:txBody>
+          </p:sp>
+          <p:sp>
+            <p:nvSpPr>
+              <p:cNvPr id="48" name="Google Shape;72;p1">
+                <a:extLst>
+                  <a:ext uri="{FF2B5EF4-FFF2-40B4-BE49-F238E27FC236}">
+                    <a16:creationId xmlns:a16="http://schemas.microsoft.com/office/drawing/2014/main" id="{497D7A44-8ADE-124D-B42B-73C518A6BB44}"/>
+                  </a:ext>
+                </a:extLst>
+              </p:cNvPr>
+              <p:cNvSpPr/>
+              <p:nvPr/>
+            </p:nvSpPr>
+            <p:spPr>
+              <a:xfrm>
+                <a:off x="4934192" y="1056229"/>
+                <a:ext cx="1131757" cy="264464"/>
+              </a:xfrm>
+              <a:prstGeom prst="rect">
+                <a:avLst/>
+              </a:prstGeom>
+              <a:solidFill>
+                <a:srgbClr val="00C09D"/>
+              </a:solidFill>
+              <a:ln w="12700" cap="flat" cmpd="sng">
+                <a:solidFill>
+                  <a:schemeClr val="accent2"/>
+                </a:solidFill>
+                <a:prstDash val="solid"/>
+                <a:round/>
+                <a:headEnd type="none" w="sm" len="sm"/>
+                <a:tailEnd type="none" w="sm" len="sm"/>
+              </a:ln>
+            </p:spPr>
+            <p:txBody>
+              <a:bodyPr spcFirstLastPara="1" wrap="square" lIns="91425" tIns="45700" rIns="91425" bIns="45700" anchor="ctr" anchorCtr="0">
+                <a:noAutofit/>
+              </a:bodyPr>
+              <a:lstStyle/>
+              <a:p>
+                <a:pPr marL="0" marR="0" lvl="0" indent="0" algn="ctr" rtl="0">
+                  <a:lnSpc>
+                    <a:spcPct val="100000"/>
+                  </a:lnSpc>
+                  <a:spcBef>
+                    <a:spcPts val="0"/>
+                  </a:spcBef>
+                  <a:spcAft>
+                    <a:spcPts val="0"/>
+                  </a:spcAft>
+                  <a:buClr>
+                    <a:srgbClr val="000000"/>
+                  </a:buClr>
+                  <a:buSzPts val="714"/>
+                  <a:buFont typeface="Arial"/>
+                  <a:buNone/>
+                </a:pPr>
+                <a:endParaRPr sz="714" b="0" i="0" u="none" strike="noStrike" cap="none">
+                  <a:solidFill>
+                    <a:srgbClr val="002C46"/>
+                  </a:solidFill>
+                  <a:latin typeface="Arial"/>
+                  <a:ea typeface="Arial"/>
+                  <a:cs typeface="Arial"/>
+                  <a:sym typeface="Arial"/>
+                </a:endParaRPr>
+              </a:p>
+            </p:txBody>
+          </p:sp>
+          <p:sp>
+            <p:nvSpPr>
+              <p:cNvPr id="49" name="Google Shape;73;p1">
+                <a:extLst>
+                  <a:ext uri="{FF2B5EF4-FFF2-40B4-BE49-F238E27FC236}">
+                    <a16:creationId xmlns:a16="http://schemas.microsoft.com/office/drawing/2014/main" id="{38062CD8-1FF2-6846-9303-477B0E5FB993}"/>
+                  </a:ext>
+                </a:extLst>
+              </p:cNvPr>
+              <p:cNvSpPr txBox="1"/>
+              <p:nvPr/>
+            </p:nvSpPr>
+            <p:spPr>
+              <a:xfrm>
+                <a:off x="4954832" y="1080554"/>
+                <a:ext cx="769475" cy="229537"/>
+              </a:xfrm>
+              <a:prstGeom prst="rect">
+                <a:avLst/>
+              </a:prstGeom>
+              <a:noFill/>
+              <a:ln>
+                <a:noFill/>
+              </a:ln>
+            </p:spPr>
+            <p:txBody>
+              <a:bodyPr spcFirstLastPara="1" wrap="square" lIns="0" tIns="0" rIns="0" bIns="0" anchor="t" anchorCtr="0">
+                <a:spAutoFit/>
+              </a:bodyPr>
+              <a:lstStyle/>
+              <a:p>
+                <a:pPr marL="0" marR="0" lvl="0" indent="0" algn="l" rtl="0">
+                  <a:lnSpc>
+                    <a:spcPct val="100000"/>
+                  </a:lnSpc>
+                  <a:spcBef>
+                    <a:spcPts val="0"/>
+                  </a:spcBef>
+                  <a:spcAft>
+                    <a:spcPts val="0"/>
+                  </a:spcAft>
+                  <a:buClr>
+                    <a:srgbClr val="879C16"/>
+                  </a:buClr>
+                  <a:buSzPts val="714"/>
+                  <a:buFont typeface="Arial"/>
+                  <a:buNone/>
+                </a:pPr>
+                <a:r>
+                  <a:rPr lang="en-US" sz="714" b="1" dirty="0">
+                    <a:solidFill>
+                      <a:srgbClr val="FFFFFF"/>
+                    </a:solidFill>
+                  </a:rPr>
+                  <a:t>OEM Maintenance Recommendation</a:t>
+                </a:r>
+                <a:endParaRPr dirty="0"/>
+              </a:p>
+            </p:txBody>
+          </p:sp>
+          <p:sp>
+            <p:nvSpPr>
+              <p:cNvPr id="50" name="Google Shape;74;p1">
+                <a:extLst>
+                  <a:ext uri="{FF2B5EF4-FFF2-40B4-BE49-F238E27FC236}">
+                    <a16:creationId xmlns:a16="http://schemas.microsoft.com/office/drawing/2014/main" id="{9AC1A99D-799C-EB4F-B734-F3FC6CECA080}"/>
+                  </a:ext>
+                </a:extLst>
+              </p:cNvPr>
+              <p:cNvSpPr txBox="1"/>
+              <p:nvPr/>
+            </p:nvSpPr>
+            <p:spPr>
+              <a:xfrm>
+                <a:off x="5767768" y="1080554"/>
+                <a:ext cx="329898" cy="117099"/>
+              </a:xfrm>
+              <a:prstGeom prst="rect">
+                <a:avLst/>
+              </a:prstGeom>
+              <a:noFill/>
+              <a:ln>
+                <a:noFill/>
+              </a:ln>
+            </p:spPr>
+            <p:txBody>
+              <a:bodyPr spcFirstLastPara="1" wrap="square" lIns="0" tIns="0" rIns="0" bIns="0" anchor="t" anchorCtr="0">
+                <a:spAutoFit/>
+              </a:bodyPr>
+              <a:lstStyle/>
+              <a:p>
+                <a:pPr marL="0" marR="0" lvl="0" indent="0" algn="l" rtl="0">
+                  <a:lnSpc>
+                    <a:spcPct val="100000"/>
+                  </a:lnSpc>
+                  <a:spcBef>
+                    <a:spcPts val="0"/>
+                  </a:spcBef>
+                  <a:spcAft>
+                    <a:spcPts val="0"/>
+                  </a:spcAft>
+                  <a:buClr>
+                    <a:srgbClr val="879C16"/>
+                  </a:buClr>
+                  <a:buSzPts val="714"/>
+                  <a:buFont typeface="Arial"/>
+                  <a:buNone/>
+                </a:pPr>
+                <a:r>
+                  <a:rPr lang="en-US" sz="714" b="1" i="0" u="none" strike="noStrike" cap="none" dirty="0">
+                    <a:solidFill>
+                      <a:srgbClr val="FFFFFF"/>
+                    </a:solidFill>
+                    <a:latin typeface="Arial"/>
+                    <a:ea typeface="Arial"/>
+                    <a:cs typeface="Arial"/>
+                    <a:sym typeface="Arial"/>
+                  </a:rPr>
+                  <a:t>(Fixed)</a:t>
+                </a:r>
+                <a:endParaRPr dirty="0"/>
+              </a:p>
+            </p:txBody>
+          </p:sp>
+        </p:grpSp>
+      </p:grpSp>
+      <p:grpSp>
+        <p:nvGrpSpPr>
+          <p:cNvPr id="53" name="Google Shape;75;p1">
+            <a:extLst>
+              <a:ext uri="{FF2B5EF4-FFF2-40B4-BE49-F238E27FC236}">
+                <a16:creationId xmlns:a16="http://schemas.microsoft.com/office/drawing/2014/main" id="{8E3D3AA7-CCB2-D543-800E-939F4ED7F1B1}"/>
+              </a:ext>
+            </a:extLst>
+          </p:cNvPr>
+          <p:cNvGrpSpPr/>
+          <p:nvPr/>
+        </p:nvGrpSpPr>
+        <p:grpSpPr>
+          <a:xfrm>
+            <a:off x="5873642" y="1548620"/>
+            <a:ext cx="2547946" cy="425774"/>
+            <a:chOff x="181325" y="3496200"/>
+            <a:chExt cx="2745470" cy="465566"/>
+          </a:xfrm>
+        </p:grpSpPr>
+        <p:grpSp>
+          <p:nvGrpSpPr>
+            <p:cNvPr id="54" name="Google Shape;76;p1">
+              <a:extLst>
+                <a:ext uri="{FF2B5EF4-FFF2-40B4-BE49-F238E27FC236}">
+                  <a16:creationId xmlns:a16="http://schemas.microsoft.com/office/drawing/2014/main" id="{8D9B1412-EF57-214F-9C8E-720703DCC171}"/>
+                </a:ext>
+              </a:extLst>
+            </p:cNvPr>
+            <p:cNvGrpSpPr/>
+            <p:nvPr/>
+          </p:nvGrpSpPr>
+          <p:grpSpPr>
+            <a:xfrm>
+              <a:off x="1699968" y="3521670"/>
+              <a:ext cx="1226827" cy="154830"/>
+              <a:chOff x="4954832" y="1080555"/>
+              <a:chExt cx="1088747" cy="147867"/>
+            </a:xfrm>
+          </p:grpSpPr>
+          <p:sp>
+            <p:nvSpPr>
+              <p:cNvPr id="60" name="Google Shape;77;p1">
+                <a:extLst>
+                  <a:ext uri="{FF2B5EF4-FFF2-40B4-BE49-F238E27FC236}">
+                    <a16:creationId xmlns:a16="http://schemas.microsoft.com/office/drawing/2014/main" id="{98FDEF00-63CE-DD4E-80D6-BF76362267C9}"/>
+                  </a:ext>
+                </a:extLst>
+              </p:cNvPr>
+              <p:cNvSpPr txBox="1"/>
+              <p:nvPr/>
+            </p:nvSpPr>
+            <p:spPr>
+              <a:xfrm>
+                <a:off x="4954832" y="1080555"/>
+                <a:ext cx="769475" cy="147867"/>
+              </a:xfrm>
+              <a:prstGeom prst="rect">
+                <a:avLst/>
+              </a:prstGeom>
+              <a:noFill/>
+              <a:ln>
+                <a:noFill/>
+              </a:ln>
+            </p:spPr>
+            <p:txBody>
+              <a:bodyPr spcFirstLastPara="1" wrap="square" lIns="0" tIns="0" rIns="0" bIns="0" anchor="t" anchorCtr="0">
+                <a:noAutofit/>
+              </a:bodyPr>
+              <a:lstStyle/>
+              <a:p>
+                <a:pPr marL="0" marR="0" lvl="0" indent="0" algn="l" rtl="0">
+                  <a:lnSpc>
+                    <a:spcPct val="100000"/>
+                  </a:lnSpc>
+                  <a:spcBef>
+                    <a:spcPts val="0"/>
+                  </a:spcBef>
+                  <a:spcAft>
+                    <a:spcPts val="0"/>
+                  </a:spcAft>
+                  <a:buClr>
+                    <a:srgbClr val="879C16"/>
+                  </a:buClr>
+                  <a:buSzPts val="714"/>
+                  <a:buFont typeface="Arial"/>
+                  <a:buNone/>
+                </a:pPr>
+                <a:r>
+                  <a:rPr lang="en-US" sz="714" b="1" i="0" u="none" strike="noStrike" cap="none">
+                    <a:solidFill>
+                      <a:srgbClr val="FFFFFF"/>
+                    </a:solidFill>
+                    <a:latin typeface="Arial"/>
+                    <a:ea typeface="Arial"/>
+                    <a:cs typeface="Arial"/>
+                    <a:sym typeface="Arial"/>
+                  </a:rPr>
+                  <a:t>Coal based costs</a:t>
+                </a:r>
+                <a:endParaRPr/>
+              </a:p>
+            </p:txBody>
+          </p:sp>
+          <p:sp>
+            <p:nvSpPr>
+              <p:cNvPr id="61" name="Google Shape;78;p1">
+                <a:extLst>
+                  <a:ext uri="{FF2B5EF4-FFF2-40B4-BE49-F238E27FC236}">
+                    <a16:creationId xmlns:a16="http://schemas.microsoft.com/office/drawing/2014/main" id="{4235371B-C1F5-9748-91C9-4E3E4EA14875}"/>
+                  </a:ext>
+                </a:extLst>
+              </p:cNvPr>
+              <p:cNvSpPr txBox="1"/>
+              <p:nvPr/>
+            </p:nvSpPr>
+            <p:spPr>
+              <a:xfrm>
+                <a:off x="5713681" y="1080555"/>
+                <a:ext cx="329898" cy="147867"/>
+              </a:xfrm>
+              <a:prstGeom prst="rect">
+                <a:avLst/>
+              </a:prstGeom>
+              <a:noFill/>
+              <a:ln>
+                <a:noFill/>
+              </a:ln>
+            </p:spPr>
+            <p:txBody>
+              <a:bodyPr spcFirstLastPara="1" wrap="square" lIns="0" tIns="0" rIns="0" bIns="0" anchor="t" anchorCtr="0">
+                <a:noAutofit/>
+              </a:bodyPr>
+              <a:lstStyle/>
+              <a:p>
+                <a:pPr marL="0" marR="0" lvl="0" indent="0" algn="ctr" rtl="0">
+                  <a:lnSpc>
+                    <a:spcPct val="100000"/>
+                  </a:lnSpc>
+                  <a:spcBef>
+                    <a:spcPts val="0"/>
+                  </a:spcBef>
+                  <a:spcAft>
+                    <a:spcPts val="0"/>
+                  </a:spcAft>
+                  <a:buClr>
+                    <a:srgbClr val="879C16"/>
+                  </a:buClr>
+                  <a:buSzPts val="714"/>
+                  <a:buFont typeface="Arial"/>
+                  <a:buNone/>
+                </a:pPr>
+                <a:r>
+                  <a:rPr lang="en-US" sz="714" b="1" i="0" u="none" strike="noStrike" cap="none">
+                    <a:solidFill>
+                      <a:srgbClr val="FFFFFF"/>
+                    </a:solidFill>
+                    <a:latin typeface="Arial"/>
+                    <a:ea typeface="Arial"/>
+                    <a:cs typeface="Arial"/>
+                    <a:sym typeface="Arial"/>
+                  </a:rPr>
+                  <a:t>($)</a:t>
+                </a:r>
+                <a:endParaRPr/>
+              </a:p>
+            </p:txBody>
+          </p:sp>
+        </p:grpSp>
+        <p:grpSp>
+          <p:nvGrpSpPr>
+            <p:cNvPr id="55" name="Google Shape;79;p1">
+              <a:extLst>
+                <a:ext uri="{FF2B5EF4-FFF2-40B4-BE49-F238E27FC236}">
+                  <a16:creationId xmlns:a16="http://schemas.microsoft.com/office/drawing/2014/main" id="{8B301D1A-6D19-5E46-BE86-0F3E854316FA}"/>
+                </a:ext>
+              </a:extLst>
+            </p:cNvPr>
+            <p:cNvGrpSpPr/>
+            <p:nvPr/>
+          </p:nvGrpSpPr>
+          <p:grpSpPr>
+            <a:xfrm>
+              <a:off x="181325" y="3496200"/>
+              <a:ext cx="1402451" cy="465566"/>
+              <a:chOff x="4934192" y="1056229"/>
+              <a:chExt cx="1244607" cy="444628"/>
+            </a:xfrm>
+          </p:grpSpPr>
+          <p:sp>
+            <p:nvSpPr>
+              <p:cNvPr id="56" name="Google Shape;80;p1">
+                <a:extLst>
+                  <a:ext uri="{FF2B5EF4-FFF2-40B4-BE49-F238E27FC236}">
+                    <a16:creationId xmlns:a16="http://schemas.microsoft.com/office/drawing/2014/main" id="{2E466D2A-2308-704A-872E-3DFA18734696}"/>
+                  </a:ext>
+                </a:extLst>
+              </p:cNvPr>
+              <p:cNvSpPr/>
+              <p:nvPr/>
+            </p:nvSpPr>
+            <p:spPr>
+              <a:xfrm>
+                <a:off x="4934192" y="1056229"/>
+                <a:ext cx="1131757" cy="444628"/>
+              </a:xfrm>
+              <a:prstGeom prst="rect">
+                <a:avLst/>
+              </a:prstGeom>
+              <a:solidFill>
+                <a:schemeClr val="lt1"/>
+              </a:solidFill>
+              <a:ln w="12700" cap="flat" cmpd="sng">
+                <a:solidFill>
+                  <a:schemeClr val="accent2"/>
+                </a:solidFill>
+                <a:prstDash val="solid"/>
+                <a:round/>
+                <a:headEnd type="none" w="sm" len="sm"/>
+                <a:tailEnd type="none" w="sm" len="sm"/>
+              </a:ln>
+            </p:spPr>
+            <p:txBody>
+              <a:bodyPr spcFirstLastPara="1" wrap="square" lIns="91425" tIns="45700" rIns="91425" bIns="45700" anchor="ctr" anchorCtr="0">
+                <a:noAutofit/>
+              </a:bodyPr>
+              <a:lstStyle/>
+              <a:p>
+                <a:pPr marL="0" marR="0" lvl="0" indent="0" algn="ctr" rtl="0">
+                  <a:lnSpc>
+                    <a:spcPct val="100000"/>
+                  </a:lnSpc>
+                  <a:spcBef>
+                    <a:spcPts val="0"/>
+                  </a:spcBef>
+                  <a:spcAft>
+                    <a:spcPts val="0"/>
+                  </a:spcAft>
+                  <a:buClr>
+                    <a:srgbClr val="000000"/>
+                  </a:buClr>
+                  <a:buSzPts val="714"/>
+                  <a:buFont typeface="Arial"/>
+                  <a:buNone/>
+                </a:pPr>
+                <a:endParaRPr sz="714" b="0" i="0" u="none" strike="noStrike" cap="none">
+                  <a:solidFill>
+                    <a:srgbClr val="002C46"/>
+                  </a:solidFill>
+                  <a:latin typeface="Arial"/>
+                  <a:ea typeface="Arial"/>
+                  <a:cs typeface="Arial"/>
+                  <a:sym typeface="Arial"/>
+                </a:endParaRPr>
+              </a:p>
+            </p:txBody>
+          </p:sp>
+          <p:sp>
+            <p:nvSpPr>
+              <p:cNvPr id="57" name="Google Shape;81;p1">
+                <a:extLst>
+                  <a:ext uri="{FF2B5EF4-FFF2-40B4-BE49-F238E27FC236}">
+                    <a16:creationId xmlns:a16="http://schemas.microsoft.com/office/drawing/2014/main" id="{BBC0018F-3AFA-F745-A90A-1ECEE48DBDB6}"/>
+                  </a:ext>
+                </a:extLst>
+              </p:cNvPr>
+              <p:cNvSpPr/>
+              <p:nvPr/>
+            </p:nvSpPr>
+            <p:spPr>
+              <a:xfrm>
+                <a:off x="4934192" y="1056229"/>
+                <a:ext cx="1131757" cy="264464"/>
+              </a:xfrm>
+              <a:prstGeom prst="rect">
+                <a:avLst/>
+              </a:prstGeom>
+              <a:solidFill>
+                <a:srgbClr val="00C09D"/>
+              </a:solidFill>
+              <a:ln w="12700" cap="flat" cmpd="sng">
+                <a:solidFill>
+                  <a:schemeClr val="accent2"/>
+                </a:solidFill>
+                <a:prstDash val="solid"/>
+                <a:round/>
+                <a:headEnd type="none" w="sm" len="sm"/>
+                <a:tailEnd type="none" w="sm" len="sm"/>
+              </a:ln>
+            </p:spPr>
+            <p:txBody>
+              <a:bodyPr spcFirstLastPara="1" wrap="square" lIns="91425" tIns="45700" rIns="91425" bIns="45700" anchor="ctr" anchorCtr="0">
+                <a:noAutofit/>
+              </a:bodyPr>
+              <a:lstStyle/>
+              <a:p>
+                <a:pPr marL="0" marR="0" lvl="0" indent="0" algn="ctr" rtl="0">
+                  <a:lnSpc>
+                    <a:spcPct val="100000"/>
+                  </a:lnSpc>
+                  <a:spcBef>
+                    <a:spcPts val="0"/>
+                  </a:spcBef>
+                  <a:spcAft>
+                    <a:spcPts val="0"/>
+                  </a:spcAft>
+                  <a:buClr>
+                    <a:srgbClr val="000000"/>
+                  </a:buClr>
+                  <a:buSzPts val="714"/>
+                  <a:buFont typeface="Arial"/>
+                  <a:buNone/>
+                </a:pPr>
+                <a:endParaRPr sz="714" b="0" i="0" u="none" strike="noStrike" cap="none">
+                  <a:solidFill>
+                    <a:srgbClr val="002C46"/>
+                  </a:solidFill>
+                  <a:latin typeface="Arial"/>
+                  <a:ea typeface="Arial"/>
+                  <a:cs typeface="Arial"/>
+                  <a:sym typeface="Arial"/>
+                </a:endParaRPr>
+              </a:p>
+            </p:txBody>
+          </p:sp>
+          <p:sp>
+            <p:nvSpPr>
+              <p:cNvPr id="58" name="Google Shape;82;p1">
+                <a:extLst>
+                  <a:ext uri="{FF2B5EF4-FFF2-40B4-BE49-F238E27FC236}">
+                    <a16:creationId xmlns:a16="http://schemas.microsoft.com/office/drawing/2014/main" id="{EE4EE2E1-30CF-4E44-A42A-AD6D186786BE}"/>
+                  </a:ext>
+                </a:extLst>
+              </p:cNvPr>
+              <p:cNvSpPr txBox="1"/>
+              <p:nvPr/>
+            </p:nvSpPr>
+            <p:spPr>
+              <a:xfrm>
+                <a:off x="4954832" y="1080554"/>
+                <a:ext cx="769475" cy="229537"/>
+              </a:xfrm>
+              <a:prstGeom prst="rect">
+                <a:avLst/>
+              </a:prstGeom>
+              <a:noFill/>
+              <a:ln>
+                <a:noFill/>
+              </a:ln>
+            </p:spPr>
+            <p:txBody>
+              <a:bodyPr spcFirstLastPara="1" wrap="square" lIns="0" tIns="0" rIns="0" bIns="0" anchor="t" anchorCtr="0">
+                <a:spAutoFit/>
+              </a:bodyPr>
+              <a:lstStyle/>
+              <a:p>
+                <a:pPr marL="0" marR="0" lvl="0" indent="0" algn="l" rtl="0">
+                  <a:lnSpc>
+                    <a:spcPct val="100000"/>
+                  </a:lnSpc>
+                  <a:spcBef>
+                    <a:spcPts val="0"/>
+                  </a:spcBef>
+                  <a:spcAft>
+                    <a:spcPts val="0"/>
+                  </a:spcAft>
+                  <a:buClr>
+                    <a:srgbClr val="879C16"/>
+                  </a:buClr>
+                  <a:buSzPts val="714"/>
+                  <a:buFont typeface="Arial"/>
+                  <a:buNone/>
+                </a:pPr>
+                <a:r>
+                  <a:rPr lang="en-US" sz="714" b="1" i="0" u="none" strike="noStrike" cap="none" dirty="0">
+                    <a:solidFill>
+                      <a:srgbClr val="FFFFFF"/>
+                    </a:solidFill>
+                    <a:latin typeface="Arial"/>
+                    <a:ea typeface="Arial"/>
+                    <a:cs typeface="Arial"/>
+                    <a:sym typeface="Arial"/>
+                  </a:rPr>
+                  <a:t>Iron Ore Market Value</a:t>
+                </a:r>
+                <a:endParaRPr dirty="0"/>
+              </a:p>
+            </p:txBody>
+          </p:sp>
+          <p:sp>
+            <p:nvSpPr>
+              <p:cNvPr id="59" name="Google Shape;83;p1">
+                <a:extLst>
+                  <a:ext uri="{FF2B5EF4-FFF2-40B4-BE49-F238E27FC236}">
+                    <a16:creationId xmlns:a16="http://schemas.microsoft.com/office/drawing/2014/main" id="{78CED23B-9583-A540-921A-2273544C0C12}"/>
+                  </a:ext>
+                </a:extLst>
+              </p:cNvPr>
+              <p:cNvSpPr txBox="1"/>
+              <p:nvPr/>
+            </p:nvSpPr>
+            <p:spPr>
+              <a:xfrm>
+                <a:off x="5651623" y="1169154"/>
+                <a:ext cx="527176" cy="114769"/>
+              </a:xfrm>
+              <a:prstGeom prst="rect">
+                <a:avLst/>
+              </a:prstGeom>
+              <a:noFill/>
+              <a:ln>
+                <a:noFill/>
+              </a:ln>
+            </p:spPr>
+            <p:txBody>
+              <a:bodyPr spcFirstLastPara="1" wrap="square" lIns="0" tIns="0" rIns="0" bIns="0" anchor="t" anchorCtr="0">
+                <a:spAutoFit/>
+              </a:bodyPr>
+              <a:lstStyle/>
+              <a:p>
+                <a:pPr marL="0" marR="0" lvl="0" indent="0" algn="l" rtl="0">
+                  <a:lnSpc>
+                    <a:spcPct val="100000"/>
+                  </a:lnSpc>
+                  <a:spcBef>
+                    <a:spcPts val="0"/>
+                  </a:spcBef>
+                  <a:spcAft>
+                    <a:spcPts val="0"/>
+                  </a:spcAft>
+                  <a:buClr>
+                    <a:srgbClr val="879C16"/>
+                  </a:buClr>
+                  <a:buSzPts val="714"/>
+                  <a:buFont typeface="Arial"/>
+                  <a:buNone/>
+                </a:pPr>
+                <a:r>
+                  <a:rPr lang="en-US" sz="714" b="1" i="0" u="none" strike="noStrike" cap="none" dirty="0">
+                    <a:solidFill>
+                      <a:srgbClr val="FFFFFF"/>
+                    </a:solidFill>
+                    <a:latin typeface="Arial"/>
+                    <a:ea typeface="Arial"/>
+                    <a:cs typeface="Arial"/>
+                    <a:sym typeface="Arial"/>
+                  </a:rPr>
+                  <a:t>(Variable)</a:t>
+                </a:r>
+                <a:endParaRPr dirty="0"/>
+              </a:p>
+            </p:txBody>
+          </p:sp>
+        </p:grpSp>
+      </p:grpSp>
+      <p:grpSp>
+        <p:nvGrpSpPr>
+          <p:cNvPr id="62" name="Google Shape;84;p1">
+            <a:extLst>
+              <a:ext uri="{FF2B5EF4-FFF2-40B4-BE49-F238E27FC236}">
+                <a16:creationId xmlns:a16="http://schemas.microsoft.com/office/drawing/2014/main" id="{2C9164FC-2C33-6941-B838-CF4077AB039B}"/>
+              </a:ext>
+            </a:extLst>
+          </p:cNvPr>
+          <p:cNvGrpSpPr/>
+          <p:nvPr/>
+        </p:nvGrpSpPr>
+        <p:grpSpPr>
+          <a:xfrm>
+            <a:off x="5883859" y="2861526"/>
+            <a:ext cx="2547935" cy="425774"/>
+            <a:chOff x="181336" y="3496200"/>
+            <a:chExt cx="2745459" cy="465566"/>
+          </a:xfrm>
+        </p:grpSpPr>
+        <p:grpSp>
+          <p:nvGrpSpPr>
+            <p:cNvPr id="63" name="Google Shape;85;p1">
+              <a:extLst>
+                <a:ext uri="{FF2B5EF4-FFF2-40B4-BE49-F238E27FC236}">
+                  <a16:creationId xmlns:a16="http://schemas.microsoft.com/office/drawing/2014/main" id="{A8AADD14-A12B-A049-9DF5-76AB9144FBC1}"/>
+                </a:ext>
+              </a:extLst>
+            </p:cNvPr>
+            <p:cNvGrpSpPr/>
+            <p:nvPr/>
+          </p:nvGrpSpPr>
+          <p:grpSpPr>
+            <a:xfrm>
+              <a:off x="1699968" y="3521670"/>
+              <a:ext cx="1226827" cy="154830"/>
+              <a:chOff x="4954832" y="1080555"/>
+              <a:chExt cx="1088747" cy="147867"/>
+            </a:xfrm>
+          </p:grpSpPr>
+          <p:sp>
+            <p:nvSpPr>
+              <p:cNvPr id="69" name="Google Shape;86;p1">
+                <a:extLst>
+                  <a:ext uri="{FF2B5EF4-FFF2-40B4-BE49-F238E27FC236}">
+                    <a16:creationId xmlns:a16="http://schemas.microsoft.com/office/drawing/2014/main" id="{57BA6BB1-2CF6-F544-992C-EE8581C70167}"/>
+                  </a:ext>
+                </a:extLst>
+              </p:cNvPr>
+              <p:cNvSpPr txBox="1"/>
+              <p:nvPr/>
+            </p:nvSpPr>
+            <p:spPr>
+              <a:xfrm>
+                <a:off x="4954832" y="1080555"/>
+                <a:ext cx="769475" cy="147867"/>
+              </a:xfrm>
+              <a:prstGeom prst="rect">
+                <a:avLst/>
+              </a:prstGeom>
+              <a:noFill/>
+              <a:ln>
+                <a:noFill/>
+              </a:ln>
+            </p:spPr>
+            <p:txBody>
+              <a:bodyPr spcFirstLastPara="1" wrap="square" lIns="0" tIns="0" rIns="0" bIns="0" anchor="t" anchorCtr="0">
+                <a:noAutofit/>
+              </a:bodyPr>
+              <a:lstStyle/>
+              <a:p>
+                <a:pPr marL="0" marR="0" lvl="0" indent="0" algn="l" rtl="0">
+                  <a:lnSpc>
+                    <a:spcPct val="100000"/>
+                  </a:lnSpc>
+                  <a:spcBef>
+                    <a:spcPts val="0"/>
+                  </a:spcBef>
+                  <a:spcAft>
+                    <a:spcPts val="0"/>
+                  </a:spcAft>
+                  <a:buClr>
+                    <a:srgbClr val="879C16"/>
+                  </a:buClr>
+                  <a:buSzPts val="714"/>
+                  <a:buFont typeface="Arial"/>
+                  <a:buNone/>
+                </a:pPr>
+                <a:r>
+                  <a:rPr lang="en-US" sz="714" b="1" i="0" u="none" strike="noStrike" cap="none">
+                    <a:solidFill>
+                      <a:srgbClr val="FFFFFF"/>
+                    </a:solidFill>
+                    <a:latin typeface="Arial"/>
+                    <a:ea typeface="Arial"/>
+                    <a:cs typeface="Arial"/>
+                    <a:sym typeface="Arial"/>
+                  </a:rPr>
+                  <a:t>Coal based costs</a:t>
+                </a:r>
+                <a:endParaRPr/>
+              </a:p>
+            </p:txBody>
+          </p:sp>
+          <p:sp>
+            <p:nvSpPr>
+              <p:cNvPr id="70" name="Google Shape;87;p1">
+                <a:extLst>
+                  <a:ext uri="{FF2B5EF4-FFF2-40B4-BE49-F238E27FC236}">
+                    <a16:creationId xmlns:a16="http://schemas.microsoft.com/office/drawing/2014/main" id="{549A799F-517F-1545-BE66-4EED66797B65}"/>
+                  </a:ext>
+                </a:extLst>
+              </p:cNvPr>
+              <p:cNvSpPr txBox="1"/>
+              <p:nvPr/>
+            </p:nvSpPr>
+            <p:spPr>
+              <a:xfrm>
+                <a:off x="5713681" y="1080555"/>
+                <a:ext cx="329898" cy="147867"/>
+              </a:xfrm>
+              <a:prstGeom prst="rect">
+                <a:avLst/>
+              </a:prstGeom>
+              <a:noFill/>
+              <a:ln>
+                <a:noFill/>
+              </a:ln>
+            </p:spPr>
+            <p:txBody>
+              <a:bodyPr spcFirstLastPara="1" wrap="square" lIns="0" tIns="0" rIns="0" bIns="0" anchor="t" anchorCtr="0">
+                <a:noAutofit/>
+              </a:bodyPr>
+              <a:lstStyle/>
+              <a:p>
+                <a:pPr marL="0" marR="0" lvl="0" indent="0" algn="ctr" rtl="0">
+                  <a:lnSpc>
+                    <a:spcPct val="100000"/>
+                  </a:lnSpc>
+                  <a:spcBef>
+                    <a:spcPts val="0"/>
+                  </a:spcBef>
+                  <a:spcAft>
+                    <a:spcPts val="0"/>
+                  </a:spcAft>
+                  <a:buClr>
+                    <a:srgbClr val="879C16"/>
+                  </a:buClr>
+                  <a:buSzPts val="714"/>
+                  <a:buFont typeface="Arial"/>
+                  <a:buNone/>
+                </a:pPr>
+                <a:r>
+                  <a:rPr lang="en-US" sz="714" b="1" i="0" u="none" strike="noStrike" cap="none">
+                    <a:solidFill>
+                      <a:srgbClr val="FFFFFF"/>
+                    </a:solidFill>
+                    <a:latin typeface="Arial"/>
+                    <a:ea typeface="Arial"/>
+                    <a:cs typeface="Arial"/>
+                    <a:sym typeface="Arial"/>
+                  </a:rPr>
+                  <a:t>($)</a:t>
+                </a:r>
+                <a:endParaRPr/>
+              </a:p>
+            </p:txBody>
+          </p:sp>
+        </p:grpSp>
+        <p:grpSp>
+          <p:nvGrpSpPr>
+            <p:cNvPr id="64" name="Google Shape;88;p1">
+              <a:extLst>
+                <a:ext uri="{FF2B5EF4-FFF2-40B4-BE49-F238E27FC236}">
+                  <a16:creationId xmlns:a16="http://schemas.microsoft.com/office/drawing/2014/main" id="{55A30F13-09D4-0B4D-AC21-FD11980F1F1C}"/>
+                </a:ext>
+              </a:extLst>
+            </p:cNvPr>
+            <p:cNvGrpSpPr/>
+            <p:nvPr/>
+          </p:nvGrpSpPr>
+          <p:grpSpPr>
+            <a:xfrm>
+              <a:off x="181336" y="3496200"/>
+              <a:ext cx="1290716" cy="465566"/>
+              <a:chOff x="4934192" y="1056229"/>
+              <a:chExt cx="1145445" cy="444628"/>
+            </a:xfrm>
+          </p:grpSpPr>
+          <p:sp>
+            <p:nvSpPr>
+              <p:cNvPr id="65" name="Google Shape;89;p1">
+                <a:extLst>
+                  <a:ext uri="{FF2B5EF4-FFF2-40B4-BE49-F238E27FC236}">
+                    <a16:creationId xmlns:a16="http://schemas.microsoft.com/office/drawing/2014/main" id="{37726FEC-5CE9-7143-9389-255D8DD53D6C}"/>
+                  </a:ext>
+                </a:extLst>
+              </p:cNvPr>
+              <p:cNvSpPr/>
+              <p:nvPr/>
+            </p:nvSpPr>
+            <p:spPr>
+              <a:xfrm>
+                <a:off x="4934192" y="1056229"/>
+                <a:ext cx="1131757" cy="444628"/>
+              </a:xfrm>
+              <a:prstGeom prst="rect">
+                <a:avLst/>
+              </a:prstGeom>
+              <a:solidFill>
+                <a:schemeClr val="lt1"/>
+              </a:solidFill>
+              <a:ln w="12700" cap="flat" cmpd="sng">
+                <a:solidFill>
+                  <a:schemeClr val="accent2"/>
+                </a:solidFill>
+                <a:prstDash val="solid"/>
+                <a:round/>
+                <a:headEnd type="none" w="sm" len="sm"/>
+                <a:tailEnd type="none" w="sm" len="sm"/>
+              </a:ln>
+            </p:spPr>
+            <p:txBody>
+              <a:bodyPr spcFirstLastPara="1" wrap="square" lIns="91425" tIns="45700" rIns="91425" bIns="45700" anchor="ctr" anchorCtr="0">
+                <a:noAutofit/>
+              </a:bodyPr>
+              <a:lstStyle/>
+              <a:p>
+                <a:pPr marL="0" marR="0" lvl="0" indent="0" algn="ctr" rtl="0">
+                  <a:lnSpc>
+                    <a:spcPct val="100000"/>
+                  </a:lnSpc>
+                  <a:spcBef>
+                    <a:spcPts val="0"/>
+                  </a:spcBef>
+                  <a:spcAft>
+                    <a:spcPts val="0"/>
+                  </a:spcAft>
+                  <a:buClr>
+                    <a:srgbClr val="000000"/>
+                  </a:buClr>
+                  <a:buSzPts val="714"/>
+                  <a:buFont typeface="Arial"/>
+                  <a:buNone/>
+                </a:pPr>
+                <a:endParaRPr sz="714" b="0" i="0" u="none" strike="noStrike" cap="none">
+                  <a:solidFill>
+                    <a:srgbClr val="002C46"/>
+                  </a:solidFill>
+                  <a:latin typeface="Arial"/>
+                  <a:ea typeface="Arial"/>
+                  <a:cs typeface="Arial"/>
+                  <a:sym typeface="Arial"/>
+                </a:endParaRPr>
+              </a:p>
+            </p:txBody>
+          </p:sp>
+          <p:sp>
+            <p:nvSpPr>
+              <p:cNvPr id="66" name="Google Shape;90;p1">
+                <a:extLst>
+                  <a:ext uri="{FF2B5EF4-FFF2-40B4-BE49-F238E27FC236}">
+                    <a16:creationId xmlns:a16="http://schemas.microsoft.com/office/drawing/2014/main" id="{B3DFF351-C5D1-DE4D-AA37-1D32DECD6A52}"/>
+                  </a:ext>
+                </a:extLst>
+              </p:cNvPr>
+              <p:cNvSpPr/>
+              <p:nvPr/>
+            </p:nvSpPr>
+            <p:spPr>
+              <a:xfrm>
+                <a:off x="4934192" y="1056229"/>
+                <a:ext cx="1131757" cy="264464"/>
+              </a:xfrm>
+              <a:prstGeom prst="rect">
+                <a:avLst/>
+              </a:prstGeom>
+              <a:solidFill>
+                <a:srgbClr val="00C09D"/>
+              </a:solidFill>
+              <a:ln w="12700" cap="flat" cmpd="sng">
+                <a:solidFill>
+                  <a:schemeClr val="accent2"/>
+                </a:solidFill>
+                <a:prstDash val="solid"/>
+                <a:round/>
+                <a:headEnd type="none" w="sm" len="sm"/>
+                <a:tailEnd type="none" w="sm" len="sm"/>
+              </a:ln>
+            </p:spPr>
+            <p:txBody>
+              <a:bodyPr spcFirstLastPara="1" wrap="square" lIns="91425" tIns="45700" rIns="91425" bIns="45700" anchor="ctr" anchorCtr="0">
+                <a:noAutofit/>
+              </a:bodyPr>
+              <a:lstStyle/>
+              <a:p>
+                <a:pPr marL="0" marR="0" lvl="0" indent="0" algn="ctr" rtl="0">
+                  <a:lnSpc>
+                    <a:spcPct val="100000"/>
+                  </a:lnSpc>
+                  <a:spcBef>
+                    <a:spcPts val="0"/>
+                  </a:spcBef>
+                  <a:spcAft>
+                    <a:spcPts val="0"/>
+                  </a:spcAft>
+                  <a:buClr>
+                    <a:srgbClr val="000000"/>
+                  </a:buClr>
+                  <a:buSzPts val="714"/>
+                  <a:buFont typeface="Arial"/>
+                  <a:buNone/>
+                </a:pPr>
+                <a:endParaRPr sz="714" b="0" i="0" u="none" strike="noStrike" cap="none">
+                  <a:solidFill>
+                    <a:srgbClr val="002C46"/>
+                  </a:solidFill>
+                  <a:latin typeface="Arial"/>
+                  <a:ea typeface="Arial"/>
+                  <a:cs typeface="Arial"/>
+                  <a:sym typeface="Arial"/>
+                </a:endParaRPr>
+              </a:p>
+            </p:txBody>
+          </p:sp>
+          <p:sp>
+            <p:nvSpPr>
+              <p:cNvPr id="67" name="Google Shape;91;p1">
+                <a:extLst>
+                  <a:ext uri="{FF2B5EF4-FFF2-40B4-BE49-F238E27FC236}">
+                    <a16:creationId xmlns:a16="http://schemas.microsoft.com/office/drawing/2014/main" id="{80E9662C-5623-3B45-B44A-459F70036D34}"/>
+                  </a:ext>
+                </a:extLst>
+              </p:cNvPr>
+              <p:cNvSpPr txBox="1"/>
+              <p:nvPr/>
+            </p:nvSpPr>
+            <p:spPr>
+              <a:xfrm>
+                <a:off x="4954832" y="1080554"/>
+                <a:ext cx="769475" cy="114769"/>
+              </a:xfrm>
+              <a:prstGeom prst="rect">
+                <a:avLst/>
+              </a:prstGeom>
+              <a:noFill/>
+              <a:ln>
+                <a:noFill/>
+              </a:ln>
+            </p:spPr>
+            <p:txBody>
+              <a:bodyPr spcFirstLastPara="1" wrap="square" lIns="0" tIns="0" rIns="0" bIns="0" anchor="t" anchorCtr="0">
+                <a:spAutoFit/>
+              </a:bodyPr>
+              <a:lstStyle/>
+              <a:p>
+                <a:pPr marL="0" marR="0" lvl="0" indent="0" algn="l" rtl="0">
+                  <a:lnSpc>
+                    <a:spcPct val="100000"/>
+                  </a:lnSpc>
+                  <a:spcBef>
+                    <a:spcPts val="0"/>
+                  </a:spcBef>
+                  <a:spcAft>
+                    <a:spcPts val="0"/>
+                  </a:spcAft>
+                  <a:buClr>
+                    <a:srgbClr val="879C16"/>
+                  </a:buClr>
+                  <a:buSzPts val="714"/>
+                  <a:buFont typeface="Arial"/>
+                  <a:buNone/>
+                </a:pPr>
+                <a:r>
+                  <a:rPr lang="en-US" sz="714" b="1" i="0" u="none" strike="noStrike" cap="none" dirty="0">
+                    <a:solidFill>
+                      <a:srgbClr val="FFFFFF"/>
+                    </a:solidFill>
+                    <a:latin typeface="Arial"/>
+                    <a:ea typeface="Arial"/>
+                    <a:cs typeface="Arial"/>
+                    <a:sym typeface="Arial"/>
+                  </a:rPr>
+                  <a:t>Ore Produced</a:t>
+                </a:r>
+                <a:endParaRPr dirty="0"/>
+              </a:p>
+            </p:txBody>
+          </p:sp>
+          <p:sp>
+            <p:nvSpPr>
+              <p:cNvPr id="68" name="Google Shape;92;p1">
+                <a:extLst>
+                  <a:ext uri="{FF2B5EF4-FFF2-40B4-BE49-F238E27FC236}">
+                    <a16:creationId xmlns:a16="http://schemas.microsoft.com/office/drawing/2014/main" id="{75D9F740-3219-F24E-A7D8-0A864E172130}"/>
+                  </a:ext>
+                </a:extLst>
+              </p:cNvPr>
+              <p:cNvSpPr txBox="1"/>
+              <p:nvPr/>
+            </p:nvSpPr>
+            <p:spPr>
+              <a:xfrm>
+                <a:off x="5749739" y="1080554"/>
+                <a:ext cx="329898" cy="117099"/>
+              </a:xfrm>
+              <a:prstGeom prst="rect">
+                <a:avLst/>
+              </a:prstGeom>
+              <a:noFill/>
+              <a:ln>
+                <a:noFill/>
+              </a:ln>
+            </p:spPr>
+            <p:txBody>
+              <a:bodyPr spcFirstLastPara="1" wrap="square" lIns="0" tIns="0" rIns="0" bIns="0" anchor="t" anchorCtr="0">
+                <a:spAutoFit/>
+              </a:bodyPr>
+              <a:lstStyle/>
+              <a:p>
+                <a:pPr marL="0" marR="0" lvl="0" indent="0" algn="l" rtl="0">
+                  <a:lnSpc>
+                    <a:spcPct val="100000"/>
+                  </a:lnSpc>
+                  <a:spcBef>
+                    <a:spcPts val="0"/>
+                  </a:spcBef>
+                  <a:spcAft>
+                    <a:spcPts val="0"/>
+                  </a:spcAft>
+                  <a:buClr>
+                    <a:srgbClr val="879C16"/>
+                  </a:buClr>
+                  <a:buSzPts val="714"/>
+                  <a:buFont typeface="Arial"/>
+                  <a:buNone/>
+                </a:pPr>
+                <a:r>
+                  <a:rPr lang="en-US" sz="714" b="1" i="0" u="none" strike="noStrike" cap="none" dirty="0">
+                    <a:solidFill>
+                      <a:srgbClr val="FFFFFF"/>
+                    </a:solidFill>
+                    <a:latin typeface="Arial"/>
+                    <a:ea typeface="Arial"/>
+                    <a:cs typeface="Arial"/>
+                    <a:sym typeface="Arial"/>
+                  </a:rPr>
+                  <a:t>(Fixed)</a:t>
+                </a:r>
+                <a:endParaRPr dirty="0"/>
+              </a:p>
+            </p:txBody>
+          </p:sp>
+        </p:grpSp>
+      </p:grpSp>
+      <p:grpSp>
+        <p:nvGrpSpPr>
+          <p:cNvPr id="71" name="Google Shape;93;p1">
+            <a:extLst>
+              <a:ext uri="{FF2B5EF4-FFF2-40B4-BE49-F238E27FC236}">
+                <a16:creationId xmlns:a16="http://schemas.microsoft.com/office/drawing/2014/main" id="{05D8E557-98F5-0241-B8E4-85DDF7FAF077}"/>
+              </a:ext>
+            </a:extLst>
+          </p:cNvPr>
+          <p:cNvGrpSpPr/>
+          <p:nvPr/>
+        </p:nvGrpSpPr>
+        <p:grpSpPr>
+          <a:xfrm>
+            <a:off x="5890724" y="3665523"/>
+            <a:ext cx="2547936" cy="425774"/>
+            <a:chOff x="181335" y="3496200"/>
+            <a:chExt cx="2745460" cy="465566"/>
+          </a:xfrm>
+        </p:grpSpPr>
+        <p:grpSp>
+          <p:nvGrpSpPr>
+            <p:cNvPr id="72" name="Google Shape;94;p1">
+              <a:extLst>
+                <a:ext uri="{FF2B5EF4-FFF2-40B4-BE49-F238E27FC236}">
+                  <a16:creationId xmlns:a16="http://schemas.microsoft.com/office/drawing/2014/main" id="{1C4107B9-D385-5C44-ACBF-38E4105367B3}"/>
+                </a:ext>
+              </a:extLst>
+            </p:cNvPr>
+            <p:cNvGrpSpPr/>
+            <p:nvPr/>
+          </p:nvGrpSpPr>
+          <p:grpSpPr>
+            <a:xfrm>
+              <a:off x="1699968" y="3521670"/>
+              <a:ext cx="1226827" cy="154830"/>
+              <a:chOff x="4954832" y="1080555"/>
+              <a:chExt cx="1088747" cy="147867"/>
+            </a:xfrm>
+          </p:grpSpPr>
+          <p:sp>
+            <p:nvSpPr>
+              <p:cNvPr id="77" name="Google Shape;95;p1">
+                <a:extLst>
+                  <a:ext uri="{FF2B5EF4-FFF2-40B4-BE49-F238E27FC236}">
+                    <a16:creationId xmlns:a16="http://schemas.microsoft.com/office/drawing/2014/main" id="{3EC8E861-B7EF-2C4A-B427-B325FF14E4ED}"/>
+                  </a:ext>
+                </a:extLst>
+              </p:cNvPr>
+              <p:cNvSpPr txBox="1"/>
+              <p:nvPr/>
+            </p:nvSpPr>
+            <p:spPr>
+              <a:xfrm>
+                <a:off x="4954832" y="1080555"/>
+                <a:ext cx="769475" cy="147867"/>
+              </a:xfrm>
+              <a:prstGeom prst="rect">
+                <a:avLst/>
+              </a:prstGeom>
+              <a:noFill/>
+              <a:ln>
+                <a:noFill/>
+              </a:ln>
+            </p:spPr>
+            <p:txBody>
+              <a:bodyPr spcFirstLastPara="1" wrap="square" lIns="0" tIns="0" rIns="0" bIns="0" anchor="t" anchorCtr="0">
+                <a:noAutofit/>
+              </a:bodyPr>
+              <a:lstStyle/>
+              <a:p>
+                <a:pPr marL="0" marR="0" lvl="0" indent="0" algn="l" rtl="0">
+                  <a:lnSpc>
+                    <a:spcPct val="100000"/>
+                  </a:lnSpc>
+                  <a:spcBef>
+                    <a:spcPts val="0"/>
+                  </a:spcBef>
+                  <a:spcAft>
+                    <a:spcPts val="0"/>
+                  </a:spcAft>
+                  <a:buClr>
+                    <a:srgbClr val="879C16"/>
+                  </a:buClr>
+                  <a:buSzPts val="714"/>
+                  <a:buFont typeface="Arial"/>
+                  <a:buNone/>
+                </a:pPr>
+                <a:r>
+                  <a:rPr lang="en-US" sz="714" b="1" i="0" u="none" strike="noStrike" cap="none">
+                    <a:solidFill>
+                      <a:srgbClr val="FFFFFF"/>
+                    </a:solidFill>
+                    <a:latin typeface="Arial"/>
+                    <a:ea typeface="Arial"/>
+                    <a:cs typeface="Arial"/>
+                    <a:sym typeface="Arial"/>
+                  </a:rPr>
+                  <a:t>Coal based costs</a:t>
+                </a:r>
+                <a:endParaRPr/>
+              </a:p>
+            </p:txBody>
+          </p:sp>
+          <p:sp>
+            <p:nvSpPr>
+              <p:cNvPr id="78" name="Google Shape;96;p1">
+                <a:extLst>
+                  <a:ext uri="{FF2B5EF4-FFF2-40B4-BE49-F238E27FC236}">
+                    <a16:creationId xmlns:a16="http://schemas.microsoft.com/office/drawing/2014/main" id="{0D6B3A5C-B53A-E14C-B55B-66DB3E7C7F04}"/>
+                  </a:ext>
+                </a:extLst>
+              </p:cNvPr>
+              <p:cNvSpPr txBox="1"/>
+              <p:nvPr/>
+            </p:nvSpPr>
+            <p:spPr>
+              <a:xfrm>
+                <a:off x="5713681" y="1080555"/>
+                <a:ext cx="329898" cy="147867"/>
+              </a:xfrm>
+              <a:prstGeom prst="rect">
+                <a:avLst/>
+              </a:prstGeom>
+              <a:noFill/>
+              <a:ln>
+                <a:noFill/>
+              </a:ln>
+            </p:spPr>
+            <p:txBody>
+              <a:bodyPr spcFirstLastPara="1" wrap="square" lIns="0" tIns="0" rIns="0" bIns="0" anchor="t" anchorCtr="0">
+                <a:noAutofit/>
+              </a:bodyPr>
+              <a:lstStyle/>
+              <a:p>
+                <a:pPr marL="0" marR="0" lvl="0" indent="0" algn="ctr" rtl="0">
+                  <a:lnSpc>
+                    <a:spcPct val="100000"/>
+                  </a:lnSpc>
+                  <a:spcBef>
+                    <a:spcPts val="0"/>
+                  </a:spcBef>
+                  <a:spcAft>
+                    <a:spcPts val="0"/>
+                  </a:spcAft>
+                  <a:buClr>
+                    <a:srgbClr val="879C16"/>
+                  </a:buClr>
+                  <a:buSzPts val="714"/>
+                  <a:buFont typeface="Arial"/>
+                  <a:buNone/>
+                </a:pPr>
+                <a:r>
+                  <a:rPr lang="en-US" sz="714" b="1" i="0" u="none" strike="noStrike" cap="none">
+                    <a:solidFill>
+                      <a:srgbClr val="FFFFFF"/>
+                    </a:solidFill>
+                    <a:latin typeface="Arial"/>
+                    <a:ea typeface="Arial"/>
+                    <a:cs typeface="Arial"/>
+                    <a:sym typeface="Arial"/>
+                  </a:rPr>
+                  <a:t>($)</a:t>
+                </a:r>
+                <a:endParaRPr/>
+              </a:p>
+            </p:txBody>
+          </p:sp>
+        </p:grpSp>
+        <p:grpSp>
+          <p:nvGrpSpPr>
+            <p:cNvPr id="73" name="Google Shape;97;p1">
+              <a:extLst>
+                <a:ext uri="{FF2B5EF4-FFF2-40B4-BE49-F238E27FC236}">
+                  <a16:creationId xmlns:a16="http://schemas.microsoft.com/office/drawing/2014/main" id="{748B6B73-74D7-2743-9E77-6240EABD6F66}"/>
+                </a:ext>
+              </a:extLst>
+            </p:cNvPr>
+            <p:cNvGrpSpPr/>
+            <p:nvPr/>
+          </p:nvGrpSpPr>
+          <p:grpSpPr>
+            <a:xfrm>
+              <a:off x="181335" y="3496200"/>
+              <a:ext cx="1275292" cy="465566"/>
+              <a:chOff x="4934192" y="1056229"/>
+              <a:chExt cx="1131757" cy="444628"/>
+            </a:xfrm>
+          </p:grpSpPr>
+          <p:sp>
+            <p:nvSpPr>
+              <p:cNvPr id="74" name="Google Shape;98;p1">
+                <a:extLst>
+                  <a:ext uri="{FF2B5EF4-FFF2-40B4-BE49-F238E27FC236}">
+                    <a16:creationId xmlns:a16="http://schemas.microsoft.com/office/drawing/2014/main" id="{A5401FDA-FB4E-194D-A5CE-11324ACE90F1}"/>
+                  </a:ext>
+                </a:extLst>
+              </p:cNvPr>
+              <p:cNvSpPr/>
+              <p:nvPr/>
+            </p:nvSpPr>
+            <p:spPr>
+              <a:xfrm>
+                <a:off x="4934192" y="1056229"/>
+                <a:ext cx="1131757" cy="444628"/>
+              </a:xfrm>
+              <a:prstGeom prst="rect">
+                <a:avLst/>
+              </a:prstGeom>
+              <a:solidFill>
+                <a:schemeClr val="lt1"/>
+              </a:solidFill>
+              <a:ln w="12700" cap="flat" cmpd="sng">
+                <a:solidFill>
+                  <a:schemeClr val="accent2"/>
+                </a:solidFill>
+                <a:prstDash val="solid"/>
+                <a:round/>
+                <a:headEnd type="none" w="sm" len="sm"/>
+                <a:tailEnd type="none" w="sm" len="sm"/>
+              </a:ln>
+            </p:spPr>
+            <p:txBody>
+              <a:bodyPr spcFirstLastPara="1" wrap="square" lIns="91425" tIns="45700" rIns="91425" bIns="45700" anchor="ctr" anchorCtr="0">
+                <a:noAutofit/>
+              </a:bodyPr>
+              <a:lstStyle/>
+              <a:p>
+                <a:pPr marL="0" marR="0" lvl="0" indent="0" algn="ctr" rtl="0">
+                  <a:lnSpc>
+                    <a:spcPct val="100000"/>
+                  </a:lnSpc>
+                  <a:spcBef>
+                    <a:spcPts val="0"/>
+                  </a:spcBef>
+                  <a:spcAft>
+                    <a:spcPts val="0"/>
+                  </a:spcAft>
+                  <a:buClr>
+                    <a:srgbClr val="000000"/>
+                  </a:buClr>
+                  <a:buSzPts val="714"/>
+                  <a:buFont typeface="Arial"/>
+                  <a:buNone/>
+                </a:pPr>
+                <a:endParaRPr sz="714" b="0" i="0" u="none" strike="noStrike" cap="none">
+                  <a:solidFill>
+                    <a:srgbClr val="002C46"/>
+                  </a:solidFill>
+                  <a:latin typeface="Arial"/>
+                  <a:ea typeface="Arial"/>
+                  <a:cs typeface="Arial"/>
+                  <a:sym typeface="Arial"/>
+                </a:endParaRPr>
+              </a:p>
+            </p:txBody>
+          </p:sp>
+          <p:sp>
+            <p:nvSpPr>
+              <p:cNvPr id="75" name="Google Shape;99;p1">
+                <a:extLst>
+                  <a:ext uri="{FF2B5EF4-FFF2-40B4-BE49-F238E27FC236}">
+                    <a16:creationId xmlns:a16="http://schemas.microsoft.com/office/drawing/2014/main" id="{EDF2B12D-FC39-6946-B61E-5E9099B4973A}"/>
+                  </a:ext>
+                </a:extLst>
+              </p:cNvPr>
+              <p:cNvSpPr/>
+              <p:nvPr/>
+            </p:nvSpPr>
+            <p:spPr>
+              <a:xfrm>
+                <a:off x="4934192" y="1056229"/>
+                <a:ext cx="1131757" cy="264464"/>
+              </a:xfrm>
+              <a:prstGeom prst="rect">
+                <a:avLst/>
+              </a:prstGeom>
+              <a:solidFill>
+                <a:srgbClr val="00C09D"/>
+              </a:solidFill>
+              <a:ln w="12700" cap="flat" cmpd="sng">
+                <a:solidFill>
+                  <a:schemeClr val="accent2"/>
+                </a:solidFill>
+                <a:prstDash val="solid"/>
+                <a:round/>
+                <a:headEnd type="none" w="sm" len="sm"/>
+                <a:tailEnd type="none" w="sm" len="sm"/>
+              </a:ln>
+            </p:spPr>
+            <p:txBody>
+              <a:bodyPr spcFirstLastPara="1" wrap="square" lIns="91425" tIns="45700" rIns="91425" bIns="45700" anchor="ctr" anchorCtr="0">
+                <a:noAutofit/>
+              </a:bodyPr>
+              <a:lstStyle/>
+              <a:p>
+                <a:pPr marL="0" marR="0" lvl="0" indent="0" algn="ctr" rtl="0">
+                  <a:lnSpc>
+                    <a:spcPct val="100000"/>
+                  </a:lnSpc>
+                  <a:spcBef>
+                    <a:spcPts val="0"/>
+                  </a:spcBef>
+                  <a:spcAft>
+                    <a:spcPts val="0"/>
+                  </a:spcAft>
+                  <a:buClr>
+                    <a:srgbClr val="000000"/>
+                  </a:buClr>
+                  <a:buSzPts val="714"/>
+                  <a:buFont typeface="Arial"/>
+                  <a:buNone/>
+                </a:pPr>
+                <a:endParaRPr sz="714" b="0" i="0" u="none" strike="noStrike" cap="none">
+                  <a:solidFill>
+                    <a:srgbClr val="002C46"/>
+                  </a:solidFill>
+                  <a:latin typeface="Arial"/>
+                  <a:ea typeface="Arial"/>
+                  <a:cs typeface="Arial"/>
+                  <a:sym typeface="Arial"/>
+                </a:endParaRPr>
+              </a:p>
+            </p:txBody>
+          </p:sp>
+          <p:sp>
+            <p:nvSpPr>
+              <p:cNvPr id="76" name="Google Shape;100;p1">
+                <a:extLst>
+                  <a:ext uri="{FF2B5EF4-FFF2-40B4-BE49-F238E27FC236}">
+                    <a16:creationId xmlns:a16="http://schemas.microsoft.com/office/drawing/2014/main" id="{87763D4E-083B-9042-AA04-106510CBBAA9}"/>
+                  </a:ext>
+                </a:extLst>
+              </p:cNvPr>
+              <p:cNvSpPr txBox="1"/>
+              <p:nvPr/>
+            </p:nvSpPr>
+            <p:spPr>
+              <a:xfrm>
+                <a:off x="4954832" y="1080554"/>
+                <a:ext cx="1007799" cy="229537"/>
+              </a:xfrm>
+              <a:prstGeom prst="rect">
+                <a:avLst/>
+              </a:prstGeom>
+              <a:noFill/>
+              <a:ln>
+                <a:noFill/>
+              </a:ln>
+            </p:spPr>
+            <p:txBody>
+              <a:bodyPr spcFirstLastPara="1" wrap="square" lIns="0" tIns="0" rIns="0" bIns="0" anchor="t" anchorCtr="0">
+                <a:spAutoFit/>
+              </a:bodyPr>
+              <a:lstStyle/>
+              <a:p>
+                <a:pPr marL="0" marR="0" lvl="0" indent="0" algn="l" rtl="0">
+                  <a:lnSpc>
+                    <a:spcPct val="100000"/>
+                  </a:lnSpc>
+                  <a:spcBef>
+                    <a:spcPts val="0"/>
+                  </a:spcBef>
+                  <a:spcAft>
+                    <a:spcPts val="0"/>
+                  </a:spcAft>
+                  <a:buClr>
+                    <a:srgbClr val="879C16"/>
+                  </a:buClr>
+                  <a:buSzPts val="714"/>
+                  <a:buFont typeface="Arial"/>
+                  <a:buNone/>
+                </a:pPr>
+                <a:r>
+                  <a:rPr lang="en-US" sz="714" b="1" dirty="0">
+                    <a:solidFill>
+                      <a:srgbClr val="FFFFFF"/>
+                    </a:solidFill>
+                  </a:rPr>
+                  <a:t>Volume-Based Crusher Maintenance</a:t>
+                </a:r>
+                <a:endParaRPr dirty="0"/>
+              </a:p>
+            </p:txBody>
+          </p:sp>
+        </p:grpSp>
+      </p:grpSp>
+      <p:sp>
+        <p:nvSpPr>
+          <p:cNvPr id="79" name="Minus 78">
+            <a:extLst>
+              <a:ext uri="{FF2B5EF4-FFF2-40B4-BE49-F238E27FC236}">
+                <a16:creationId xmlns:a16="http://schemas.microsoft.com/office/drawing/2014/main" id="{71AAC964-5B52-C44A-82E7-054B735B6A81}"/>
+              </a:ext>
+            </a:extLst>
+          </p:cNvPr>
+          <p:cNvSpPr/>
+          <p:nvPr/>
+        </p:nvSpPr>
+        <p:spPr>
+          <a:xfrm>
+            <a:off x="3664560" y="3452261"/>
+            <a:ext cx="90714" cy="90714"/>
+          </a:xfrm>
+          <a:prstGeom prst="mathMinus">
+            <a:avLst/>
+          </a:prstGeom>
+          <a:solidFill>
+            <a:schemeClr val="bg2"/>
+          </a:solidFill>
+          <a:ln w="12700">
+            <a:solidFill>
+              <a:schemeClr val="bg2"/>
+            </a:solidFill>
+          </a:ln>
+        </p:spPr>
+        <p:style>
+          <a:lnRef idx="2">
+            <a:schemeClr val="accent1">
+              <a:shade val="50000"/>
+            </a:schemeClr>
+          </a:lnRef>
+          <a:fillRef idx="1">
+            <a:schemeClr val="accent1"/>
+          </a:fillRef>
+          <a:effectRef idx="0">
+            <a:schemeClr val="accent1"/>
+          </a:effectRef>
+          <a:fontRef idx="minor">
+            <a:schemeClr val="lt1"/>
+          </a:fontRef>
+        </p:style>
+        <p:txBody>
+          <a:bodyPr rtlCol="0" anchor="ctr"/>
+          <a:lstStyle/>
+          <a:p>
+            <a:pPr algn="ctr"/>
+            <a:endParaRPr lang="en-US"/>
+          </a:p>
+        </p:txBody>
+      </p:sp>
+      <p:sp>
+        <p:nvSpPr>
+          <p:cNvPr id="80" name="TextBox 79">
+            <a:extLst>
+              <a:ext uri="{FF2B5EF4-FFF2-40B4-BE49-F238E27FC236}">
+                <a16:creationId xmlns:a16="http://schemas.microsoft.com/office/drawing/2014/main" id="{2AD0ABE7-3883-B24F-B545-406B36B68D51}"/>
+              </a:ext>
+            </a:extLst>
+          </p:cNvPr>
+          <p:cNvSpPr txBox="1"/>
+          <p:nvPr/>
+        </p:nvSpPr>
+        <p:spPr>
+          <a:xfrm>
+            <a:off x="4442620" y="2447705"/>
+            <a:ext cx="870025" cy="215444"/>
+          </a:xfrm>
+          <a:prstGeom prst="rect">
+            <a:avLst/>
+          </a:prstGeom>
+          <a:noFill/>
+        </p:spPr>
+        <p:txBody>
+          <a:bodyPr wrap="square" rtlCol="0">
+            <a:spAutoFit/>
+          </a:bodyPr>
+          <a:lstStyle/>
+          <a:p>
+            <a:r>
+              <a:rPr lang="en-US" sz="800" dirty="0"/>
+              <a:t>$/ton</a:t>
+            </a:r>
+          </a:p>
+        </p:txBody>
+      </p:sp>
+      <p:sp>
+        <p:nvSpPr>
+          <p:cNvPr id="81" name="TextBox 80">
+            <a:extLst>
+              <a:ext uri="{FF2B5EF4-FFF2-40B4-BE49-F238E27FC236}">
+                <a16:creationId xmlns:a16="http://schemas.microsoft.com/office/drawing/2014/main" id="{AD49D644-CDE1-AD4A-87A3-34FB9FE2BA58}"/>
+              </a:ext>
+            </a:extLst>
+          </p:cNvPr>
+          <p:cNvSpPr txBox="1"/>
+          <p:nvPr/>
+        </p:nvSpPr>
+        <p:spPr>
+          <a:xfrm>
+            <a:off x="1717113" y="3523349"/>
+            <a:ext cx="870025" cy="215444"/>
+          </a:xfrm>
+          <a:prstGeom prst="rect">
+            <a:avLst/>
+          </a:prstGeom>
+          <a:noFill/>
+        </p:spPr>
+        <p:txBody>
+          <a:bodyPr wrap="square" rtlCol="0">
+            <a:spAutoFit/>
+          </a:bodyPr>
+          <a:lstStyle/>
+          <a:p>
+            <a:r>
+              <a:rPr lang="en-US" sz="800" dirty="0"/>
+              <a:t>$/ton</a:t>
+            </a:r>
+          </a:p>
+        </p:txBody>
+      </p:sp>
+      <p:sp>
+        <p:nvSpPr>
+          <p:cNvPr id="82" name="TextBox 81">
+            <a:extLst>
+              <a:ext uri="{FF2B5EF4-FFF2-40B4-BE49-F238E27FC236}">
+                <a16:creationId xmlns:a16="http://schemas.microsoft.com/office/drawing/2014/main" id="{5E63992A-AF32-3543-BB10-061496F37825}"/>
+              </a:ext>
+            </a:extLst>
+          </p:cNvPr>
+          <p:cNvSpPr txBox="1"/>
+          <p:nvPr/>
+        </p:nvSpPr>
+        <p:spPr>
+          <a:xfrm>
+            <a:off x="4454520" y="4592115"/>
+            <a:ext cx="870025" cy="215444"/>
+          </a:xfrm>
+          <a:prstGeom prst="rect">
+            <a:avLst/>
+          </a:prstGeom>
+          <a:noFill/>
+        </p:spPr>
+        <p:txBody>
+          <a:bodyPr wrap="square" rtlCol="0">
+            <a:spAutoFit/>
+          </a:bodyPr>
+          <a:lstStyle/>
+          <a:p>
+            <a:r>
+              <a:rPr lang="en-US" sz="800" dirty="0"/>
+              <a:t>$</a:t>
+            </a:r>
+          </a:p>
+        </p:txBody>
+      </p:sp>
+      <p:sp>
+        <p:nvSpPr>
+          <p:cNvPr id="83" name="TextBox 82">
+            <a:extLst>
+              <a:ext uri="{FF2B5EF4-FFF2-40B4-BE49-F238E27FC236}">
+                <a16:creationId xmlns:a16="http://schemas.microsoft.com/office/drawing/2014/main" id="{3FE25BDF-B6E5-C349-B6CE-A9BD32B3DC0C}"/>
+              </a:ext>
+            </a:extLst>
+          </p:cNvPr>
+          <p:cNvSpPr txBox="1"/>
+          <p:nvPr/>
+        </p:nvSpPr>
+        <p:spPr>
+          <a:xfrm>
+            <a:off x="5829812" y="3098882"/>
+            <a:ext cx="870025" cy="215444"/>
+          </a:xfrm>
+          <a:prstGeom prst="rect">
+            <a:avLst/>
+          </a:prstGeom>
+          <a:noFill/>
+        </p:spPr>
+        <p:txBody>
+          <a:bodyPr wrap="square" rtlCol="0">
+            <a:spAutoFit/>
+          </a:bodyPr>
+          <a:lstStyle/>
+          <a:p>
+            <a:r>
+              <a:rPr lang="en-US" sz="800" dirty="0"/>
+              <a:t>tons</a:t>
+            </a:r>
+          </a:p>
+        </p:txBody>
+      </p:sp>
+      <p:sp>
+        <p:nvSpPr>
+          <p:cNvPr id="84" name="TextBox 83">
+            <a:extLst>
+              <a:ext uri="{FF2B5EF4-FFF2-40B4-BE49-F238E27FC236}">
+                <a16:creationId xmlns:a16="http://schemas.microsoft.com/office/drawing/2014/main" id="{FD37A531-2E2C-114E-93FD-94FFE844F1A6}"/>
+              </a:ext>
+            </a:extLst>
+          </p:cNvPr>
+          <p:cNvSpPr txBox="1"/>
+          <p:nvPr/>
+        </p:nvSpPr>
+        <p:spPr>
+          <a:xfrm>
+            <a:off x="5822111" y="1780162"/>
+            <a:ext cx="870025" cy="215444"/>
+          </a:xfrm>
+          <a:prstGeom prst="rect">
+            <a:avLst/>
+          </a:prstGeom>
+          <a:noFill/>
+        </p:spPr>
+        <p:txBody>
+          <a:bodyPr wrap="square" rtlCol="0">
+            <a:spAutoFit/>
+          </a:bodyPr>
+          <a:lstStyle/>
+          <a:p>
+            <a:r>
+              <a:rPr lang="en-US" sz="800" dirty="0"/>
+              <a:t>$</a:t>
+            </a:r>
+          </a:p>
+        </p:txBody>
+      </p:sp>
+      <p:sp>
+        <p:nvSpPr>
+          <p:cNvPr id="85" name="TextBox 84">
+            <a:extLst>
+              <a:ext uri="{FF2B5EF4-FFF2-40B4-BE49-F238E27FC236}">
+                <a16:creationId xmlns:a16="http://schemas.microsoft.com/office/drawing/2014/main" id="{3660B92C-C965-E64F-91DB-4042FE32A478}"/>
+              </a:ext>
+            </a:extLst>
+          </p:cNvPr>
+          <p:cNvSpPr txBox="1"/>
+          <p:nvPr/>
+        </p:nvSpPr>
+        <p:spPr>
+          <a:xfrm>
+            <a:off x="5829812" y="3900718"/>
+            <a:ext cx="870025" cy="215444"/>
+          </a:xfrm>
+          <a:prstGeom prst="rect">
+            <a:avLst/>
+          </a:prstGeom>
+          <a:noFill/>
+        </p:spPr>
+        <p:txBody>
+          <a:bodyPr wrap="square" rtlCol="0">
+            <a:spAutoFit/>
+          </a:bodyPr>
+          <a:lstStyle/>
+          <a:p>
+            <a:r>
+              <a:rPr lang="en-US" sz="800" dirty="0"/>
+              <a:t>$/80kton</a:t>
+            </a:r>
+          </a:p>
+        </p:txBody>
+      </p:sp>
+      <p:cxnSp>
+        <p:nvCxnSpPr>
+          <p:cNvPr id="86" name="Google Shape;25;p1">
+            <a:extLst>
+              <a:ext uri="{FF2B5EF4-FFF2-40B4-BE49-F238E27FC236}">
+                <a16:creationId xmlns:a16="http://schemas.microsoft.com/office/drawing/2014/main" id="{A0D47FFB-1E90-9943-B25B-E7DD260A4402}"/>
+              </a:ext>
+            </a:extLst>
+          </p:cNvPr>
+          <p:cNvCxnSpPr/>
+          <p:nvPr/>
+        </p:nvCxnSpPr>
+        <p:spPr>
+          <a:xfrm rot="-5400000" flipH="1">
+            <a:off x="6951188" y="4114922"/>
+            <a:ext cx="673200" cy="204300"/>
+          </a:xfrm>
+          <a:prstGeom prst="bentConnector3">
+            <a:avLst>
+              <a:gd name="adj1" fmla="val 0"/>
+            </a:avLst>
+          </a:prstGeom>
+          <a:noFill/>
+          <a:ln w="12700" cap="flat" cmpd="sng">
+            <a:solidFill>
+              <a:schemeClr val="accent6"/>
+            </a:solidFill>
+            <a:prstDash val="solid"/>
+            <a:round/>
+            <a:headEnd type="none" w="sm" len="sm"/>
+            <a:tailEnd type="none" w="sm" len="sm"/>
+          </a:ln>
+        </p:spPr>
+      </p:cxnSp>
+      <p:cxnSp>
+        <p:nvCxnSpPr>
+          <p:cNvPr id="87" name="Google Shape;27;p1">
+            <a:extLst>
+              <a:ext uri="{FF2B5EF4-FFF2-40B4-BE49-F238E27FC236}">
+                <a16:creationId xmlns:a16="http://schemas.microsoft.com/office/drawing/2014/main" id="{B9F173F8-1D6D-764F-AEA3-CD455FF666C6}"/>
+              </a:ext>
+            </a:extLst>
+          </p:cNvPr>
+          <p:cNvCxnSpPr>
+            <a:cxnSpLocks/>
+            <a:stCxn id="74" idx="3"/>
+          </p:cNvCxnSpPr>
+          <p:nvPr/>
+        </p:nvCxnSpPr>
+        <p:spPr>
+          <a:xfrm flipV="1">
+            <a:off x="7074264" y="3226126"/>
+            <a:ext cx="315674" cy="652284"/>
+          </a:xfrm>
+          <a:prstGeom prst="bentConnector2">
+            <a:avLst/>
+          </a:prstGeom>
+          <a:noFill/>
+          <a:ln w="12700" cap="flat" cmpd="sng">
+            <a:solidFill>
+              <a:schemeClr val="accent6"/>
+            </a:solidFill>
+            <a:prstDash val="solid"/>
+            <a:round/>
+            <a:headEnd type="none" w="sm" len="sm"/>
+            <a:tailEnd type="none" w="sm" len="sm"/>
+          </a:ln>
+        </p:spPr>
+      </p:cxnSp>
+      <p:sp>
+        <p:nvSpPr>
+          <p:cNvPr id="88" name="Google Shape;43;p1">
+            <a:extLst>
+              <a:ext uri="{FF2B5EF4-FFF2-40B4-BE49-F238E27FC236}">
+                <a16:creationId xmlns:a16="http://schemas.microsoft.com/office/drawing/2014/main" id="{B9AADE88-E05E-BD42-9893-34F43B157992}"/>
+              </a:ext>
+            </a:extLst>
+          </p:cNvPr>
+          <p:cNvSpPr/>
+          <p:nvPr/>
+        </p:nvSpPr>
+        <p:spPr>
+          <a:xfrm rot="2700000">
+            <a:off x="7216649" y="3812547"/>
+            <a:ext cx="155774" cy="155774"/>
+          </a:xfrm>
+          <a:prstGeom prst="ellipse">
+            <a:avLst/>
+          </a:prstGeom>
+          <a:solidFill>
+            <a:schemeClr val="accent3"/>
+          </a:solidFill>
+          <a:ln w="12700" cap="flat" cmpd="sng">
+            <a:solidFill>
+              <a:schemeClr val="lt1"/>
+            </a:solidFill>
+            <a:prstDash val="solid"/>
+            <a:round/>
+            <a:headEnd type="none" w="sm" len="sm"/>
+            <a:tailEnd type="none" w="sm" len="sm"/>
+          </a:ln>
+        </p:spPr>
+        <p:txBody>
+          <a:bodyPr spcFirstLastPara="1" wrap="square" lIns="91425" tIns="45700" rIns="91425" bIns="45700" anchor="ctr" anchorCtr="0">
+            <a:noAutofit/>
+          </a:bodyPr>
+          <a:lstStyle/>
+          <a:p>
+            <a:pPr marL="0" marR="0" lvl="0" indent="0" algn="l" rtl="0">
+              <a:lnSpc>
+                <a:spcPct val="100000"/>
+              </a:lnSpc>
+              <a:spcBef>
+                <a:spcPts val="0"/>
+              </a:spcBef>
+              <a:spcAft>
+                <a:spcPts val="0"/>
+              </a:spcAft>
+              <a:buClr>
+                <a:srgbClr val="000000"/>
+              </a:buClr>
+              <a:buSzPts val="1428"/>
+              <a:buFont typeface="Arial"/>
+              <a:buNone/>
+            </a:pPr>
+            <a:endParaRPr sz="1428" b="1" i="0" u="none" strike="noStrike" cap="none">
+              <a:solidFill>
+                <a:srgbClr val="000000"/>
+              </a:solidFill>
+              <a:latin typeface="Arial"/>
+              <a:ea typeface="Arial"/>
+              <a:cs typeface="Arial"/>
+              <a:sym typeface="Arial"/>
+            </a:endParaRPr>
+          </a:p>
+        </p:txBody>
+      </p:sp>
+      <p:grpSp>
+        <p:nvGrpSpPr>
+          <p:cNvPr id="89" name="Google Shape;75;p1">
+            <a:extLst>
+              <a:ext uri="{FF2B5EF4-FFF2-40B4-BE49-F238E27FC236}">
+                <a16:creationId xmlns:a16="http://schemas.microsoft.com/office/drawing/2014/main" id="{B74F0BA6-4814-A845-9D9C-730B5AD7C9A7}"/>
+              </a:ext>
+            </a:extLst>
+          </p:cNvPr>
+          <p:cNvGrpSpPr/>
+          <p:nvPr/>
+        </p:nvGrpSpPr>
+        <p:grpSpPr>
+          <a:xfrm>
+            <a:off x="7393066" y="3003226"/>
+            <a:ext cx="2547956" cy="425774"/>
+            <a:chOff x="181315" y="3496200"/>
+            <a:chExt cx="2745480" cy="465566"/>
+          </a:xfrm>
+        </p:grpSpPr>
+        <p:grpSp>
+          <p:nvGrpSpPr>
+            <p:cNvPr id="90" name="Google Shape;76;p1">
+              <a:extLst>
+                <a:ext uri="{FF2B5EF4-FFF2-40B4-BE49-F238E27FC236}">
+                  <a16:creationId xmlns:a16="http://schemas.microsoft.com/office/drawing/2014/main" id="{580441A1-4834-B944-8436-4075FCD2280D}"/>
+                </a:ext>
+              </a:extLst>
+            </p:cNvPr>
+            <p:cNvGrpSpPr/>
+            <p:nvPr/>
+          </p:nvGrpSpPr>
+          <p:grpSpPr>
+            <a:xfrm>
+              <a:off x="1699968" y="3521670"/>
+              <a:ext cx="1226827" cy="154830"/>
+              <a:chOff x="4954832" y="1080555"/>
+              <a:chExt cx="1088747" cy="147867"/>
+            </a:xfrm>
+          </p:grpSpPr>
+          <p:sp>
+            <p:nvSpPr>
+              <p:cNvPr id="96" name="Google Shape;77;p1">
+                <a:extLst>
+                  <a:ext uri="{FF2B5EF4-FFF2-40B4-BE49-F238E27FC236}">
+                    <a16:creationId xmlns:a16="http://schemas.microsoft.com/office/drawing/2014/main" id="{12787BCD-9CFB-4E40-B20C-582550746A14}"/>
+                  </a:ext>
+                </a:extLst>
+              </p:cNvPr>
+              <p:cNvSpPr txBox="1"/>
+              <p:nvPr/>
+            </p:nvSpPr>
+            <p:spPr>
+              <a:xfrm>
+                <a:off x="4954832" y="1080555"/>
+                <a:ext cx="769475" cy="147867"/>
+              </a:xfrm>
+              <a:prstGeom prst="rect">
+                <a:avLst/>
+              </a:prstGeom>
+              <a:noFill/>
+              <a:ln>
+                <a:noFill/>
+              </a:ln>
+            </p:spPr>
+            <p:txBody>
+              <a:bodyPr spcFirstLastPara="1" wrap="square" lIns="0" tIns="0" rIns="0" bIns="0" anchor="t" anchorCtr="0">
+                <a:noAutofit/>
+              </a:bodyPr>
+              <a:lstStyle/>
+              <a:p>
+                <a:pPr marL="0" marR="0" lvl="0" indent="0" algn="l" rtl="0">
+                  <a:lnSpc>
+                    <a:spcPct val="100000"/>
+                  </a:lnSpc>
+                  <a:spcBef>
+                    <a:spcPts val="0"/>
+                  </a:spcBef>
+                  <a:spcAft>
+                    <a:spcPts val="0"/>
+                  </a:spcAft>
+                  <a:buClr>
+                    <a:srgbClr val="879C16"/>
+                  </a:buClr>
+                  <a:buSzPts val="714"/>
+                  <a:buFont typeface="Arial"/>
+                  <a:buNone/>
+                </a:pPr>
+                <a:r>
+                  <a:rPr lang="en-US" sz="714" b="1" i="0" u="none" strike="noStrike" cap="none">
+                    <a:solidFill>
+                      <a:srgbClr val="FFFFFF"/>
+                    </a:solidFill>
+                    <a:latin typeface="Arial"/>
+                    <a:ea typeface="Arial"/>
+                    <a:cs typeface="Arial"/>
+                    <a:sym typeface="Arial"/>
+                  </a:rPr>
+                  <a:t>Coal based costs</a:t>
+                </a:r>
+                <a:endParaRPr/>
+              </a:p>
+            </p:txBody>
+          </p:sp>
+          <p:sp>
+            <p:nvSpPr>
+              <p:cNvPr id="97" name="Google Shape;78;p1">
+                <a:extLst>
+                  <a:ext uri="{FF2B5EF4-FFF2-40B4-BE49-F238E27FC236}">
+                    <a16:creationId xmlns:a16="http://schemas.microsoft.com/office/drawing/2014/main" id="{3D2D2F15-7495-B446-8EBB-F7091EEDDAE5}"/>
+                  </a:ext>
+                </a:extLst>
+              </p:cNvPr>
+              <p:cNvSpPr txBox="1"/>
+              <p:nvPr/>
+            </p:nvSpPr>
+            <p:spPr>
+              <a:xfrm>
+                <a:off x="5713681" y="1080555"/>
+                <a:ext cx="329898" cy="147867"/>
+              </a:xfrm>
+              <a:prstGeom prst="rect">
+                <a:avLst/>
+              </a:prstGeom>
+              <a:noFill/>
+              <a:ln>
+                <a:noFill/>
+              </a:ln>
+            </p:spPr>
+            <p:txBody>
+              <a:bodyPr spcFirstLastPara="1" wrap="square" lIns="0" tIns="0" rIns="0" bIns="0" anchor="t" anchorCtr="0">
+                <a:noAutofit/>
+              </a:bodyPr>
+              <a:lstStyle/>
+              <a:p>
+                <a:pPr marL="0" marR="0" lvl="0" indent="0" algn="ctr" rtl="0">
+                  <a:lnSpc>
+                    <a:spcPct val="100000"/>
+                  </a:lnSpc>
+                  <a:spcBef>
+                    <a:spcPts val="0"/>
+                  </a:spcBef>
+                  <a:spcAft>
+                    <a:spcPts val="0"/>
+                  </a:spcAft>
+                  <a:buClr>
+                    <a:srgbClr val="879C16"/>
+                  </a:buClr>
+                  <a:buSzPts val="714"/>
+                  <a:buFont typeface="Arial"/>
+                  <a:buNone/>
+                </a:pPr>
+                <a:r>
+                  <a:rPr lang="en-US" sz="714" b="1" i="0" u="none" strike="noStrike" cap="none">
+                    <a:solidFill>
+                      <a:srgbClr val="FFFFFF"/>
+                    </a:solidFill>
+                    <a:latin typeface="Arial"/>
+                    <a:ea typeface="Arial"/>
+                    <a:cs typeface="Arial"/>
+                    <a:sym typeface="Arial"/>
+                  </a:rPr>
+                  <a:t>($)</a:t>
+                </a:r>
+                <a:endParaRPr/>
+              </a:p>
+            </p:txBody>
+          </p:sp>
+        </p:grpSp>
+        <p:grpSp>
+          <p:nvGrpSpPr>
+            <p:cNvPr id="91" name="Google Shape;79;p1">
+              <a:extLst>
+                <a:ext uri="{FF2B5EF4-FFF2-40B4-BE49-F238E27FC236}">
+                  <a16:creationId xmlns:a16="http://schemas.microsoft.com/office/drawing/2014/main" id="{BDC47919-749D-864B-B75F-F1F57D0D928C}"/>
+                </a:ext>
+              </a:extLst>
+            </p:cNvPr>
+            <p:cNvGrpSpPr/>
+            <p:nvPr/>
+          </p:nvGrpSpPr>
+          <p:grpSpPr>
+            <a:xfrm>
+              <a:off x="181315" y="3496200"/>
+              <a:ext cx="1504027" cy="465566"/>
+              <a:chOff x="4934192" y="1056229"/>
+              <a:chExt cx="1334753" cy="444628"/>
+            </a:xfrm>
+          </p:grpSpPr>
+          <p:sp>
+            <p:nvSpPr>
+              <p:cNvPr id="92" name="Google Shape;80;p1">
+                <a:extLst>
+                  <a:ext uri="{FF2B5EF4-FFF2-40B4-BE49-F238E27FC236}">
+                    <a16:creationId xmlns:a16="http://schemas.microsoft.com/office/drawing/2014/main" id="{BE3B285B-FFC5-B44A-A99B-77C8BFA4B8FD}"/>
+                  </a:ext>
+                </a:extLst>
+              </p:cNvPr>
+              <p:cNvSpPr/>
+              <p:nvPr/>
+            </p:nvSpPr>
+            <p:spPr>
+              <a:xfrm>
+                <a:off x="4934192" y="1056229"/>
+                <a:ext cx="1131757" cy="444628"/>
+              </a:xfrm>
+              <a:prstGeom prst="rect">
+                <a:avLst/>
+              </a:prstGeom>
+              <a:solidFill>
+                <a:schemeClr val="lt1"/>
+              </a:solidFill>
+              <a:ln w="12700" cap="flat" cmpd="sng">
+                <a:solidFill>
+                  <a:schemeClr val="accent2"/>
+                </a:solidFill>
+                <a:prstDash val="solid"/>
+                <a:round/>
+                <a:headEnd type="none" w="sm" len="sm"/>
+                <a:tailEnd type="none" w="sm" len="sm"/>
+              </a:ln>
+            </p:spPr>
+            <p:txBody>
+              <a:bodyPr spcFirstLastPara="1" wrap="square" lIns="91425" tIns="45700" rIns="91425" bIns="45700" anchor="ctr" anchorCtr="0">
+                <a:noAutofit/>
+              </a:bodyPr>
+              <a:lstStyle/>
+              <a:p>
+                <a:pPr marL="0" marR="0" lvl="0" indent="0" algn="ctr" rtl="0">
+                  <a:lnSpc>
+                    <a:spcPct val="100000"/>
+                  </a:lnSpc>
+                  <a:spcBef>
+                    <a:spcPts val="0"/>
+                  </a:spcBef>
+                  <a:spcAft>
+                    <a:spcPts val="0"/>
+                  </a:spcAft>
+                  <a:buClr>
+                    <a:srgbClr val="000000"/>
+                  </a:buClr>
+                  <a:buSzPts val="714"/>
+                  <a:buFont typeface="Arial"/>
+                  <a:buNone/>
+                </a:pPr>
+                <a:endParaRPr sz="714" b="0" i="0" u="none" strike="noStrike" cap="none">
+                  <a:solidFill>
+                    <a:srgbClr val="002C46"/>
+                  </a:solidFill>
+                  <a:latin typeface="Arial"/>
+                  <a:ea typeface="Arial"/>
+                  <a:cs typeface="Arial"/>
+                  <a:sym typeface="Arial"/>
+                </a:endParaRPr>
+              </a:p>
+            </p:txBody>
+          </p:sp>
+          <p:sp>
+            <p:nvSpPr>
+              <p:cNvPr id="93" name="Google Shape;81;p1">
+                <a:extLst>
+                  <a:ext uri="{FF2B5EF4-FFF2-40B4-BE49-F238E27FC236}">
+                    <a16:creationId xmlns:a16="http://schemas.microsoft.com/office/drawing/2014/main" id="{CE36988D-091A-8C47-9BC1-72F7CC0EBAEE}"/>
+                  </a:ext>
+                </a:extLst>
+              </p:cNvPr>
+              <p:cNvSpPr/>
+              <p:nvPr/>
+            </p:nvSpPr>
+            <p:spPr>
+              <a:xfrm>
+                <a:off x="4934192" y="1056229"/>
+                <a:ext cx="1131757" cy="264464"/>
+              </a:xfrm>
+              <a:prstGeom prst="rect">
+                <a:avLst/>
+              </a:prstGeom>
+              <a:solidFill>
+                <a:srgbClr val="00C09D"/>
+              </a:solidFill>
+              <a:ln w="12700" cap="flat" cmpd="sng">
+                <a:solidFill>
+                  <a:schemeClr val="accent2"/>
+                </a:solidFill>
+                <a:prstDash val="solid"/>
+                <a:round/>
+                <a:headEnd type="none" w="sm" len="sm"/>
+                <a:tailEnd type="none" w="sm" len="sm"/>
+              </a:ln>
+            </p:spPr>
+            <p:txBody>
+              <a:bodyPr spcFirstLastPara="1" wrap="square" lIns="91425" tIns="45700" rIns="91425" bIns="45700" anchor="ctr" anchorCtr="0">
+                <a:noAutofit/>
+              </a:bodyPr>
+              <a:lstStyle/>
+              <a:p>
+                <a:pPr marL="0" marR="0" lvl="0" indent="0" algn="ctr" rtl="0">
+                  <a:lnSpc>
+                    <a:spcPct val="100000"/>
+                  </a:lnSpc>
+                  <a:spcBef>
+                    <a:spcPts val="0"/>
+                  </a:spcBef>
+                  <a:spcAft>
+                    <a:spcPts val="0"/>
+                  </a:spcAft>
+                  <a:buClr>
+                    <a:srgbClr val="000000"/>
+                  </a:buClr>
+                  <a:buSzPts val="714"/>
+                  <a:buFont typeface="Arial"/>
+                  <a:buNone/>
+                </a:pPr>
+                <a:endParaRPr sz="714" b="0" i="0" u="none" strike="noStrike" cap="none">
+                  <a:solidFill>
+                    <a:srgbClr val="002C46"/>
+                  </a:solidFill>
+                  <a:latin typeface="Arial"/>
+                  <a:ea typeface="Arial"/>
+                  <a:cs typeface="Arial"/>
+                  <a:sym typeface="Arial"/>
+                </a:endParaRPr>
+              </a:p>
+            </p:txBody>
+          </p:sp>
+          <p:sp>
+            <p:nvSpPr>
+              <p:cNvPr id="94" name="Google Shape;82;p1">
+                <a:extLst>
+                  <a:ext uri="{FF2B5EF4-FFF2-40B4-BE49-F238E27FC236}">
+                    <a16:creationId xmlns:a16="http://schemas.microsoft.com/office/drawing/2014/main" id="{94E6A756-397A-CB42-949F-5256190A4837}"/>
+                  </a:ext>
+                </a:extLst>
+              </p:cNvPr>
+              <p:cNvSpPr txBox="1"/>
+              <p:nvPr/>
+            </p:nvSpPr>
+            <p:spPr>
+              <a:xfrm>
+                <a:off x="4954832" y="1080554"/>
+                <a:ext cx="769475" cy="229537"/>
+              </a:xfrm>
+              <a:prstGeom prst="rect">
+                <a:avLst/>
+              </a:prstGeom>
+              <a:noFill/>
+              <a:ln>
+                <a:noFill/>
+              </a:ln>
+            </p:spPr>
+            <p:txBody>
+              <a:bodyPr spcFirstLastPara="1" wrap="square" lIns="0" tIns="0" rIns="0" bIns="0" anchor="t" anchorCtr="0">
+                <a:spAutoFit/>
+              </a:bodyPr>
+              <a:lstStyle/>
+              <a:p>
+                <a:pPr marL="0" marR="0" lvl="0" indent="0" algn="l" rtl="0">
+                  <a:lnSpc>
+                    <a:spcPct val="100000"/>
+                  </a:lnSpc>
+                  <a:spcBef>
+                    <a:spcPts val="0"/>
+                  </a:spcBef>
+                  <a:spcAft>
+                    <a:spcPts val="0"/>
+                  </a:spcAft>
+                  <a:buClr>
+                    <a:srgbClr val="879C16"/>
+                  </a:buClr>
+                  <a:buSzPts val="714"/>
+                  <a:buFont typeface="Arial"/>
+                  <a:buNone/>
+                </a:pPr>
+                <a:r>
+                  <a:rPr lang="en-US" sz="714" b="1" dirty="0">
+                    <a:solidFill>
+                      <a:srgbClr val="FFFFFF"/>
+                    </a:solidFill>
+                  </a:rPr>
+                  <a:t>Maintenance Event every 80k</a:t>
+                </a:r>
+                <a:endParaRPr dirty="0"/>
+              </a:p>
+            </p:txBody>
+          </p:sp>
+          <p:sp>
+            <p:nvSpPr>
+              <p:cNvPr id="95" name="Google Shape;83;p1">
+                <a:extLst>
+                  <a:ext uri="{FF2B5EF4-FFF2-40B4-BE49-F238E27FC236}">
+                    <a16:creationId xmlns:a16="http://schemas.microsoft.com/office/drawing/2014/main" id="{F47E1361-4275-D94F-91B8-1B9E0EC1EE04}"/>
+                  </a:ext>
+                </a:extLst>
+              </p:cNvPr>
+              <p:cNvSpPr txBox="1"/>
+              <p:nvPr/>
+            </p:nvSpPr>
+            <p:spPr>
+              <a:xfrm>
+                <a:off x="5741769" y="1080554"/>
+                <a:ext cx="527176" cy="114769"/>
+              </a:xfrm>
+              <a:prstGeom prst="rect">
+                <a:avLst/>
+              </a:prstGeom>
+              <a:noFill/>
+              <a:ln>
+                <a:noFill/>
+              </a:ln>
+            </p:spPr>
+            <p:txBody>
+              <a:bodyPr spcFirstLastPara="1" wrap="square" lIns="0" tIns="0" rIns="0" bIns="0" anchor="t" anchorCtr="0">
+                <a:spAutoFit/>
+              </a:bodyPr>
+              <a:lstStyle/>
+              <a:p>
+                <a:pPr marL="0" marR="0" lvl="0" indent="0" algn="l" rtl="0">
+                  <a:lnSpc>
+                    <a:spcPct val="100000"/>
+                  </a:lnSpc>
+                  <a:spcBef>
+                    <a:spcPts val="0"/>
+                  </a:spcBef>
+                  <a:spcAft>
+                    <a:spcPts val="0"/>
+                  </a:spcAft>
+                  <a:buClr>
+                    <a:srgbClr val="879C16"/>
+                  </a:buClr>
+                  <a:buSzPts val="714"/>
+                  <a:buFont typeface="Arial"/>
+                  <a:buNone/>
+                </a:pPr>
+                <a:r>
+                  <a:rPr lang="en-US" sz="714" b="1" i="0" u="none" strike="noStrike" cap="none" dirty="0">
+                    <a:solidFill>
+                      <a:srgbClr val="FFFFFF"/>
+                    </a:solidFill>
+                    <a:latin typeface="Arial"/>
+                    <a:ea typeface="Arial"/>
+                    <a:cs typeface="Arial"/>
+                    <a:sym typeface="Arial"/>
+                  </a:rPr>
+                  <a:t>(Fixed)</a:t>
+                </a:r>
+                <a:endParaRPr dirty="0"/>
+              </a:p>
+            </p:txBody>
+          </p:sp>
+        </p:grpSp>
+      </p:grpSp>
+      <p:grpSp>
+        <p:nvGrpSpPr>
+          <p:cNvPr id="98" name="Google Shape;84;p1">
+            <a:extLst>
+              <a:ext uri="{FF2B5EF4-FFF2-40B4-BE49-F238E27FC236}">
+                <a16:creationId xmlns:a16="http://schemas.microsoft.com/office/drawing/2014/main" id="{7411B398-AADE-9449-8516-988C0FCCB59D}"/>
+              </a:ext>
+            </a:extLst>
+          </p:cNvPr>
+          <p:cNvGrpSpPr/>
+          <p:nvPr/>
+        </p:nvGrpSpPr>
+        <p:grpSpPr>
+          <a:xfrm>
+            <a:off x="7393866" y="4316132"/>
+            <a:ext cx="2547935" cy="425774"/>
+            <a:chOff x="181336" y="3496200"/>
+            <a:chExt cx="2745459" cy="465566"/>
+          </a:xfrm>
+        </p:grpSpPr>
+        <p:grpSp>
+          <p:nvGrpSpPr>
+            <p:cNvPr id="99" name="Google Shape;85;p1">
+              <a:extLst>
+                <a:ext uri="{FF2B5EF4-FFF2-40B4-BE49-F238E27FC236}">
+                  <a16:creationId xmlns:a16="http://schemas.microsoft.com/office/drawing/2014/main" id="{5626A657-42D1-6546-B3F0-0258B11E718E}"/>
+                </a:ext>
+              </a:extLst>
+            </p:cNvPr>
+            <p:cNvGrpSpPr/>
+            <p:nvPr/>
+          </p:nvGrpSpPr>
+          <p:grpSpPr>
+            <a:xfrm>
+              <a:off x="1699968" y="3521670"/>
+              <a:ext cx="1226827" cy="154830"/>
+              <a:chOff x="4954832" y="1080555"/>
+              <a:chExt cx="1088747" cy="147867"/>
+            </a:xfrm>
+          </p:grpSpPr>
+          <p:sp>
+            <p:nvSpPr>
+              <p:cNvPr id="105" name="Google Shape;86;p1">
+                <a:extLst>
+                  <a:ext uri="{FF2B5EF4-FFF2-40B4-BE49-F238E27FC236}">
+                    <a16:creationId xmlns:a16="http://schemas.microsoft.com/office/drawing/2014/main" id="{E535F106-3D3C-F045-A558-E49ABC5E76D1}"/>
+                  </a:ext>
+                </a:extLst>
+              </p:cNvPr>
+              <p:cNvSpPr txBox="1"/>
+              <p:nvPr/>
+            </p:nvSpPr>
+            <p:spPr>
+              <a:xfrm>
+                <a:off x="4954832" y="1080555"/>
+                <a:ext cx="769475" cy="147867"/>
+              </a:xfrm>
+              <a:prstGeom prst="rect">
+                <a:avLst/>
+              </a:prstGeom>
+              <a:noFill/>
+              <a:ln>
+                <a:noFill/>
+              </a:ln>
+            </p:spPr>
+            <p:txBody>
+              <a:bodyPr spcFirstLastPara="1" wrap="square" lIns="0" tIns="0" rIns="0" bIns="0" anchor="t" anchorCtr="0">
+                <a:noAutofit/>
+              </a:bodyPr>
+              <a:lstStyle/>
+              <a:p>
+                <a:pPr marL="0" marR="0" lvl="0" indent="0" algn="l" rtl="0">
+                  <a:lnSpc>
+                    <a:spcPct val="100000"/>
+                  </a:lnSpc>
+                  <a:spcBef>
+                    <a:spcPts val="0"/>
+                  </a:spcBef>
+                  <a:spcAft>
+                    <a:spcPts val="0"/>
+                  </a:spcAft>
+                  <a:buClr>
+                    <a:srgbClr val="879C16"/>
+                  </a:buClr>
+                  <a:buSzPts val="714"/>
+                  <a:buFont typeface="Arial"/>
+                  <a:buNone/>
+                </a:pPr>
+                <a:r>
+                  <a:rPr lang="en-US" sz="714" b="1" i="0" u="none" strike="noStrike" cap="none">
+                    <a:solidFill>
+                      <a:srgbClr val="FFFFFF"/>
+                    </a:solidFill>
+                    <a:latin typeface="Arial"/>
+                    <a:ea typeface="Arial"/>
+                    <a:cs typeface="Arial"/>
+                    <a:sym typeface="Arial"/>
+                  </a:rPr>
+                  <a:t>Coal based costs</a:t>
+                </a:r>
+                <a:endParaRPr/>
+              </a:p>
+            </p:txBody>
+          </p:sp>
+          <p:sp>
+            <p:nvSpPr>
+              <p:cNvPr id="106" name="Google Shape;87;p1">
+                <a:extLst>
+                  <a:ext uri="{FF2B5EF4-FFF2-40B4-BE49-F238E27FC236}">
+                    <a16:creationId xmlns:a16="http://schemas.microsoft.com/office/drawing/2014/main" id="{21842FA5-EAB8-5247-9E9E-3AFB3F7DF38F}"/>
+                  </a:ext>
+                </a:extLst>
+              </p:cNvPr>
+              <p:cNvSpPr txBox="1"/>
+              <p:nvPr/>
+            </p:nvSpPr>
+            <p:spPr>
+              <a:xfrm>
+                <a:off x="5713681" y="1080555"/>
+                <a:ext cx="329898" cy="147867"/>
+              </a:xfrm>
+              <a:prstGeom prst="rect">
+                <a:avLst/>
+              </a:prstGeom>
+              <a:noFill/>
+              <a:ln>
+                <a:noFill/>
+              </a:ln>
+            </p:spPr>
+            <p:txBody>
+              <a:bodyPr spcFirstLastPara="1" wrap="square" lIns="0" tIns="0" rIns="0" bIns="0" anchor="t" anchorCtr="0">
+                <a:noAutofit/>
+              </a:bodyPr>
+              <a:lstStyle/>
+              <a:p>
+                <a:pPr marL="0" marR="0" lvl="0" indent="0" algn="ctr" rtl="0">
+                  <a:lnSpc>
+                    <a:spcPct val="100000"/>
+                  </a:lnSpc>
+                  <a:spcBef>
+                    <a:spcPts val="0"/>
+                  </a:spcBef>
+                  <a:spcAft>
+                    <a:spcPts val="0"/>
+                  </a:spcAft>
+                  <a:buClr>
+                    <a:srgbClr val="879C16"/>
+                  </a:buClr>
+                  <a:buSzPts val="714"/>
+                  <a:buFont typeface="Arial"/>
+                  <a:buNone/>
+                </a:pPr>
+                <a:r>
+                  <a:rPr lang="en-US" sz="714" b="1" i="0" u="none" strike="noStrike" cap="none">
+                    <a:solidFill>
+                      <a:srgbClr val="FFFFFF"/>
+                    </a:solidFill>
+                    <a:latin typeface="Arial"/>
+                    <a:ea typeface="Arial"/>
+                    <a:cs typeface="Arial"/>
+                    <a:sym typeface="Arial"/>
+                  </a:rPr>
+                  <a:t>($)</a:t>
+                </a:r>
+                <a:endParaRPr/>
+              </a:p>
+            </p:txBody>
+          </p:sp>
+        </p:grpSp>
+        <p:grpSp>
+          <p:nvGrpSpPr>
+            <p:cNvPr id="100" name="Google Shape;88;p1">
+              <a:extLst>
+                <a:ext uri="{FF2B5EF4-FFF2-40B4-BE49-F238E27FC236}">
+                  <a16:creationId xmlns:a16="http://schemas.microsoft.com/office/drawing/2014/main" id="{0814BC9B-5019-0E47-B319-DE7C98F9829E}"/>
+                </a:ext>
+              </a:extLst>
+            </p:cNvPr>
+            <p:cNvGrpSpPr/>
+            <p:nvPr/>
+          </p:nvGrpSpPr>
+          <p:grpSpPr>
+            <a:xfrm>
+              <a:off x="181336" y="3496200"/>
+              <a:ext cx="1290716" cy="465566"/>
+              <a:chOff x="4934192" y="1056229"/>
+              <a:chExt cx="1145445" cy="444628"/>
+            </a:xfrm>
+          </p:grpSpPr>
+          <p:sp>
+            <p:nvSpPr>
+              <p:cNvPr id="101" name="Google Shape;89;p1">
+                <a:extLst>
+                  <a:ext uri="{FF2B5EF4-FFF2-40B4-BE49-F238E27FC236}">
+                    <a16:creationId xmlns:a16="http://schemas.microsoft.com/office/drawing/2014/main" id="{49CDB12B-769F-D64E-8072-9AF2949876E2}"/>
+                  </a:ext>
+                </a:extLst>
+              </p:cNvPr>
+              <p:cNvSpPr/>
+              <p:nvPr/>
+            </p:nvSpPr>
+            <p:spPr>
+              <a:xfrm>
+                <a:off x="4934192" y="1056229"/>
+                <a:ext cx="1131757" cy="444628"/>
+              </a:xfrm>
+              <a:prstGeom prst="rect">
+                <a:avLst/>
+              </a:prstGeom>
+              <a:solidFill>
+                <a:schemeClr val="lt1"/>
+              </a:solidFill>
+              <a:ln w="12700" cap="flat" cmpd="sng">
+                <a:solidFill>
+                  <a:schemeClr val="accent2"/>
+                </a:solidFill>
+                <a:prstDash val="solid"/>
+                <a:round/>
+                <a:headEnd type="none" w="sm" len="sm"/>
+                <a:tailEnd type="none" w="sm" len="sm"/>
+              </a:ln>
+            </p:spPr>
+            <p:txBody>
+              <a:bodyPr spcFirstLastPara="1" wrap="square" lIns="91425" tIns="45700" rIns="91425" bIns="45700" anchor="ctr" anchorCtr="0">
+                <a:noAutofit/>
+              </a:bodyPr>
+              <a:lstStyle/>
+              <a:p>
+                <a:pPr marL="0" marR="0" lvl="0" indent="0" algn="ctr" rtl="0">
+                  <a:lnSpc>
+                    <a:spcPct val="100000"/>
+                  </a:lnSpc>
+                  <a:spcBef>
+                    <a:spcPts val="0"/>
+                  </a:spcBef>
+                  <a:spcAft>
+                    <a:spcPts val="0"/>
+                  </a:spcAft>
+                  <a:buClr>
+                    <a:srgbClr val="000000"/>
+                  </a:buClr>
+                  <a:buSzPts val="714"/>
+                  <a:buFont typeface="Arial"/>
+                  <a:buNone/>
+                </a:pPr>
+                <a:endParaRPr sz="714" b="0" i="0" u="none" strike="noStrike" cap="none">
+                  <a:solidFill>
+                    <a:srgbClr val="002C46"/>
+                  </a:solidFill>
+                  <a:latin typeface="Arial"/>
+                  <a:ea typeface="Arial"/>
+                  <a:cs typeface="Arial"/>
+                  <a:sym typeface="Arial"/>
+                </a:endParaRPr>
+              </a:p>
+            </p:txBody>
+          </p:sp>
+          <p:sp>
+            <p:nvSpPr>
+              <p:cNvPr id="102" name="Google Shape;90;p1">
+                <a:extLst>
+                  <a:ext uri="{FF2B5EF4-FFF2-40B4-BE49-F238E27FC236}">
+                    <a16:creationId xmlns:a16="http://schemas.microsoft.com/office/drawing/2014/main" id="{C410FF7E-9725-A147-B3C9-8DDE91FDA004}"/>
+                  </a:ext>
+                </a:extLst>
+              </p:cNvPr>
+              <p:cNvSpPr/>
+              <p:nvPr/>
+            </p:nvSpPr>
+            <p:spPr>
+              <a:xfrm>
+                <a:off x="4934192" y="1056229"/>
+                <a:ext cx="1131757" cy="264464"/>
+              </a:xfrm>
+              <a:prstGeom prst="rect">
+                <a:avLst/>
+              </a:prstGeom>
+              <a:solidFill>
+                <a:srgbClr val="00C09D"/>
+              </a:solidFill>
+              <a:ln w="12700" cap="flat" cmpd="sng">
+                <a:solidFill>
+                  <a:schemeClr val="accent2"/>
+                </a:solidFill>
+                <a:prstDash val="solid"/>
+                <a:round/>
+                <a:headEnd type="none" w="sm" len="sm"/>
+                <a:tailEnd type="none" w="sm" len="sm"/>
+              </a:ln>
+            </p:spPr>
+            <p:txBody>
+              <a:bodyPr spcFirstLastPara="1" wrap="square" lIns="91425" tIns="45700" rIns="91425" bIns="45700" anchor="ctr" anchorCtr="0">
+                <a:noAutofit/>
+              </a:bodyPr>
+              <a:lstStyle/>
+              <a:p>
+                <a:pPr marL="0" marR="0" lvl="0" indent="0" algn="ctr" rtl="0">
+                  <a:lnSpc>
+                    <a:spcPct val="100000"/>
+                  </a:lnSpc>
+                  <a:spcBef>
+                    <a:spcPts val="0"/>
+                  </a:spcBef>
+                  <a:spcAft>
+                    <a:spcPts val="0"/>
+                  </a:spcAft>
+                  <a:buClr>
+                    <a:srgbClr val="000000"/>
+                  </a:buClr>
+                  <a:buSzPts val="714"/>
+                  <a:buFont typeface="Arial"/>
+                  <a:buNone/>
+                </a:pPr>
+                <a:endParaRPr sz="714" b="0" i="0" u="none" strike="noStrike" cap="none">
+                  <a:solidFill>
+                    <a:srgbClr val="002C46"/>
+                  </a:solidFill>
+                  <a:latin typeface="Arial"/>
+                  <a:ea typeface="Arial"/>
+                  <a:cs typeface="Arial"/>
+                  <a:sym typeface="Arial"/>
+                </a:endParaRPr>
+              </a:p>
+            </p:txBody>
+          </p:sp>
+          <p:sp>
+            <p:nvSpPr>
+              <p:cNvPr id="103" name="Google Shape;91;p1">
+                <a:extLst>
+                  <a:ext uri="{FF2B5EF4-FFF2-40B4-BE49-F238E27FC236}">
+                    <a16:creationId xmlns:a16="http://schemas.microsoft.com/office/drawing/2014/main" id="{457034A3-5D4E-974F-A804-4FED9794A32E}"/>
+                  </a:ext>
+                </a:extLst>
+              </p:cNvPr>
+              <p:cNvSpPr txBox="1"/>
+              <p:nvPr/>
+            </p:nvSpPr>
+            <p:spPr>
+              <a:xfrm>
+                <a:off x="4954832" y="1080554"/>
+                <a:ext cx="769475" cy="114769"/>
+              </a:xfrm>
+              <a:prstGeom prst="rect">
+                <a:avLst/>
+              </a:prstGeom>
+              <a:noFill/>
+              <a:ln>
+                <a:noFill/>
+              </a:ln>
+            </p:spPr>
+            <p:txBody>
+              <a:bodyPr spcFirstLastPara="1" wrap="square" lIns="0" tIns="0" rIns="0" bIns="0" anchor="t" anchorCtr="0">
+                <a:spAutoFit/>
+              </a:bodyPr>
+              <a:lstStyle/>
+              <a:p>
+                <a:pPr marL="0" marR="0" lvl="0" indent="0" algn="l" rtl="0">
+                  <a:lnSpc>
+                    <a:spcPct val="100000"/>
+                  </a:lnSpc>
+                  <a:spcBef>
+                    <a:spcPts val="0"/>
+                  </a:spcBef>
+                  <a:spcAft>
+                    <a:spcPts val="0"/>
+                  </a:spcAft>
+                  <a:buClr>
+                    <a:srgbClr val="879C16"/>
+                  </a:buClr>
+                  <a:buSzPts val="714"/>
+                  <a:buFont typeface="Arial"/>
+                  <a:buNone/>
+                </a:pPr>
+                <a:r>
+                  <a:rPr lang="en-US" sz="714" b="1" i="0" u="none" strike="noStrike" cap="none" dirty="0">
+                    <a:solidFill>
+                      <a:srgbClr val="FFFFFF"/>
+                    </a:solidFill>
+                    <a:latin typeface="Arial"/>
+                    <a:ea typeface="Arial"/>
+                    <a:cs typeface="Arial"/>
+                    <a:sym typeface="Arial"/>
+                  </a:rPr>
+                  <a:t>Ore Produced</a:t>
+                </a:r>
+                <a:endParaRPr dirty="0"/>
+              </a:p>
+            </p:txBody>
+          </p:sp>
+          <p:sp>
+            <p:nvSpPr>
+              <p:cNvPr id="104" name="Google Shape;92;p1">
+                <a:extLst>
+                  <a:ext uri="{FF2B5EF4-FFF2-40B4-BE49-F238E27FC236}">
+                    <a16:creationId xmlns:a16="http://schemas.microsoft.com/office/drawing/2014/main" id="{15A9C32D-56B2-3540-A10C-2D05B2983320}"/>
+                  </a:ext>
+                </a:extLst>
+              </p:cNvPr>
+              <p:cNvSpPr txBox="1"/>
+              <p:nvPr/>
+            </p:nvSpPr>
+            <p:spPr>
+              <a:xfrm>
+                <a:off x="5749739" y="1080554"/>
+                <a:ext cx="329898" cy="117099"/>
+              </a:xfrm>
+              <a:prstGeom prst="rect">
+                <a:avLst/>
+              </a:prstGeom>
+              <a:noFill/>
+              <a:ln>
+                <a:noFill/>
+              </a:ln>
+            </p:spPr>
+            <p:txBody>
+              <a:bodyPr spcFirstLastPara="1" wrap="square" lIns="0" tIns="0" rIns="0" bIns="0" anchor="t" anchorCtr="0">
+                <a:spAutoFit/>
+              </a:bodyPr>
+              <a:lstStyle/>
+              <a:p>
+                <a:pPr marL="0" marR="0" lvl="0" indent="0" algn="l" rtl="0">
+                  <a:lnSpc>
+                    <a:spcPct val="100000"/>
+                  </a:lnSpc>
+                  <a:spcBef>
+                    <a:spcPts val="0"/>
+                  </a:spcBef>
+                  <a:spcAft>
+                    <a:spcPts val="0"/>
+                  </a:spcAft>
+                  <a:buClr>
+                    <a:srgbClr val="879C16"/>
+                  </a:buClr>
+                  <a:buSzPts val="714"/>
+                  <a:buFont typeface="Arial"/>
+                  <a:buNone/>
+                </a:pPr>
+                <a:r>
+                  <a:rPr lang="en-US" sz="714" b="1" i="0" u="none" strike="noStrike" cap="none" dirty="0">
+                    <a:solidFill>
+                      <a:srgbClr val="FFFFFF"/>
+                    </a:solidFill>
+                    <a:latin typeface="Arial"/>
+                    <a:ea typeface="Arial"/>
+                    <a:cs typeface="Arial"/>
+                    <a:sym typeface="Arial"/>
+                  </a:rPr>
+                  <a:t>(Fixed)</a:t>
+                </a:r>
+                <a:endParaRPr dirty="0"/>
+              </a:p>
+            </p:txBody>
+          </p:sp>
+        </p:grpSp>
+      </p:grpSp>
+      <p:sp>
+        <p:nvSpPr>
+          <p:cNvPr id="107" name="TextBox 106">
+            <a:extLst>
+              <a:ext uri="{FF2B5EF4-FFF2-40B4-BE49-F238E27FC236}">
+                <a16:creationId xmlns:a16="http://schemas.microsoft.com/office/drawing/2014/main" id="{54B9112F-72D3-AB4C-8F74-15A20F5B9634}"/>
+              </a:ext>
+            </a:extLst>
+          </p:cNvPr>
+          <p:cNvSpPr txBox="1"/>
+          <p:nvPr/>
+        </p:nvSpPr>
+        <p:spPr>
+          <a:xfrm>
+            <a:off x="7339819" y="4553488"/>
+            <a:ext cx="870025" cy="215444"/>
+          </a:xfrm>
+          <a:prstGeom prst="rect">
+            <a:avLst/>
+          </a:prstGeom>
+          <a:noFill/>
+        </p:spPr>
+        <p:txBody>
+          <a:bodyPr wrap="square" rtlCol="0">
+            <a:spAutoFit/>
+          </a:bodyPr>
+          <a:lstStyle/>
+          <a:p>
+            <a:r>
+              <a:rPr lang="en-US" sz="800" dirty="0"/>
+              <a:t>tons</a:t>
+            </a:r>
+          </a:p>
+        </p:txBody>
+      </p:sp>
+      <p:sp>
+        <p:nvSpPr>
+          <p:cNvPr id="108" name="TextBox 107">
+            <a:extLst>
+              <a:ext uri="{FF2B5EF4-FFF2-40B4-BE49-F238E27FC236}">
+                <a16:creationId xmlns:a16="http://schemas.microsoft.com/office/drawing/2014/main" id="{2A8CCD95-3F01-4344-B3DA-A35908646CEA}"/>
+              </a:ext>
+            </a:extLst>
+          </p:cNvPr>
+          <p:cNvSpPr txBox="1"/>
+          <p:nvPr/>
+        </p:nvSpPr>
+        <p:spPr>
+          <a:xfrm>
+            <a:off x="7341545" y="3234768"/>
+            <a:ext cx="870025" cy="215444"/>
+          </a:xfrm>
+          <a:prstGeom prst="rect">
+            <a:avLst/>
+          </a:prstGeom>
+          <a:noFill/>
+        </p:spPr>
+        <p:txBody>
+          <a:bodyPr wrap="square" rtlCol="0">
+            <a:spAutoFit/>
+          </a:bodyPr>
+          <a:lstStyle/>
+          <a:p>
+            <a:r>
+              <a:rPr lang="en-US" sz="800" dirty="0"/>
+              <a:t>$</a:t>
+            </a:r>
+          </a:p>
+        </p:txBody>
+      </p:sp>
+      <p:sp>
+        <p:nvSpPr>
+          <p:cNvPr id="109" name="TextBox 108">
+            <a:extLst>
+              <a:ext uri="{FF2B5EF4-FFF2-40B4-BE49-F238E27FC236}">
+                <a16:creationId xmlns:a16="http://schemas.microsoft.com/office/drawing/2014/main" id="{6D7754EF-70D3-CF44-A533-A15D26386C16}"/>
+              </a:ext>
+            </a:extLst>
+          </p:cNvPr>
+          <p:cNvSpPr txBox="1"/>
+          <p:nvPr/>
+        </p:nvSpPr>
+        <p:spPr>
+          <a:xfrm>
+            <a:off x="5991806" y="5438148"/>
+            <a:ext cx="870025" cy="215444"/>
+          </a:xfrm>
+          <a:prstGeom prst="rect">
+            <a:avLst/>
+          </a:prstGeom>
+          <a:noFill/>
+        </p:spPr>
+        <p:txBody>
+          <a:bodyPr wrap="square" rtlCol="0">
+            <a:spAutoFit/>
+          </a:bodyPr>
+          <a:lstStyle/>
+          <a:p>
+            <a:r>
+              <a:rPr lang="en-US" sz="800" dirty="0"/>
+              <a:t>$</a:t>
+            </a:r>
+          </a:p>
+        </p:txBody>
+      </p:sp>
+      <p:sp>
+        <p:nvSpPr>
+          <p:cNvPr id="110" name="Division 109">
+            <a:extLst>
+              <a:ext uri="{FF2B5EF4-FFF2-40B4-BE49-F238E27FC236}">
+                <a16:creationId xmlns:a16="http://schemas.microsoft.com/office/drawing/2014/main" id="{4FDF0C2A-55CC-B448-B1EE-C71FDDF9DAC5}"/>
+              </a:ext>
+            </a:extLst>
+          </p:cNvPr>
+          <p:cNvSpPr/>
+          <p:nvPr/>
+        </p:nvSpPr>
+        <p:spPr>
+          <a:xfrm>
+            <a:off x="7223269" y="3816715"/>
+            <a:ext cx="143177" cy="143177"/>
+          </a:xfrm>
+          <a:prstGeom prst="mathDivide">
+            <a:avLst/>
+          </a:prstGeom>
+          <a:solidFill>
+            <a:schemeClr val="bg2"/>
+          </a:solidFill>
+          <a:ln>
+            <a:noFill/>
+          </a:ln>
+        </p:spPr>
+        <p:style>
+          <a:lnRef idx="2">
+            <a:schemeClr val="accent1">
+              <a:shade val="50000"/>
+            </a:schemeClr>
+          </a:lnRef>
+          <a:fillRef idx="1">
+            <a:schemeClr val="accent1"/>
+          </a:fillRef>
+          <a:effectRef idx="0">
+            <a:schemeClr val="accent1"/>
+          </a:effectRef>
+          <a:fontRef idx="minor">
+            <a:schemeClr val="lt1"/>
+          </a:fontRef>
+        </p:style>
+        <p:txBody>
+          <a:bodyPr rtlCol="0" anchor="ctr"/>
+          <a:lstStyle/>
+          <a:p>
+            <a:pPr algn="ctr"/>
             <a:endParaRPr lang="en-US"/>
           </a:p>
         </p:txBody>
@@ -15022,7 +20689,7 @@
     </p:spTree>
     <p:extLst>
       <p:ext uri="{BB962C8B-B14F-4D97-AF65-F5344CB8AC3E}">
-        <p14:creationId xmlns:p14="http://schemas.microsoft.com/office/powerpoint/2010/main" val="1592730682"/>
+        <p14:creationId xmlns:p14="http://schemas.microsoft.com/office/powerpoint/2010/main" val="2569663046"/>
       </p:ext>
     </p:extLst>
   </p:cSld>

--- a/Documentation/DiamondPricePrediction.pptx
+++ b/Documentation/DiamondPricePrediction.pptx
@@ -15053,15 +15053,15 @@
         </p:spPr>
         <p:style>
           <a:lnRef idx="2">
-            <a:schemeClr val="accent3">
+            <a:schemeClr val="accent2">
               <a:shade val="50000"/>
             </a:schemeClr>
           </a:lnRef>
           <a:fillRef idx="1">
-            <a:schemeClr val="accent3"/>
+            <a:schemeClr val="accent2"/>
           </a:fillRef>
           <a:effectRef idx="0">
-            <a:schemeClr val="accent3"/>
+            <a:schemeClr val="accent2"/>
           </a:effectRef>
           <a:fontRef idx="minor">
             <a:schemeClr val="lt1"/>
@@ -15154,7 +15154,7 @@
         </p:nvSpPr>
         <p:spPr>
           <a:xfrm>
-            <a:off x="2634804" y="4341741"/>
+            <a:off x="2638390" y="4464328"/>
             <a:ext cx="1214953" cy="447261"/>
           </a:xfrm>
           <a:prstGeom prst="roundRect">
@@ -15163,15 +15163,15 @@
         </p:spPr>
         <p:style>
           <a:lnRef idx="2">
-            <a:schemeClr val="accent3">
+            <a:schemeClr val="accent2">
               <a:shade val="50000"/>
             </a:schemeClr>
           </a:lnRef>
           <a:fillRef idx="1">
-            <a:schemeClr val="accent3"/>
+            <a:schemeClr val="accent2"/>
           </a:fillRef>
           <a:effectRef idx="0">
-            <a:schemeClr val="accent3"/>
+            <a:schemeClr val="accent2"/>
           </a:effectRef>
           <a:fontRef idx="minor">
             <a:schemeClr val="lt1"/>
@@ -15200,7 +15200,7 @@
         </p:nvSpPr>
         <p:spPr>
           <a:xfrm>
-            <a:off x="2839939" y="4391436"/>
+            <a:off x="2843525" y="4514023"/>
             <a:ext cx="804682" cy="138499"/>
           </a:xfrm>
           <a:prstGeom prst="rect">
@@ -15272,15 +15272,15 @@
         </p:spPr>
         <p:style>
           <a:lnRef idx="2">
-            <a:schemeClr val="accent3">
+            <a:schemeClr val="accent2">
               <a:shade val="50000"/>
             </a:schemeClr>
           </a:lnRef>
           <a:fillRef idx="1">
-            <a:schemeClr val="accent3"/>
+            <a:schemeClr val="accent2"/>
           </a:fillRef>
           <a:effectRef idx="0">
-            <a:schemeClr val="accent3"/>
+            <a:schemeClr val="accent2"/>
           </a:effectRef>
           <a:fontRef idx="minor">
             <a:schemeClr val="lt1"/>
@@ -15355,6 +15355,644 @@
               <a:t>Revenue</a:t>
             </a:r>
             <a:endParaRPr sz="2400" dirty="0"/>
+          </a:p>
+        </p:txBody>
+      </p:sp>
+      <p:sp>
+        <p:nvSpPr>
+          <p:cNvPr id="118" name="Rounded Rectangle 117">
+            <a:extLst>
+              <a:ext uri="{FF2B5EF4-FFF2-40B4-BE49-F238E27FC236}">
+                <a16:creationId xmlns:a16="http://schemas.microsoft.com/office/drawing/2014/main" id="{D255CBFC-7DA7-BC43-B57D-D827E9CE41A9}"/>
+              </a:ext>
+            </a:extLst>
+          </p:cNvPr>
+          <p:cNvSpPr/>
+          <p:nvPr/>
+        </p:nvSpPr>
+        <p:spPr>
+          <a:xfrm>
+            <a:off x="4447284" y="3968019"/>
+            <a:ext cx="1214953" cy="447261"/>
+          </a:xfrm>
+          <a:prstGeom prst="roundRect">
+            <a:avLst/>
+          </a:prstGeom>
+        </p:spPr>
+        <p:style>
+          <a:lnRef idx="2">
+            <a:schemeClr val="accent2">
+              <a:shade val="50000"/>
+            </a:schemeClr>
+          </a:lnRef>
+          <a:fillRef idx="1">
+            <a:schemeClr val="accent2"/>
+          </a:fillRef>
+          <a:effectRef idx="0">
+            <a:schemeClr val="accent2"/>
+          </a:effectRef>
+          <a:fontRef idx="minor">
+            <a:schemeClr val="lt1"/>
+          </a:fontRef>
+        </p:style>
+        <p:txBody>
+          <a:bodyPr rtlCol="0" anchor="ctr"/>
+          <a:lstStyle/>
+          <a:p>
+            <a:pPr algn="ctr"/>
+            <a:endParaRPr lang="en-US"/>
+          </a:p>
+        </p:txBody>
+      </p:sp>
+      <p:sp>
+        <p:nvSpPr>
+          <p:cNvPr id="119" name="Google Shape;35;p1">
+            <a:extLst>
+              <a:ext uri="{FF2B5EF4-FFF2-40B4-BE49-F238E27FC236}">
+                <a16:creationId xmlns:a16="http://schemas.microsoft.com/office/drawing/2014/main" id="{2654E6A4-29BB-DA4D-9619-7D54CBB6CE84}"/>
+              </a:ext>
+            </a:extLst>
+          </p:cNvPr>
+          <p:cNvSpPr txBox="1"/>
+          <p:nvPr/>
+        </p:nvSpPr>
+        <p:spPr>
+          <a:xfrm>
+            <a:off x="4652419" y="4017714"/>
+            <a:ext cx="804682" cy="138499"/>
+          </a:xfrm>
+          <a:prstGeom prst="rect">
+            <a:avLst/>
+          </a:prstGeom>
+          <a:noFill/>
+          <a:ln>
+            <a:noFill/>
+          </a:ln>
+        </p:spPr>
+        <p:txBody>
+          <a:bodyPr spcFirstLastPara="1" wrap="square" lIns="0" tIns="0" rIns="0" bIns="0" anchor="t" anchorCtr="0">
+            <a:spAutoFit/>
+          </a:bodyPr>
+          <a:lstStyle/>
+          <a:p>
+            <a:pPr marL="0" marR="0" lvl="0" indent="0" algn="ctr" rtl="0">
+              <a:lnSpc>
+                <a:spcPct val="100000"/>
+              </a:lnSpc>
+              <a:spcBef>
+                <a:spcPts val="0"/>
+              </a:spcBef>
+              <a:spcAft>
+                <a:spcPts val="0"/>
+              </a:spcAft>
+              <a:buClr>
+                <a:srgbClr val="879C16"/>
+              </a:buClr>
+              <a:buSzPts val="714"/>
+              <a:buFont typeface="Arial"/>
+              <a:buNone/>
+            </a:pPr>
+            <a:r>
+              <a:rPr lang="en-US" sz="900" b="1" dirty="0">
+                <a:solidFill>
+                  <a:srgbClr val="FFFFFF"/>
+                </a:solidFill>
+                <a:latin typeface="Arial"/>
+                <a:cs typeface="Arial"/>
+                <a:sym typeface="Arial"/>
+              </a:rPr>
+              <a:t>Fixed Costs</a:t>
+            </a:r>
+            <a:endParaRPr sz="2400" dirty="0"/>
+          </a:p>
+        </p:txBody>
+      </p:sp>
+      <p:cxnSp>
+        <p:nvCxnSpPr>
+          <p:cNvPr id="121" name="Elbow Connector 120">
+            <a:extLst>
+              <a:ext uri="{FF2B5EF4-FFF2-40B4-BE49-F238E27FC236}">
+                <a16:creationId xmlns:a16="http://schemas.microsoft.com/office/drawing/2014/main" id="{ADA37259-AB93-F84F-A71F-648D760DE940}"/>
+              </a:ext>
+            </a:extLst>
+          </p:cNvPr>
+          <p:cNvCxnSpPr>
+            <a:stCxn id="112" idx="3"/>
+            <a:endCxn id="114" idx="1"/>
+          </p:cNvCxnSpPr>
+          <p:nvPr/>
+        </p:nvCxnSpPr>
+        <p:spPr>
+          <a:xfrm>
+            <a:off x="1898374" y="3429000"/>
+            <a:ext cx="740016" cy="1258959"/>
+          </a:xfrm>
+          <a:prstGeom prst="bentConnector3">
+            <a:avLst/>
+          </a:prstGeom>
+          <a:ln w="12700"/>
+        </p:spPr>
+        <p:style>
+          <a:lnRef idx="1">
+            <a:schemeClr val="accent4"/>
+          </a:lnRef>
+          <a:fillRef idx="0">
+            <a:schemeClr val="accent4"/>
+          </a:fillRef>
+          <a:effectRef idx="0">
+            <a:schemeClr val="accent4"/>
+          </a:effectRef>
+          <a:fontRef idx="minor">
+            <a:schemeClr val="tx1"/>
+          </a:fontRef>
+        </p:style>
+      </p:cxnSp>
+      <p:cxnSp>
+        <p:nvCxnSpPr>
+          <p:cNvPr id="123" name="Elbow Connector 122">
+            <a:extLst>
+              <a:ext uri="{FF2B5EF4-FFF2-40B4-BE49-F238E27FC236}">
+                <a16:creationId xmlns:a16="http://schemas.microsoft.com/office/drawing/2014/main" id="{6BDA5AF8-2AB8-C14D-8A19-81F3A8EC7F24}"/>
+              </a:ext>
+            </a:extLst>
+          </p:cNvPr>
+          <p:cNvCxnSpPr>
+            <a:stCxn id="112" idx="3"/>
+            <a:endCxn id="116" idx="1"/>
+          </p:cNvCxnSpPr>
+          <p:nvPr/>
+        </p:nvCxnSpPr>
+        <p:spPr>
+          <a:xfrm flipV="1">
+            <a:off x="1898374" y="2170043"/>
+            <a:ext cx="740016" cy="1258957"/>
+          </a:xfrm>
+          <a:prstGeom prst="bentConnector3">
+            <a:avLst/>
+          </a:prstGeom>
+          <a:ln w="12700"/>
+        </p:spPr>
+        <p:style>
+          <a:lnRef idx="1">
+            <a:schemeClr val="accent4"/>
+          </a:lnRef>
+          <a:fillRef idx="0">
+            <a:schemeClr val="accent4"/>
+          </a:fillRef>
+          <a:effectRef idx="0">
+            <a:schemeClr val="accent4"/>
+          </a:effectRef>
+          <a:fontRef idx="minor">
+            <a:schemeClr val="tx1"/>
+          </a:fontRef>
+        </p:style>
+      </p:cxnSp>
+      <p:sp>
+        <p:nvSpPr>
+          <p:cNvPr id="124" name="Rounded Rectangle 123">
+            <a:extLst>
+              <a:ext uri="{FF2B5EF4-FFF2-40B4-BE49-F238E27FC236}">
+                <a16:creationId xmlns:a16="http://schemas.microsoft.com/office/drawing/2014/main" id="{0EBB628B-A778-F644-81C9-10AAF45D4E23}"/>
+              </a:ext>
+            </a:extLst>
+          </p:cNvPr>
+          <p:cNvSpPr/>
+          <p:nvPr/>
+        </p:nvSpPr>
+        <p:spPr>
+          <a:xfrm>
+            <a:off x="4447284" y="2446318"/>
+            <a:ext cx="1214953" cy="447261"/>
+          </a:xfrm>
+          <a:prstGeom prst="roundRect">
+            <a:avLst/>
+          </a:prstGeom>
+        </p:spPr>
+        <p:style>
+          <a:lnRef idx="2">
+            <a:schemeClr val="accent2">
+              <a:shade val="50000"/>
+            </a:schemeClr>
+          </a:lnRef>
+          <a:fillRef idx="1">
+            <a:schemeClr val="accent2"/>
+          </a:fillRef>
+          <a:effectRef idx="0">
+            <a:schemeClr val="accent2"/>
+          </a:effectRef>
+          <a:fontRef idx="minor">
+            <a:schemeClr val="lt1"/>
+          </a:fontRef>
+        </p:style>
+        <p:txBody>
+          <a:bodyPr rtlCol="0" anchor="ctr"/>
+          <a:lstStyle/>
+          <a:p>
+            <a:pPr algn="ctr"/>
+            <a:endParaRPr lang="en-US"/>
+          </a:p>
+        </p:txBody>
+      </p:sp>
+      <p:sp>
+        <p:nvSpPr>
+          <p:cNvPr id="125" name="Google Shape;35;p1">
+            <a:extLst>
+              <a:ext uri="{FF2B5EF4-FFF2-40B4-BE49-F238E27FC236}">
+                <a16:creationId xmlns:a16="http://schemas.microsoft.com/office/drawing/2014/main" id="{A5C041C4-0F18-304F-A5DF-C2A84510463A}"/>
+              </a:ext>
+            </a:extLst>
+          </p:cNvPr>
+          <p:cNvSpPr txBox="1"/>
+          <p:nvPr/>
+        </p:nvSpPr>
+        <p:spPr>
+          <a:xfrm>
+            <a:off x="4652419" y="2496013"/>
+            <a:ext cx="804682" cy="138499"/>
+          </a:xfrm>
+          <a:prstGeom prst="rect">
+            <a:avLst/>
+          </a:prstGeom>
+          <a:noFill/>
+          <a:ln>
+            <a:noFill/>
+          </a:ln>
+        </p:spPr>
+        <p:txBody>
+          <a:bodyPr spcFirstLastPara="1" wrap="square" lIns="0" tIns="0" rIns="0" bIns="0" anchor="t" anchorCtr="0">
+            <a:spAutoFit/>
+          </a:bodyPr>
+          <a:lstStyle/>
+          <a:p>
+            <a:pPr marL="0" marR="0" lvl="0" indent="0" algn="ctr" rtl="0">
+              <a:lnSpc>
+                <a:spcPct val="100000"/>
+              </a:lnSpc>
+              <a:spcBef>
+                <a:spcPts val="0"/>
+              </a:spcBef>
+              <a:spcAft>
+                <a:spcPts val="0"/>
+              </a:spcAft>
+              <a:buClr>
+                <a:srgbClr val="879C16"/>
+              </a:buClr>
+              <a:buSzPts val="714"/>
+              <a:buFont typeface="Arial"/>
+              <a:buNone/>
+            </a:pPr>
+            <a:r>
+              <a:rPr lang="en-US" sz="900" b="1" dirty="0">
+                <a:solidFill>
+                  <a:srgbClr val="FFFFFF"/>
+                </a:solidFill>
+                <a:latin typeface="Arial"/>
+                <a:cs typeface="Arial"/>
+                <a:sym typeface="Arial"/>
+              </a:rPr>
+              <a:t>Price/Diamond</a:t>
+            </a:r>
+            <a:endParaRPr sz="2400" dirty="0"/>
+          </a:p>
+        </p:txBody>
+      </p:sp>
+      <p:sp>
+        <p:nvSpPr>
+          <p:cNvPr id="126" name="Rounded Rectangle 125">
+            <a:extLst>
+              <a:ext uri="{FF2B5EF4-FFF2-40B4-BE49-F238E27FC236}">
+                <a16:creationId xmlns:a16="http://schemas.microsoft.com/office/drawing/2014/main" id="{8684FDD5-01F5-EC4D-863F-FEF12433F142}"/>
+              </a:ext>
+            </a:extLst>
+          </p:cNvPr>
+          <p:cNvSpPr/>
+          <p:nvPr/>
+        </p:nvSpPr>
+        <p:spPr>
+          <a:xfrm>
+            <a:off x="4447284" y="1410991"/>
+            <a:ext cx="1214953" cy="447261"/>
+          </a:xfrm>
+          <a:prstGeom prst="roundRect">
+            <a:avLst/>
+          </a:prstGeom>
+        </p:spPr>
+        <p:style>
+          <a:lnRef idx="2">
+            <a:schemeClr val="accent2">
+              <a:shade val="50000"/>
+            </a:schemeClr>
+          </a:lnRef>
+          <a:fillRef idx="1">
+            <a:schemeClr val="accent2"/>
+          </a:fillRef>
+          <a:effectRef idx="0">
+            <a:schemeClr val="accent2"/>
+          </a:effectRef>
+          <a:fontRef idx="minor">
+            <a:schemeClr val="lt1"/>
+          </a:fontRef>
+        </p:style>
+        <p:txBody>
+          <a:bodyPr rtlCol="0" anchor="ctr"/>
+          <a:lstStyle/>
+          <a:p>
+            <a:pPr algn="ctr"/>
+            <a:endParaRPr lang="en-US"/>
+          </a:p>
+        </p:txBody>
+      </p:sp>
+      <p:sp>
+        <p:nvSpPr>
+          <p:cNvPr id="127" name="Google Shape;35;p1">
+            <a:extLst>
+              <a:ext uri="{FF2B5EF4-FFF2-40B4-BE49-F238E27FC236}">
+                <a16:creationId xmlns:a16="http://schemas.microsoft.com/office/drawing/2014/main" id="{9080E1DE-BDEB-AC44-B6E9-770F0FA58BC1}"/>
+              </a:ext>
+            </a:extLst>
+          </p:cNvPr>
+          <p:cNvSpPr txBox="1"/>
+          <p:nvPr/>
+        </p:nvSpPr>
+        <p:spPr>
+          <a:xfrm>
+            <a:off x="4652419" y="1460686"/>
+            <a:ext cx="804682" cy="276999"/>
+          </a:xfrm>
+          <a:prstGeom prst="rect">
+            <a:avLst/>
+          </a:prstGeom>
+          <a:noFill/>
+          <a:ln>
+            <a:noFill/>
+          </a:ln>
+        </p:spPr>
+        <p:txBody>
+          <a:bodyPr spcFirstLastPara="1" wrap="square" lIns="0" tIns="0" rIns="0" bIns="0" anchor="t" anchorCtr="0">
+            <a:spAutoFit/>
+          </a:bodyPr>
+          <a:lstStyle/>
+          <a:p>
+            <a:pPr marL="0" marR="0" lvl="0" indent="0" algn="ctr" rtl="0">
+              <a:lnSpc>
+                <a:spcPct val="100000"/>
+              </a:lnSpc>
+              <a:spcBef>
+                <a:spcPts val="0"/>
+              </a:spcBef>
+              <a:spcAft>
+                <a:spcPts val="0"/>
+              </a:spcAft>
+              <a:buClr>
+                <a:srgbClr val="879C16"/>
+              </a:buClr>
+              <a:buSzPts val="714"/>
+              <a:buFont typeface="Arial"/>
+              <a:buNone/>
+            </a:pPr>
+            <a:r>
+              <a:rPr lang="en-US" sz="900" b="1" dirty="0">
+                <a:solidFill>
+                  <a:srgbClr val="FFFFFF"/>
+                </a:solidFill>
+                <a:latin typeface="Arial"/>
+                <a:cs typeface="Arial"/>
+                <a:sym typeface="Arial"/>
+              </a:rPr>
+              <a:t>Diamonds Sold</a:t>
+            </a:r>
+            <a:endParaRPr sz="2400" dirty="0"/>
+          </a:p>
+        </p:txBody>
+      </p:sp>
+      <p:sp>
+        <p:nvSpPr>
+          <p:cNvPr id="128" name="Rounded Rectangle 127">
+            <a:extLst>
+              <a:ext uri="{FF2B5EF4-FFF2-40B4-BE49-F238E27FC236}">
+                <a16:creationId xmlns:a16="http://schemas.microsoft.com/office/drawing/2014/main" id="{6E0027F5-AF3E-D948-A30C-A313F802128D}"/>
+              </a:ext>
+            </a:extLst>
+          </p:cNvPr>
+          <p:cNvSpPr/>
+          <p:nvPr/>
+        </p:nvSpPr>
+        <p:spPr>
+          <a:xfrm>
+            <a:off x="4447284" y="5001406"/>
+            <a:ext cx="1214953" cy="447261"/>
+          </a:xfrm>
+          <a:prstGeom prst="roundRect">
+            <a:avLst/>
+          </a:prstGeom>
+        </p:spPr>
+        <p:style>
+          <a:lnRef idx="2">
+            <a:schemeClr val="accent2">
+              <a:shade val="50000"/>
+            </a:schemeClr>
+          </a:lnRef>
+          <a:fillRef idx="1">
+            <a:schemeClr val="accent2"/>
+          </a:fillRef>
+          <a:effectRef idx="0">
+            <a:schemeClr val="accent2"/>
+          </a:effectRef>
+          <a:fontRef idx="minor">
+            <a:schemeClr val="lt1"/>
+          </a:fontRef>
+        </p:style>
+        <p:txBody>
+          <a:bodyPr rtlCol="0" anchor="ctr"/>
+          <a:lstStyle/>
+          <a:p>
+            <a:pPr algn="ctr"/>
+            <a:endParaRPr lang="en-US"/>
+          </a:p>
+        </p:txBody>
+      </p:sp>
+      <p:sp>
+        <p:nvSpPr>
+          <p:cNvPr id="129" name="Google Shape;35;p1">
+            <a:extLst>
+              <a:ext uri="{FF2B5EF4-FFF2-40B4-BE49-F238E27FC236}">
+                <a16:creationId xmlns:a16="http://schemas.microsoft.com/office/drawing/2014/main" id="{16E14217-68E1-3641-8D90-B61CA493EE58}"/>
+              </a:ext>
+            </a:extLst>
+          </p:cNvPr>
+          <p:cNvSpPr txBox="1"/>
+          <p:nvPr/>
+        </p:nvSpPr>
+        <p:spPr>
+          <a:xfrm>
+            <a:off x="4652419" y="5051101"/>
+            <a:ext cx="804682" cy="138499"/>
+          </a:xfrm>
+          <a:prstGeom prst="rect">
+            <a:avLst/>
+          </a:prstGeom>
+          <a:noFill/>
+          <a:ln>
+            <a:noFill/>
+          </a:ln>
+        </p:spPr>
+        <p:txBody>
+          <a:bodyPr spcFirstLastPara="1" wrap="square" lIns="0" tIns="0" rIns="0" bIns="0" anchor="t" anchorCtr="0">
+            <a:spAutoFit/>
+          </a:bodyPr>
+          <a:lstStyle/>
+          <a:p>
+            <a:pPr marL="0" marR="0" lvl="0" indent="0" algn="ctr" rtl="0">
+              <a:lnSpc>
+                <a:spcPct val="100000"/>
+              </a:lnSpc>
+              <a:spcBef>
+                <a:spcPts val="0"/>
+              </a:spcBef>
+              <a:spcAft>
+                <a:spcPts val="0"/>
+              </a:spcAft>
+              <a:buClr>
+                <a:srgbClr val="879C16"/>
+              </a:buClr>
+              <a:buSzPts val="714"/>
+              <a:buFont typeface="Arial"/>
+              <a:buNone/>
+            </a:pPr>
+            <a:r>
+              <a:rPr lang="en-US" sz="900" b="1" dirty="0">
+                <a:solidFill>
+                  <a:srgbClr val="FFFFFF"/>
+                </a:solidFill>
+                <a:latin typeface="Arial"/>
+                <a:cs typeface="Arial"/>
+                <a:sym typeface="Arial"/>
+              </a:rPr>
+              <a:t>Variable Costs</a:t>
+            </a:r>
+            <a:endParaRPr sz="2400" dirty="0"/>
+          </a:p>
+        </p:txBody>
+      </p:sp>
+      <p:sp>
+        <p:nvSpPr>
+          <p:cNvPr id="130" name="Google Shape;40;p1">
+            <a:extLst>
+              <a:ext uri="{FF2B5EF4-FFF2-40B4-BE49-F238E27FC236}">
+                <a16:creationId xmlns:a16="http://schemas.microsoft.com/office/drawing/2014/main" id="{9CF6D2EA-F64A-7E47-BF57-94F40B52B9FC}"/>
+              </a:ext>
+            </a:extLst>
+          </p:cNvPr>
+          <p:cNvSpPr/>
+          <p:nvPr/>
+        </p:nvSpPr>
+        <p:spPr>
+          <a:xfrm>
+            <a:off x="2190495" y="3352278"/>
+            <a:ext cx="155774" cy="155774"/>
+          </a:xfrm>
+          <a:prstGeom prst="ellipse">
+            <a:avLst/>
+          </a:prstGeom>
+          <a:solidFill>
+            <a:schemeClr val="accent3"/>
+          </a:solidFill>
+          <a:ln w="12700" cap="flat" cmpd="sng">
+            <a:solidFill>
+              <a:schemeClr val="lt1"/>
+            </a:solidFill>
+            <a:prstDash val="solid"/>
+            <a:round/>
+            <a:headEnd type="none" w="sm" len="sm"/>
+            <a:tailEnd type="none" w="sm" len="sm"/>
+          </a:ln>
+        </p:spPr>
+        <p:txBody>
+          <a:bodyPr spcFirstLastPara="1" wrap="square" lIns="91425" tIns="45700" rIns="91425" bIns="45700" anchor="ctr" anchorCtr="0">
+            <a:noAutofit/>
+          </a:bodyPr>
+          <a:lstStyle/>
+          <a:p>
+            <a:pPr marL="0" marR="0" lvl="0" indent="0" algn="l" rtl="0">
+              <a:lnSpc>
+                <a:spcPct val="100000"/>
+              </a:lnSpc>
+              <a:spcBef>
+                <a:spcPts val="0"/>
+              </a:spcBef>
+              <a:spcAft>
+                <a:spcPts val="0"/>
+              </a:spcAft>
+              <a:buClr>
+                <a:srgbClr val="000000"/>
+              </a:buClr>
+              <a:buSzPts val="1428"/>
+              <a:buFont typeface="Arial"/>
+              <a:buNone/>
+            </a:pPr>
+            <a:endParaRPr sz="1428" b="1" i="0" u="none" strike="noStrike" cap="none">
+              <a:solidFill>
+                <a:srgbClr val="000000"/>
+              </a:solidFill>
+              <a:latin typeface="Arial"/>
+              <a:ea typeface="Arial"/>
+              <a:cs typeface="Arial"/>
+              <a:sym typeface="Arial"/>
+            </a:endParaRPr>
+          </a:p>
+        </p:txBody>
+      </p:sp>
+      <p:sp>
+        <p:nvSpPr>
+          <p:cNvPr id="131" name="Minus 130">
+            <a:extLst>
+              <a:ext uri="{FF2B5EF4-FFF2-40B4-BE49-F238E27FC236}">
+                <a16:creationId xmlns:a16="http://schemas.microsoft.com/office/drawing/2014/main" id="{8F45CBD2-9806-F946-87D6-7745CC2798B6}"/>
+              </a:ext>
+            </a:extLst>
+          </p:cNvPr>
+          <p:cNvSpPr/>
+          <p:nvPr/>
+        </p:nvSpPr>
+        <p:spPr>
+          <a:xfrm>
+            <a:off x="2220384" y="3383643"/>
+            <a:ext cx="90714" cy="90714"/>
+          </a:xfrm>
+          <a:prstGeom prst="mathMinus">
+            <a:avLst/>
+          </a:prstGeom>
+          <a:solidFill>
+            <a:schemeClr val="bg2"/>
+          </a:solidFill>
+          <a:ln w="12700">
+            <a:solidFill>
+              <a:schemeClr val="bg2"/>
+            </a:solidFill>
+          </a:ln>
+        </p:spPr>
+        <p:style>
+          <a:lnRef idx="2">
+            <a:schemeClr val="accent1">
+              <a:shade val="50000"/>
+            </a:schemeClr>
+          </a:lnRef>
+          <a:fillRef idx="1">
+            <a:schemeClr val="accent1"/>
+          </a:fillRef>
+          <a:effectRef idx="0">
+            <a:schemeClr val="accent1"/>
+          </a:effectRef>
+          <a:fontRef idx="minor">
+            <a:schemeClr val="lt1"/>
+          </a:fontRef>
+        </p:style>
+        <p:txBody>
+          <a:bodyPr rtlCol="0" anchor="ctr"/>
+          <a:lstStyle/>
+          <a:p>
+            <a:pPr algn="ctr"/>
+            <a:endParaRPr lang="en-US"/>
           </a:p>
         </p:txBody>
       </p:sp>

--- a/Documentation/DiamondPricePrediction.pptx
+++ b/Documentation/DiamondPricePrediction.pptx
@@ -10,16 +10,19 @@
     <p:sldId id="257" r:id="rId4"/>
     <p:sldId id="269" r:id="rId5"/>
     <p:sldId id="259" r:id="rId6"/>
-    <p:sldId id="260" r:id="rId7"/>
-    <p:sldId id="261" r:id="rId8"/>
-    <p:sldId id="262" r:id="rId9"/>
+    <p:sldId id="261" r:id="rId7"/>
+    <p:sldId id="265" r:id="rId8"/>
+    <p:sldId id="264" r:id="rId9"/>
     <p:sldId id="263" r:id="rId10"/>
-    <p:sldId id="264" r:id="rId11"/>
-    <p:sldId id="265" r:id="rId12"/>
-    <p:sldId id="266" r:id="rId13"/>
+    <p:sldId id="262" r:id="rId11"/>
+    <p:sldId id="266" r:id="rId12"/>
+    <p:sldId id="260" r:id="rId13"/>
     <p:sldId id="267" r:id="rId14"/>
-    <p:sldId id="268" r:id="rId15"/>
-    <p:sldId id="270" r:id="rId16"/>
+    <p:sldId id="271" r:id="rId15"/>
+    <p:sldId id="272" r:id="rId16"/>
+    <p:sldId id="273" r:id="rId17"/>
+    <p:sldId id="268" r:id="rId18"/>
+    <p:sldId id="270" r:id="rId19"/>
   </p:sldIdLst>
   <p:sldSz cx="12192000" cy="6858000"/>
   <p:notesSz cx="6858000" cy="9144000"/>
@@ -14673,10 +14676,45 @@
           </a:p>
         </p:txBody>
       </p:sp>
+      <p:pic>
+        <p:nvPicPr>
+          <p:cNvPr id="4" name="Picture 3" descr="A picture containing text, sky&#10;&#10;Description automatically generated">
+            <a:extLst>
+              <a:ext uri="{FF2B5EF4-FFF2-40B4-BE49-F238E27FC236}">
+                <a16:creationId xmlns:a16="http://schemas.microsoft.com/office/drawing/2014/main" id="{2ED31221-DA4F-E945-9DB8-767D7CFFECD9}"/>
+              </a:ext>
+            </a:extLst>
+          </p:cNvPr>
+          <p:cNvPicPr>
+            <a:picLocks noChangeAspect="1"/>
+          </p:cNvPicPr>
+          <p:nvPr/>
+        </p:nvPicPr>
+        <p:blipFill>
+          <a:blip r:embed="rId2"/>
+          <a:stretch>
+            <a:fillRect/>
+          </a:stretch>
+        </p:blipFill>
+        <p:spPr>
+          <a:xfrm>
+            <a:off x="4056311" y="1825625"/>
+            <a:ext cx="7886700" cy="4724400"/>
+          </a:xfrm>
+          <a:prstGeom prst="rect">
+            <a:avLst/>
+          </a:prstGeom>
+          <a:ln>
+            <a:solidFill>
+              <a:schemeClr val="accent1"/>
+            </a:solidFill>
+          </a:ln>
+        </p:spPr>
+      </p:pic>
     </p:spTree>
     <p:extLst>
       <p:ext uri="{BB962C8B-B14F-4D97-AF65-F5344CB8AC3E}">
-        <p14:creationId xmlns:p14="http://schemas.microsoft.com/office/powerpoint/2010/main" val="3997002101"/>
+        <p14:creationId xmlns:p14="http://schemas.microsoft.com/office/powerpoint/2010/main" val="1720742004"/>
       </p:ext>
     </p:extLst>
   </p:cSld>
@@ -14764,7 +14802,7 @@
     </p:spTree>
     <p:extLst>
       <p:ext uri="{BB962C8B-B14F-4D97-AF65-F5344CB8AC3E}">
-        <p14:creationId xmlns:p14="http://schemas.microsoft.com/office/powerpoint/2010/main" val="442542851"/>
+        <p14:creationId xmlns:p14="http://schemas.microsoft.com/office/powerpoint/2010/main" val="2978037150"/>
       </p:ext>
     </p:extLst>
   </p:cSld>
@@ -14819,7 +14857,7 @@
           <a:p>
             <a:r>
               <a:rPr lang="en-US" dirty="0"/>
-              <a:t>Objectives</a:t>
+              <a:t>Training and Testing Considerations</a:t>
             </a:r>
           </a:p>
         </p:txBody>
@@ -14852,7 +14890,7 @@
     </p:spTree>
     <p:extLst>
       <p:ext uri="{BB962C8B-B14F-4D97-AF65-F5344CB8AC3E}">
-        <p14:creationId xmlns:p14="http://schemas.microsoft.com/office/powerpoint/2010/main" val="2978037150"/>
+        <p14:creationId xmlns:p14="http://schemas.microsoft.com/office/powerpoint/2010/main" val="477804680"/>
       </p:ext>
     </p:extLst>
   </p:cSld>
@@ -14933,10 +14971,48 @@
           <a:bodyPr/>
           <a:lstStyle/>
           <a:p>
-            <a:endParaRPr lang="en-US"/>
+            <a:r>
+              <a:rPr lang="en-US" dirty="0"/>
+              <a:t>Models</a:t>
+            </a:r>
           </a:p>
         </p:txBody>
       </p:sp>
+      <p:pic>
+        <p:nvPicPr>
+          <p:cNvPr id="5" name="Picture 4" descr="Chart, scatter chart&#10;&#10;Description automatically generated">
+            <a:extLst>
+              <a:ext uri="{FF2B5EF4-FFF2-40B4-BE49-F238E27FC236}">
+                <a16:creationId xmlns:a16="http://schemas.microsoft.com/office/drawing/2014/main" id="{7750B554-4CD1-694F-AD6D-D75755097370}"/>
+              </a:ext>
+            </a:extLst>
+          </p:cNvPr>
+          <p:cNvPicPr>
+            <a:picLocks noChangeAspect="1"/>
+          </p:cNvPicPr>
+          <p:nvPr/>
+        </p:nvPicPr>
+        <p:blipFill>
+          <a:blip r:embed="rId2"/>
+          <a:stretch>
+            <a:fillRect/>
+          </a:stretch>
+        </p:blipFill>
+        <p:spPr>
+          <a:xfrm>
+            <a:off x="6096000" y="1069587"/>
+            <a:ext cx="5632619" cy="5535169"/>
+          </a:xfrm>
+          <a:prstGeom prst="rect">
+            <a:avLst/>
+          </a:prstGeom>
+          <a:ln>
+            <a:solidFill>
+              <a:schemeClr val="accent1"/>
+            </a:solidFill>
+          </a:ln>
+        </p:spPr>
+      </p:pic>
     </p:spTree>
     <p:extLst>
       <p:ext uri="{BB962C8B-B14F-4D97-AF65-F5344CB8AC3E}">
@@ -14951,6 +15027,270 @@
 </file>
 
 <file path=ppt/slides/slide14.xml><?xml version="1.0" encoding="utf-8"?>
+<p:sld xmlns:a="http://schemas.openxmlformats.org/drawingml/2006/main" xmlns:r="http://schemas.openxmlformats.org/officeDocument/2006/relationships" xmlns:p="http://schemas.openxmlformats.org/presentationml/2006/main">
+  <p:cSld>
+    <p:spTree>
+      <p:nvGrpSpPr>
+        <p:cNvPr id="1" name=""/>
+        <p:cNvGrpSpPr/>
+        <p:nvPr/>
+      </p:nvGrpSpPr>
+      <p:grpSpPr>
+        <a:xfrm>
+          <a:off x="0" y="0"/>
+          <a:ext cx="0" cy="0"/>
+          <a:chOff x="0" y="0"/>
+          <a:chExt cx="0" cy="0"/>
+        </a:xfrm>
+      </p:grpSpPr>
+      <p:sp>
+        <p:nvSpPr>
+          <p:cNvPr id="2" name="Title 1">
+            <a:extLst>
+              <a:ext uri="{FF2B5EF4-FFF2-40B4-BE49-F238E27FC236}">
+                <a16:creationId xmlns:a16="http://schemas.microsoft.com/office/drawing/2014/main" id="{5F55E52E-B227-DB4D-A8BF-BFEDBC25E0FC}"/>
+              </a:ext>
+            </a:extLst>
+          </p:cNvPr>
+          <p:cNvSpPr>
+            <a:spLocks noGrp="1"/>
+          </p:cNvSpPr>
+          <p:nvPr>
+            <p:ph type="title"/>
+          </p:nvPr>
+        </p:nvSpPr>
+        <p:spPr>
+          <a:xfrm>
+            <a:off x="838200" y="-2732"/>
+            <a:ext cx="10515600" cy="1325563"/>
+          </a:xfrm>
+        </p:spPr>
+        <p:txBody>
+          <a:bodyPr/>
+          <a:lstStyle/>
+          <a:p>
+            <a:r>
+              <a:rPr lang="en-US" dirty="0"/>
+              <a:t>Objectives</a:t>
+            </a:r>
+          </a:p>
+        </p:txBody>
+      </p:sp>
+      <p:sp>
+        <p:nvSpPr>
+          <p:cNvPr id="3" name="Content Placeholder 2">
+            <a:extLst>
+              <a:ext uri="{FF2B5EF4-FFF2-40B4-BE49-F238E27FC236}">
+                <a16:creationId xmlns:a16="http://schemas.microsoft.com/office/drawing/2014/main" id="{D6FA1DBC-F319-3040-840F-86648825BC48}"/>
+              </a:ext>
+            </a:extLst>
+          </p:cNvPr>
+          <p:cNvSpPr>
+            <a:spLocks noGrp="1"/>
+          </p:cNvSpPr>
+          <p:nvPr>
+            <p:ph idx="1"/>
+          </p:nvPr>
+        </p:nvSpPr>
+        <p:spPr/>
+        <p:txBody>
+          <a:bodyPr/>
+          <a:lstStyle/>
+          <a:p>
+            <a:endParaRPr lang="en-US"/>
+          </a:p>
+        </p:txBody>
+      </p:sp>
+    </p:spTree>
+    <p:extLst>
+      <p:ext uri="{BB962C8B-B14F-4D97-AF65-F5344CB8AC3E}">
+        <p14:creationId xmlns:p14="http://schemas.microsoft.com/office/powerpoint/2010/main" val="2543890694"/>
+      </p:ext>
+    </p:extLst>
+  </p:cSld>
+  <p:clrMapOvr>
+    <a:masterClrMapping/>
+  </p:clrMapOvr>
+</p:sld>
+</file>
+
+<file path=ppt/slides/slide15.xml><?xml version="1.0" encoding="utf-8"?>
+<p:sld xmlns:a="http://schemas.openxmlformats.org/drawingml/2006/main" xmlns:r="http://schemas.openxmlformats.org/officeDocument/2006/relationships" xmlns:p="http://schemas.openxmlformats.org/presentationml/2006/main">
+  <p:cSld>
+    <p:spTree>
+      <p:nvGrpSpPr>
+        <p:cNvPr id="1" name=""/>
+        <p:cNvGrpSpPr/>
+        <p:nvPr/>
+      </p:nvGrpSpPr>
+      <p:grpSpPr>
+        <a:xfrm>
+          <a:off x="0" y="0"/>
+          <a:ext cx="0" cy="0"/>
+          <a:chOff x="0" y="0"/>
+          <a:chExt cx="0" cy="0"/>
+        </a:xfrm>
+      </p:grpSpPr>
+      <p:sp>
+        <p:nvSpPr>
+          <p:cNvPr id="2" name="Title 1">
+            <a:extLst>
+              <a:ext uri="{FF2B5EF4-FFF2-40B4-BE49-F238E27FC236}">
+                <a16:creationId xmlns:a16="http://schemas.microsoft.com/office/drawing/2014/main" id="{5F55E52E-B227-DB4D-A8BF-BFEDBC25E0FC}"/>
+              </a:ext>
+            </a:extLst>
+          </p:cNvPr>
+          <p:cNvSpPr>
+            <a:spLocks noGrp="1"/>
+          </p:cNvSpPr>
+          <p:nvPr>
+            <p:ph type="title"/>
+          </p:nvPr>
+        </p:nvSpPr>
+        <p:spPr>
+          <a:xfrm>
+            <a:off x="838200" y="-2732"/>
+            <a:ext cx="10515600" cy="1325563"/>
+          </a:xfrm>
+        </p:spPr>
+        <p:txBody>
+          <a:bodyPr/>
+          <a:lstStyle/>
+          <a:p>
+            <a:r>
+              <a:rPr lang="en-US" dirty="0"/>
+              <a:t>Objectives</a:t>
+            </a:r>
+          </a:p>
+        </p:txBody>
+      </p:sp>
+      <p:sp>
+        <p:nvSpPr>
+          <p:cNvPr id="3" name="Content Placeholder 2">
+            <a:extLst>
+              <a:ext uri="{FF2B5EF4-FFF2-40B4-BE49-F238E27FC236}">
+                <a16:creationId xmlns:a16="http://schemas.microsoft.com/office/drawing/2014/main" id="{D6FA1DBC-F319-3040-840F-86648825BC48}"/>
+              </a:ext>
+            </a:extLst>
+          </p:cNvPr>
+          <p:cNvSpPr>
+            <a:spLocks noGrp="1"/>
+          </p:cNvSpPr>
+          <p:nvPr>
+            <p:ph idx="1"/>
+          </p:nvPr>
+        </p:nvSpPr>
+        <p:spPr/>
+        <p:txBody>
+          <a:bodyPr/>
+          <a:lstStyle/>
+          <a:p>
+            <a:endParaRPr lang="en-US"/>
+          </a:p>
+        </p:txBody>
+      </p:sp>
+    </p:spTree>
+    <p:extLst>
+      <p:ext uri="{BB962C8B-B14F-4D97-AF65-F5344CB8AC3E}">
+        <p14:creationId xmlns:p14="http://schemas.microsoft.com/office/powerpoint/2010/main" val="824211393"/>
+      </p:ext>
+    </p:extLst>
+  </p:cSld>
+  <p:clrMapOvr>
+    <a:masterClrMapping/>
+  </p:clrMapOvr>
+</p:sld>
+</file>
+
+<file path=ppt/slides/slide16.xml><?xml version="1.0" encoding="utf-8"?>
+<p:sld xmlns:a="http://schemas.openxmlformats.org/drawingml/2006/main" xmlns:r="http://schemas.openxmlformats.org/officeDocument/2006/relationships" xmlns:p="http://schemas.openxmlformats.org/presentationml/2006/main">
+  <p:cSld>
+    <p:spTree>
+      <p:nvGrpSpPr>
+        <p:cNvPr id="1" name=""/>
+        <p:cNvGrpSpPr/>
+        <p:nvPr/>
+      </p:nvGrpSpPr>
+      <p:grpSpPr>
+        <a:xfrm>
+          <a:off x="0" y="0"/>
+          <a:ext cx="0" cy="0"/>
+          <a:chOff x="0" y="0"/>
+          <a:chExt cx="0" cy="0"/>
+        </a:xfrm>
+      </p:grpSpPr>
+      <p:sp>
+        <p:nvSpPr>
+          <p:cNvPr id="2" name="Title 1">
+            <a:extLst>
+              <a:ext uri="{FF2B5EF4-FFF2-40B4-BE49-F238E27FC236}">
+                <a16:creationId xmlns:a16="http://schemas.microsoft.com/office/drawing/2014/main" id="{5F55E52E-B227-DB4D-A8BF-BFEDBC25E0FC}"/>
+              </a:ext>
+            </a:extLst>
+          </p:cNvPr>
+          <p:cNvSpPr>
+            <a:spLocks noGrp="1"/>
+          </p:cNvSpPr>
+          <p:nvPr>
+            <p:ph type="title"/>
+          </p:nvPr>
+        </p:nvSpPr>
+        <p:spPr>
+          <a:xfrm>
+            <a:off x="838200" y="-2732"/>
+            <a:ext cx="10515600" cy="1325563"/>
+          </a:xfrm>
+        </p:spPr>
+        <p:txBody>
+          <a:bodyPr/>
+          <a:lstStyle/>
+          <a:p>
+            <a:r>
+              <a:rPr lang="en-US" dirty="0"/>
+              <a:t>Objectives</a:t>
+            </a:r>
+          </a:p>
+        </p:txBody>
+      </p:sp>
+      <p:sp>
+        <p:nvSpPr>
+          <p:cNvPr id="3" name="Content Placeholder 2">
+            <a:extLst>
+              <a:ext uri="{FF2B5EF4-FFF2-40B4-BE49-F238E27FC236}">
+                <a16:creationId xmlns:a16="http://schemas.microsoft.com/office/drawing/2014/main" id="{D6FA1DBC-F319-3040-840F-86648825BC48}"/>
+              </a:ext>
+            </a:extLst>
+          </p:cNvPr>
+          <p:cNvSpPr>
+            <a:spLocks noGrp="1"/>
+          </p:cNvSpPr>
+          <p:nvPr>
+            <p:ph idx="1"/>
+          </p:nvPr>
+        </p:nvSpPr>
+        <p:spPr/>
+        <p:txBody>
+          <a:bodyPr/>
+          <a:lstStyle/>
+          <a:p>
+            <a:endParaRPr lang="en-US"/>
+          </a:p>
+        </p:txBody>
+      </p:sp>
+    </p:spTree>
+    <p:extLst>
+      <p:ext uri="{BB962C8B-B14F-4D97-AF65-F5344CB8AC3E}">
+        <p14:creationId xmlns:p14="http://schemas.microsoft.com/office/powerpoint/2010/main" val="3773592380"/>
+      </p:ext>
+    </p:extLst>
+  </p:cSld>
+  <p:clrMapOvr>
+    <a:masterClrMapping/>
+  </p:clrMapOvr>
+</p:sld>
+</file>
+
+<file path=ppt/slides/slide17.xml><?xml version="1.0" encoding="utf-8"?>
 <p:sld xmlns:a="http://schemas.openxmlformats.org/drawingml/2006/main" xmlns:r="http://schemas.openxmlformats.org/officeDocument/2006/relationships" xmlns:p="http://schemas.openxmlformats.org/presentationml/2006/main">
   <p:cSld>
     <p:spTree>
@@ -16009,7 +16349,7 @@
 </p:sld>
 </file>
 
-<file path=ppt/slides/slide15.xml><?xml version="1.0" encoding="utf-8"?>
+<file path=ppt/slides/slide18.xml><?xml version="1.0" encoding="utf-8"?>
 <p:sld xmlns:a="http://schemas.openxmlformats.org/drawingml/2006/main" xmlns:r="http://schemas.openxmlformats.org/officeDocument/2006/relationships" xmlns:p="http://schemas.openxmlformats.org/presentationml/2006/main">
   <p:cSld>
     <p:spTree>
@@ -22902,17 +23242,17 @@
           <a:p>
             <a:r>
               <a:rPr lang="en-US" dirty="0"/>
-              <a:t>Training and Testing Considerations</a:t>
+              <a:t>Feature Correlations</a:t>
             </a:r>
           </a:p>
         </p:txBody>
       </p:sp>
       <p:sp>
         <p:nvSpPr>
-          <p:cNvPr id="3" name="Content Placeholder 2">
+          <p:cNvPr id="13" name="Content Placeholder 12">
             <a:extLst>
               <a:ext uri="{FF2B5EF4-FFF2-40B4-BE49-F238E27FC236}">
-                <a16:creationId xmlns:a16="http://schemas.microsoft.com/office/drawing/2014/main" id="{D6FA1DBC-F319-3040-840F-86648825BC48}"/>
+                <a16:creationId xmlns:a16="http://schemas.microsoft.com/office/drawing/2014/main" id="{516B092E-7E99-5A46-BECB-4479DF365C39}"/>
               </a:ext>
             </a:extLst>
           </p:cNvPr>
@@ -22923,19 +23263,76 @@
             <p:ph idx="1"/>
           </p:nvPr>
         </p:nvSpPr>
-        <p:spPr/>
+        <p:spPr>
+          <a:xfrm>
+            <a:off x="838200" y="2485292"/>
+            <a:ext cx="4680520" cy="3656762"/>
+          </a:xfrm>
+        </p:spPr>
         <p:txBody>
           <a:bodyPr/>
           <a:lstStyle/>
           <a:p>
-            <a:endParaRPr lang="en-US"/>
+            <a:r>
+              <a:rPr lang="en-US" dirty="0"/>
+              <a:t>Positive Price Correlation</a:t>
+            </a:r>
+          </a:p>
+          <a:p>
+            <a:pPr lvl="1"/>
+            <a:r>
+              <a:rPr lang="en-US" dirty="0"/>
+              <a:t>Carat</a:t>
+            </a:r>
+          </a:p>
+          <a:p>
+            <a:pPr lvl="1"/>
+            <a:r>
+              <a:rPr lang="en-US" dirty="0"/>
+              <a:t>Dimensions (X,Y,Z)</a:t>
+            </a:r>
           </a:p>
         </p:txBody>
       </p:sp>
+      <p:pic>
+        <p:nvPicPr>
+          <p:cNvPr id="17" name="Picture 16" descr="Chart, treemap chart&#10;&#10;Description automatically generated">
+            <a:extLst>
+              <a:ext uri="{FF2B5EF4-FFF2-40B4-BE49-F238E27FC236}">
+                <a16:creationId xmlns:a16="http://schemas.microsoft.com/office/drawing/2014/main" id="{D0BBC63B-34B6-1E4B-9539-4BF303C3306A}"/>
+              </a:ext>
+            </a:extLst>
+          </p:cNvPr>
+          <p:cNvPicPr>
+            <a:picLocks noChangeAspect="1"/>
+          </p:cNvPicPr>
+          <p:nvPr/>
+        </p:nvPicPr>
+        <p:blipFill>
+          <a:blip r:embed="rId2"/>
+          <a:stretch>
+            <a:fillRect/>
+          </a:stretch>
+        </p:blipFill>
+        <p:spPr>
+          <a:xfrm>
+            <a:off x="5553889" y="1217324"/>
+            <a:ext cx="5945678" cy="5287108"/>
+          </a:xfrm>
+          <a:prstGeom prst="rect">
+            <a:avLst/>
+          </a:prstGeom>
+          <a:ln>
+            <a:solidFill>
+              <a:schemeClr val="accent1"/>
+            </a:solidFill>
+          </a:ln>
+        </p:spPr>
+      </p:pic>
     </p:spTree>
     <p:extLst>
       <p:ext uri="{BB962C8B-B14F-4D97-AF65-F5344CB8AC3E}">
-        <p14:creationId xmlns:p14="http://schemas.microsoft.com/office/powerpoint/2010/main" val="477804680"/>
+        <p14:creationId xmlns:p14="http://schemas.microsoft.com/office/powerpoint/2010/main" val="3577502910"/>
       </p:ext>
     </p:extLst>
   </p:cSld>
@@ -22990,7 +23387,7 @@
           <a:p>
             <a:r>
               <a:rPr lang="en-US" dirty="0"/>
-              <a:t>Objectives</a:t>
+              <a:t>Price vs Carat</a:t>
             </a:r>
           </a:p>
         </p:txBody>
@@ -23011,19 +23408,70 @@
             <p:ph idx="1"/>
           </p:nvPr>
         </p:nvSpPr>
-        <p:spPr/>
+        <p:spPr>
+          <a:xfrm>
+            <a:off x="556848" y="3428999"/>
+            <a:ext cx="3589593" cy="2747963"/>
+          </a:xfrm>
+        </p:spPr>
         <p:txBody>
-          <a:bodyPr/>
+          <a:bodyPr>
+            <a:normAutofit/>
+          </a:bodyPr>
           <a:lstStyle/>
           <a:p>
-            <a:endParaRPr lang="en-US"/>
+            <a:r>
+              <a:rPr lang="en-US" sz="2000" dirty="0"/>
+              <a:t>Positive correlation</a:t>
+            </a:r>
+          </a:p>
+          <a:p>
+            <a:r>
+              <a:rPr lang="en-US" sz="2000" dirty="0"/>
+              <a:t>Large jumps, higher price variability at 0.5ct intervals</a:t>
+            </a:r>
           </a:p>
         </p:txBody>
       </p:sp>
+      <p:pic>
+        <p:nvPicPr>
+          <p:cNvPr id="4" name="Content Placeholder 4" descr="Chart, line chart&#10;&#10;Description automatically generated">
+            <a:extLst>
+              <a:ext uri="{FF2B5EF4-FFF2-40B4-BE49-F238E27FC236}">
+                <a16:creationId xmlns:a16="http://schemas.microsoft.com/office/drawing/2014/main" id="{DA238459-BD4F-3647-87D1-F800984E8278}"/>
+              </a:ext>
+            </a:extLst>
+          </p:cNvPr>
+          <p:cNvPicPr>
+            <a:picLocks noChangeAspect="1"/>
+          </p:cNvPicPr>
+          <p:nvPr/>
+        </p:nvPicPr>
+        <p:blipFill>
+          <a:blip r:embed="rId2"/>
+          <a:stretch>
+            <a:fillRect/>
+          </a:stretch>
+        </p:blipFill>
+        <p:spPr>
+          <a:xfrm>
+            <a:off x="4275394" y="1382225"/>
+            <a:ext cx="7462938" cy="4794738"/>
+          </a:xfrm>
+          <a:prstGeom prst="rect">
+            <a:avLst/>
+          </a:prstGeom>
+          <a:ln>
+            <a:solidFill>
+              <a:schemeClr val="accent1"/>
+            </a:solidFill>
+          </a:ln>
+        </p:spPr>
+      </p:pic>
     </p:spTree>
     <p:extLst>
       <p:ext uri="{BB962C8B-B14F-4D97-AF65-F5344CB8AC3E}">
-        <p14:creationId xmlns:p14="http://schemas.microsoft.com/office/powerpoint/2010/main" val="3577502910"/>
+        <p14:creationId xmlns:p14="http://schemas.microsoft.com/office/powerpoint/2010/main" val="442542851"/>
       </p:ext>
     </p:extLst>
   </p:cSld>
@@ -23078,7 +23526,7 @@
           <a:p>
             <a:r>
               <a:rPr lang="en-US" dirty="0"/>
-              <a:t>Objectives</a:t>
+              <a:t>Carat Weight Intervals</a:t>
             </a:r>
           </a:p>
         </p:txBody>
@@ -23099,19 +23547,105 @@
             <p:ph idx="1"/>
           </p:nvPr>
         </p:nvSpPr>
-        <p:spPr/>
+        <p:spPr>
+          <a:xfrm>
+            <a:off x="1107832" y="1664451"/>
+            <a:ext cx="6945923" cy="1240120"/>
+          </a:xfrm>
+        </p:spPr>
         <p:txBody>
-          <a:bodyPr/>
+          <a:bodyPr>
+            <a:normAutofit/>
+          </a:bodyPr>
           <a:lstStyle/>
           <a:p>
-            <a:endParaRPr lang="en-US"/>
+            <a:r>
+              <a:rPr lang="en-US" sz="2000" dirty="0"/>
+              <a:t>Higher carat weight are top-loaded in price</a:t>
+            </a:r>
+          </a:p>
+          <a:p>
+            <a:r>
+              <a:rPr lang="en-US" sz="2000" dirty="0"/>
+              <a:t>Lower carat weight are bottom-loaded in price</a:t>
+            </a:r>
           </a:p>
         </p:txBody>
       </p:sp>
+      <p:pic>
+        <p:nvPicPr>
+          <p:cNvPr id="4" name="Picture 3" descr="Chart, box and whisker chart&#10;&#10;Description automatically generated">
+            <a:extLst>
+              <a:ext uri="{FF2B5EF4-FFF2-40B4-BE49-F238E27FC236}">
+                <a16:creationId xmlns:a16="http://schemas.microsoft.com/office/drawing/2014/main" id="{2B341B2C-AB6F-B44D-9949-42C72E14AE55}"/>
+              </a:ext>
+            </a:extLst>
+          </p:cNvPr>
+          <p:cNvPicPr>
+            <a:picLocks noChangeAspect="1"/>
+          </p:cNvPicPr>
+          <p:nvPr/>
+        </p:nvPicPr>
+        <p:blipFill>
+          <a:blip r:embed="rId2"/>
+          <a:stretch>
+            <a:fillRect/>
+          </a:stretch>
+        </p:blipFill>
+        <p:spPr>
+          <a:xfrm>
+            <a:off x="182478" y="3205945"/>
+            <a:ext cx="5637344" cy="2972218"/>
+          </a:xfrm>
+          <a:prstGeom prst="rect">
+            <a:avLst/>
+          </a:prstGeom>
+          <a:ln>
+            <a:solidFill>
+              <a:schemeClr val="accent1"/>
+            </a:solidFill>
+          </a:ln>
+        </p:spPr>
+      </p:pic>
+      <p:pic>
+        <p:nvPicPr>
+          <p:cNvPr id="6" name="Picture 5" descr="Scatter chart&#10;&#10;Description automatically generated">
+            <a:extLst>
+              <a:ext uri="{FF2B5EF4-FFF2-40B4-BE49-F238E27FC236}">
+                <a16:creationId xmlns:a16="http://schemas.microsoft.com/office/drawing/2014/main" id="{EE3F499F-6FB9-6E4C-84A4-1E230E449942}"/>
+              </a:ext>
+            </a:extLst>
+          </p:cNvPr>
+          <p:cNvPicPr>
+            <a:picLocks noChangeAspect="1"/>
+          </p:cNvPicPr>
+          <p:nvPr/>
+        </p:nvPicPr>
+        <p:blipFill>
+          <a:blip r:embed="rId3"/>
+          <a:stretch>
+            <a:fillRect/>
+          </a:stretch>
+        </p:blipFill>
+        <p:spPr>
+          <a:xfrm>
+            <a:off x="5931878" y="2904571"/>
+            <a:ext cx="6049192" cy="3574966"/>
+          </a:xfrm>
+          <a:prstGeom prst="rect">
+            <a:avLst/>
+          </a:prstGeom>
+          <a:ln>
+            <a:solidFill>
+              <a:schemeClr val="accent1"/>
+            </a:solidFill>
+          </a:ln>
+        </p:spPr>
+      </p:pic>
     </p:spTree>
     <p:extLst>
       <p:ext uri="{BB962C8B-B14F-4D97-AF65-F5344CB8AC3E}">
-        <p14:creationId xmlns:p14="http://schemas.microsoft.com/office/powerpoint/2010/main" val="1720742004"/>
+        <p14:creationId xmlns:p14="http://schemas.microsoft.com/office/powerpoint/2010/main" val="3997002101"/>
       </p:ext>
     </p:extLst>
   </p:cSld>
@@ -23196,6 +23730,41 @@
           </a:p>
         </p:txBody>
       </p:sp>
+      <p:pic>
+        <p:nvPicPr>
+          <p:cNvPr id="4" name="Picture 3" descr="Chart, box and whisker chart&#10;&#10;Description automatically generated">
+            <a:extLst>
+              <a:ext uri="{FF2B5EF4-FFF2-40B4-BE49-F238E27FC236}">
+                <a16:creationId xmlns:a16="http://schemas.microsoft.com/office/drawing/2014/main" id="{CFBE3CFD-8EDB-B24B-894B-B1E867F42EDD}"/>
+              </a:ext>
+            </a:extLst>
+          </p:cNvPr>
+          <p:cNvPicPr>
+            <a:picLocks noChangeAspect="1"/>
+          </p:cNvPicPr>
+          <p:nvPr/>
+        </p:nvPicPr>
+        <p:blipFill>
+          <a:blip r:embed="rId2"/>
+          <a:stretch>
+            <a:fillRect/>
+          </a:stretch>
+        </p:blipFill>
+        <p:spPr>
+          <a:xfrm>
+            <a:off x="838200" y="1269682"/>
+            <a:ext cx="10515600" cy="5215653"/>
+          </a:xfrm>
+          <a:prstGeom prst="rect">
+            <a:avLst/>
+          </a:prstGeom>
+          <a:ln>
+            <a:solidFill>
+              <a:schemeClr val="accent1"/>
+            </a:solidFill>
+          </a:ln>
+        </p:spPr>
+      </p:pic>
     </p:spTree>
     <p:extLst>
       <p:ext uri="{BB962C8B-B14F-4D97-AF65-F5344CB8AC3E}">

--- a/Documentation/DiamondPricePrediction.pptx
+++ b/Documentation/DiamondPricePrediction.pptx
@@ -23,6 +23,8 @@
     <p:sldId id="273" r:id="rId17"/>
     <p:sldId id="268" r:id="rId18"/>
     <p:sldId id="270" r:id="rId19"/>
+    <p:sldId id="274" r:id="rId20"/>
+    <p:sldId id="275" r:id="rId21"/>
   </p:sldIdLst>
   <p:sldSz cx="12192000" cy="6858000"/>
   <p:notesSz cx="6858000" cy="9144000"/>
@@ -21677,6 +21679,36 @@
 </p:sld>
 </file>
 
+<file path=ppt/slides/slide19.xml><?xml version="1.0" encoding="utf-8"?>
+<p:sld xmlns:a="http://schemas.openxmlformats.org/drawingml/2006/main" xmlns:r="http://schemas.openxmlformats.org/officeDocument/2006/relationships" xmlns:p="http://schemas.openxmlformats.org/presentationml/2006/main">
+  <p:cSld>
+    <p:spTree>
+      <p:nvGrpSpPr>
+        <p:cNvPr id="1" name=""/>
+        <p:cNvGrpSpPr/>
+        <p:nvPr/>
+      </p:nvGrpSpPr>
+      <p:grpSpPr>
+        <a:xfrm>
+          <a:off x="0" y="0"/>
+          <a:ext cx="0" cy="0"/>
+          <a:chOff x="0" y="0"/>
+          <a:chExt cx="0" cy="0"/>
+        </a:xfrm>
+      </p:grpSpPr>
+    </p:spTree>
+    <p:extLst>
+      <p:ext uri="{BB962C8B-B14F-4D97-AF65-F5344CB8AC3E}">
+        <p14:creationId xmlns:p14="http://schemas.microsoft.com/office/powerpoint/2010/main" val="983384374"/>
+      </p:ext>
+    </p:extLst>
+  </p:cSld>
+  <p:clrMapOvr>
+    <a:masterClrMapping/>
+  </p:clrMapOvr>
+</p:sld>
+</file>
+
 <file path=ppt/slides/slide2.xml><?xml version="1.0" encoding="utf-8"?>
 <p:sld xmlns:a="http://schemas.openxmlformats.org/drawingml/2006/main" xmlns:r="http://schemas.openxmlformats.org/officeDocument/2006/relationships" xmlns:p="http://schemas.openxmlformats.org/presentationml/2006/main">
   <p:cSld>
@@ -21984,6 +22016,902 @@
     <p:extLst>
       <p:ext uri="{BB962C8B-B14F-4D97-AF65-F5344CB8AC3E}">
         <p14:creationId xmlns:p14="http://schemas.microsoft.com/office/powerpoint/2010/main" val="4051702148"/>
+      </p:ext>
+    </p:extLst>
+  </p:cSld>
+  <p:clrMapOvr>
+    <a:masterClrMapping/>
+  </p:clrMapOvr>
+</p:sld>
+</file>
+
+<file path=ppt/slides/slide20.xml><?xml version="1.0" encoding="utf-8"?>
+<p:sld xmlns:a="http://schemas.openxmlformats.org/drawingml/2006/main" xmlns:r="http://schemas.openxmlformats.org/officeDocument/2006/relationships" xmlns:p="http://schemas.openxmlformats.org/presentationml/2006/main">
+  <p:cSld>
+    <p:spTree>
+      <p:nvGrpSpPr>
+        <p:cNvPr id="1" name=""/>
+        <p:cNvGrpSpPr/>
+        <p:nvPr/>
+      </p:nvGrpSpPr>
+      <p:grpSpPr>
+        <a:xfrm>
+          <a:off x="0" y="0"/>
+          <a:ext cx="0" cy="0"/>
+          <a:chOff x="0" y="0"/>
+          <a:chExt cx="0" cy="0"/>
+        </a:xfrm>
+      </p:grpSpPr>
+      <p:sp>
+        <p:nvSpPr>
+          <p:cNvPr id="2" name="Title 1">
+            <a:extLst>
+              <a:ext uri="{FF2B5EF4-FFF2-40B4-BE49-F238E27FC236}">
+                <a16:creationId xmlns:a16="http://schemas.microsoft.com/office/drawing/2014/main" id="{705934C4-B4FB-BB4E-A549-84CE9C619491}"/>
+              </a:ext>
+            </a:extLst>
+          </p:cNvPr>
+          <p:cNvSpPr>
+            <a:spLocks noGrp="1"/>
+          </p:cNvSpPr>
+          <p:nvPr>
+            <p:ph type="title"/>
+          </p:nvPr>
+        </p:nvSpPr>
+        <p:spPr>
+          <a:xfrm>
+            <a:off x="838200" y="6773"/>
+            <a:ext cx="10515600" cy="1325563"/>
+          </a:xfrm>
+        </p:spPr>
+        <p:txBody>
+          <a:bodyPr/>
+          <a:lstStyle/>
+          <a:p>
+            <a:r>
+              <a:rPr lang="en-US" dirty="0"/>
+              <a:t>The “Four C’s” of Diamond Quality</a:t>
+            </a:r>
+          </a:p>
+        </p:txBody>
+      </p:sp>
+      <p:sp>
+        <p:nvSpPr>
+          <p:cNvPr id="3" name="Content Placeholder 2">
+            <a:extLst>
+              <a:ext uri="{FF2B5EF4-FFF2-40B4-BE49-F238E27FC236}">
+                <a16:creationId xmlns:a16="http://schemas.microsoft.com/office/drawing/2014/main" id="{27FB2452-ED0A-EA42-8A6C-64112E618570}"/>
+              </a:ext>
+            </a:extLst>
+          </p:cNvPr>
+          <p:cNvSpPr>
+            <a:spLocks noGrp="1"/>
+          </p:cNvSpPr>
+          <p:nvPr>
+            <p:ph idx="1"/>
+          </p:nvPr>
+        </p:nvSpPr>
+        <p:spPr>
+          <a:xfrm>
+            <a:off x="5239250" y="1267924"/>
+            <a:ext cx="1692876" cy="645726"/>
+          </a:xfrm>
+        </p:spPr>
+        <p:txBody>
+          <a:bodyPr>
+            <a:normAutofit/>
+          </a:bodyPr>
+          <a:lstStyle/>
+          <a:p>
+            <a:r>
+              <a:rPr lang="en-US" sz="1800" dirty="0"/>
+              <a:t>Carat</a:t>
+            </a:r>
+          </a:p>
+        </p:txBody>
+      </p:sp>
+      <p:sp>
+        <p:nvSpPr>
+          <p:cNvPr id="4" name="Content Placeholder 2">
+            <a:extLst>
+              <a:ext uri="{FF2B5EF4-FFF2-40B4-BE49-F238E27FC236}">
+                <a16:creationId xmlns:a16="http://schemas.microsoft.com/office/drawing/2014/main" id="{E3E142D5-F881-014B-BB84-8C7BA83BAE2B}"/>
+              </a:ext>
+            </a:extLst>
+          </p:cNvPr>
+          <p:cNvSpPr txBox="1">
+            <a:spLocks/>
+          </p:cNvSpPr>
+          <p:nvPr/>
+        </p:nvSpPr>
+        <p:spPr>
+          <a:xfrm>
+            <a:off x="5239250" y="3741374"/>
+            <a:ext cx="1692876" cy="645726"/>
+          </a:xfrm>
+          <a:prstGeom prst="rect">
+            <a:avLst/>
+          </a:prstGeom>
+        </p:spPr>
+        <p:txBody>
+          <a:bodyPr vert="horz" lIns="91440" tIns="45720" rIns="91440" bIns="45720" rtlCol="0">
+            <a:normAutofit/>
+          </a:bodyPr>
+          <a:lstStyle>
+            <a:lvl1pPr marL="228600" indent="-228600" algn="l" defTabSz="914400" rtl="0" eaLnBrk="1" latinLnBrk="0" hangingPunct="1">
+              <a:lnSpc>
+                <a:spcPct val="110000"/>
+              </a:lnSpc>
+              <a:spcBef>
+                <a:spcPts val="1000"/>
+              </a:spcBef>
+              <a:buClr>
+                <a:schemeClr val="accent5"/>
+              </a:buClr>
+              <a:buFont typeface="Avenir Next LT Pro" panose="020B0504020202020204" pitchFamily="34" charset="0"/>
+              <a:buChar char="+"/>
+              <a:defRPr sz="2800" kern="1200">
+                <a:solidFill>
+                  <a:schemeClr val="tx2"/>
+                </a:solidFill>
+                <a:latin typeface="+mn-lt"/>
+                <a:ea typeface="+mn-ea"/>
+                <a:cs typeface="+mn-cs"/>
+              </a:defRPr>
+            </a:lvl1pPr>
+            <a:lvl2pPr marL="685800" indent="-228600" algn="l" defTabSz="914400" rtl="0" eaLnBrk="1" latinLnBrk="0" hangingPunct="1">
+              <a:lnSpc>
+                <a:spcPct val="110000"/>
+              </a:lnSpc>
+              <a:spcBef>
+                <a:spcPts val="500"/>
+              </a:spcBef>
+              <a:buClr>
+                <a:schemeClr val="accent5"/>
+              </a:buClr>
+              <a:buFont typeface="Avenir Next LT Pro" panose="020B0504020202020204" pitchFamily="34" charset="0"/>
+              <a:buChar char="+"/>
+              <a:defRPr sz="2400" kern="1200">
+                <a:solidFill>
+                  <a:schemeClr val="tx2"/>
+                </a:solidFill>
+                <a:latin typeface="+mn-lt"/>
+                <a:ea typeface="+mn-ea"/>
+                <a:cs typeface="+mn-cs"/>
+              </a:defRPr>
+            </a:lvl2pPr>
+            <a:lvl3pPr marL="1143000" indent="-228600" algn="l" defTabSz="914400" rtl="0" eaLnBrk="1" latinLnBrk="0" hangingPunct="1">
+              <a:lnSpc>
+                <a:spcPct val="110000"/>
+              </a:lnSpc>
+              <a:spcBef>
+                <a:spcPts val="500"/>
+              </a:spcBef>
+              <a:buClr>
+                <a:schemeClr val="accent5"/>
+              </a:buClr>
+              <a:buFont typeface="Avenir Next LT Pro" panose="020B0504020202020204" pitchFamily="34" charset="0"/>
+              <a:buChar char="+"/>
+              <a:defRPr sz="2000" kern="1200">
+                <a:solidFill>
+                  <a:schemeClr val="tx2"/>
+                </a:solidFill>
+                <a:latin typeface="+mn-lt"/>
+                <a:ea typeface="+mn-ea"/>
+                <a:cs typeface="+mn-cs"/>
+              </a:defRPr>
+            </a:lvl3pPr>
+            <a:lvl4pPr marL="1600200" indent="-228600" algn="l" defTabSz="914400" rtl="0" eaLnBrk="1" latinLnBrk="0" hangingPunct="1">
+              <a:lnSpc>
+                <a:spcPct val="110000"/>
+              </a:lnSpc>
+              <a:spcBef>
+                <a:spcPts val="500"/>
+              </a:spcBef>
+              <a:buClr>
+                <a:schemeClr val="accent5"/>
+              </a:buClr>
+              <a:buFont typeface="Avenir Next LT Pro" panose="020B0504020202020204" pitchFamily="34" charset="0"/>
+              <a:buChar char="+"/>
+              <a:defRPr sz="1800" kern="1200">
+                <a:solidFill>
+                  <a:schemeClr val="tx2"/>
+                </a:solidFill>
+                <a:latin typeface="+mn-lt"/>
+                <a:ea typeface="+mn-ea"/>
+                <a:cs typeface="+mn-cs"/>
+              </a:defRPr>
+            </a:lvl4pPr>
+            <a:lvl5pPr marL="2057400" indent="-228600" algn="l" defTabSz="914400" rtl="0" eaLnBrk="1" latinLnBrk="0" hangingPunct="1">
+              <a:lnSpc>
+                <a:spcPct val="110000"/>
+              </a:lnSpc>
+              <a:spcBef>
+                <a:spcPts val="500"/>
+              </a:spcBef>
+              <a:buClr>
+                <a:schemeClr val="accent5"/>
+              </a:buClr>
+              <a:buFont typeface="Avenir Next LT Pro" panose="020B0504020202020204" pitchFamily="34" charset="0"/>
+              <a:buChar char="+"/>
+              <a:defRPr sz="1800" kern="1200">
+                <a:solidFill>
+                  <a:schemeClr val="tx2"/>
+                </a:solidFill>
+                <a:latin typeface="+mn-lt"/>
+                <a:ea typeface="+mn-ea"/>
+                <a:cs typeface="+mn-cs"/>
+              </a:defRPr>
+            </a:lvl5pPr>
+            <a:lvl6pPr marL="2514600" indent="-228600" algn="l" defTabSz="914400" rtl="0" eaLnBrk="1" latinLnBrk="0" hangingPunct="1">
+              <a:lnSpc>
+                <a:spcPct val="90000"/>
+              </a:lnSpc>
+              <a:spcBef>
+                <a:spcPts val="500"/>
+              </a:spcBef>
+              <a:buFont typeface="Arial" panose="020B0604020202020204" pitchFamily="34" charset="0"/>
+              <a:buChar char="•"/>
+              <a:defRPr sz="1800" kern="1200">
+                <a:solidFill>
+                  <a:schemeClr val="tx1"/>
+                </a:solidFill>
+                <a:latin typeface="+mn-lt"/>
+                <a:ea typeface="+mn-ea"/>
+                <a:cs typeface="+mn-cs"/>
+              </a:defRPr>
+            </a:lvl6pPr>
+            <a:lvl7pPr marL="2971800" indent="-228600" algn="l" defTabSz="914400" rtl="0" eaLnBrk="1" latinLnBrk="0" hangingPunct="1">
+              <a:lnSpc>
+                <a:spcPct val="90000"/>
+              </a:lnSpc>
+              <a:spcBef>
+                <a:spcPts val="500"/>
+              </a:spcBef>
+              <a:buFont typeface="Arial" panose="020B0604020202020204" pitchFamily="34" charset="0"/>
+              <a:buChar char="•"/>
+              <a:defRPr sz="1800" kern="1200">
+                <a:solidFill>
+                  <a:schemeClr val="tx1"/>
+                </a:solidFill>
+                <a:latin typeface="+mn-lt"/>
+                <a:ea typeface="+mn-ea"/>
+                <a:cs typeface="+mn-cs"/>
+              </a:defRPr>
+            </a:lvl7pPr>
+            <a:lvl8pPr marL="3429000" indent="-228600" algn="l" defTabSz="914400" rtl="0" eaLnBrk="1" latinLnBrk="0" hangingPunct="1">
+              <a:lnSpc>
+                <a:spcPct val="90000"/>
+              </a:lnSpc>
+              <a:spcBef>
+                <a:spcPts val="500"/>
+              </a:spcBef>
+              <a:buFont typeface="Arial" panose="020B0604020202020204" pitchFamily="34" charset="0"/>
+              <a:buChar char="•"/>
+              <a:defRPr sz="1800" kern="1200">
+                <a:solidFill>
+                  <a:schemeClr val="tx1"/>
+                </a:solidFill>
+                <a:latin typeface="+mn-lt"/>
+                <a:ea typeface="+mn-ea"/>
+                <a:cs typeface="+mn-cs"/>
+              </a:defRPr>
+            </a:lvl8pPr>
+            <a:lvl9pPr marL="3886200" indent="-228600" algn="l" defTabSz="914400" rtl="0" eaLnBrk="1" latinLnBrk="0" hangingPunct="1">
+              <a:lnSpc>
+                <a:spcPct val="90000"/>
+              </a:lnSpc>
+              <a:spcBef>
+                <a:spcPts val="500"/>
+              </a:spcBef>
+              <a:buFont typeface="Arial" panose="020B0604020202020204" pitchFamily="34" charset="0"/>
+              <a:buChar char="•"/>
+              <a:defRPr sz="1800" kern="1200">
+                <a:solidFill>
+                  <a:schemeClr val="tx1"/>
+                </a:solidFill>
+                <a:latin typeface="+mn-lt"/>
+                <a:ea typeface="+mn-ea"/>
+                <a:cs typeface="+mn-cs"/>
+              </a:defRPr>
+            </a:lvl9pPr>
+          </a:lstStyle>
+          <a:p>
+            <a:r>
+              <a:rPr lang="en-US" sz="1800" dirty="0"/>
+              <a:t>Cut</a:t>
+            </a:r>
+          </a:p>
+        </p:txBody>
+      </p:sp>
+      <p:sp>
+        <p:nvSpPr>
+          <p:cNvPr id="5" name="Content Placeholder 2">
+            <a:extLst>
+              <a:ext uri="{FF2B5EF4-FFF2-40B4-BE49-F238E27FC236}">
+                <a16:creationId xmlns:a16="http://schemas.microsoft.com/office/drawing/2014/main" id="{CBD1CDE1-B184-3C48-8F4F-55D041269032}"/>
+              </a:ext>
+            </a:extLst>
+          </p:cNvPr>
+          <p:cNvSpPr txBox="1">
+            <a:spLocks/>
+          </p:cNvSpPr>
+          <p:nvPr/>
+        </p:nvSpPr>
+        <p:spPr>
+          <a:xfrm>
+            <a:off x="8589198" y="1265144"/>
+            <a:ext cx="1692876" cy="645726"/>
+          </a:xfrm>
+          <a:prstGeom prst="rect">
+            <a:avLst/>
+          </a:prstGeom>
+        </p:spPr>
+        <p:txBody>
+          <a:bodyPr vert="horz" lIns="91440" tIns="45720" rIns="91440" bIns="45720" rtlCol="0">
+            <a:normAutofit/>
+          </a:bodyPr>
+          <a:lstStyle>
+            <a:lvl1pPr marL="228600" indent="-228600" algn="l" defTabSz="914400" rtl="0" eaLnBrk="1" latinLnBrk="0" hangingPunct="1">
+              <a:lnSpc>
+                <a:spcPct val="110000"/>
+              </a:lnSpc>
+              <a:spcBef>
+                <a:spcPts val="1000"/>
+              </a:spcBef>
+              <a:buClr>
+                <a:schemeClr val="accent5"/>
+              </a:buClr>
+              <a:buFont typeface="Avenir Next LT Pro" panose="020B0504020202020204" pitchFamily="34" charset="0"/>
+              <a:buChar char="+"/>
+              <a:defRPr sz="2800" kern="1200">
+                <a:solidFill>
+                  <a:schemeClr val="tx2"/>
+                </a:solidFill>
+                <a:latin typeface="+mn-lt"/>
+                <a:ea typeface="+mn-ea"/>
+                <a:cs typeface="+mn-cs"/>
+              </a:defRPr>
+            </a:lvl1pPr>
+            <a:lvl2pPr marL="685800" indent="-228600" algn="l" defTabSz="914400" rtl="0" eaLnBrk="1" latinLnBrk="0" hangingPunct="1">
+              <a:lnSpc>
+                <a:spcPct val="110000"/>
+              </a:lnSpc>
+              <a:spcBef>
+                <a:spcPts val="500"/>
+              </a:spcBef>
+              <a:buClr>
+                <a:schemeClr val="accent5"/>
+              </a:buClr>
+              <a:buFont typeface="Avenir Next LT Pro" panose="020B0504020202020204" pitchFamily="34" charset="0"/>
+              <a:buChar char="+"/>
+              <a:defRPr sz="2400" kern="1200">
+                <a:solidFill>
+                  <a:schemeClr val="tx2"/>
+                </a:solidFill>
+                <a:latin typeface="+mn-lt"/>
+                <a:ea typeface="+mn-ea"/>
+                <a:cs typeface="+mn-cs"/>
+              </a:defRPr>
+            </a:lvl2pPr>
+            <a:lvl3pPr marL="1143000" indent="-228600" algn="l" defTabSz="914400" rtl="0" eaLnBrk="1" latinLnBrk="0" hangingPunct="1">
+              <a:lnSpc>
+                <a:spcPct val="110000"/>
+              </a:lnSpc>
+              <a:spcBef>
+                <a:spcPts val="500"/>
+              </a:spcBef>
+              <a:buClr>
+                <a:schemeClr val="accent5"/>
+              </a:buClr>
+              <a:buFont typeface="Avenir Next LT Pro" panose="020B0504020202020204" pitchFamily="34" charset="0"/>
+              <a:buChar char="+"/>
+              <a:defRPr sz="2000" kern="1200">
+                <a:solidFill>
+                  <a:schemeClr val="tx2"/>
+                </a:solidFill>
+                <a:latin typeface="+mn-lt"/>
+                <a:ea typeface="+mn-ea"/>
+                <a:cs typeface="+mn-cs"/>
+              </a:defRPr>
+            </a:lvl3pPr>
+            <a:lvl4pPr marL="1600200" indent="-228600" algn="l" defTabSz="914400" rtl="0" eaLnBrk="1" latinLnBrk="0" hangingPunct="1">
+              <a:lnSpc>
+                <a:spcPct val="110000"/>
+              </a:lnSpc>
+              <a:spcBef>
+                <a:spcPts val="500"/>
+              </a:spcBef>
+              <a:buClr>
+                <a:schemeClr val="accent5"/>
+              </a:buClr>
+              <a:buFont typeface="Avenir Next LT Pro" panose="020B0504020202020204" pitchFamily="34" charset="0"/>
+              <a:buChar char="+"/>
+              <a:defRPr sz="1800" kern="1200">
+                <a:solidFill>
+                  <a:schemeClr val="tx2"/>
+                </a:solidFill>
+                <a:latin typeface="+mn-lt"/>
+                <a:ea typeface="+mn-ea"/>
+                <a:cs typeface="+mn-cs"/>
+              </a:defRPr>
+            </a:lvl4pPr>
+            <a:lvl5pPr marL="2057400" indent="-228600" algn="l" defTabSz="914400" rtl="0" eaLnBrk="1" latinLnBrk="0" hangingPunct="1">
+              <a:lnSpc>
+                <a:spcPct val="110000"/>
+              </a:lnSpc>
+              <a:spcBef>
+                <a:spcPts val="500"/>
+              </a:spcBef>
+              <a:buClr>
+                <a:schemeClr val="accent5"/>
+              </a:buClr>
+              <a:buFont typeface="Avenir Next LT Pro" panose="020B0504020202020204" pitchFamily="34" charset="0"/>
+              <a:buChar char="+"/>
+              <a:defRPr sz="1800" kern="1200">
+                <a:solidFill>
+                  <a:schemeClr val="tx2"/>
+                </a:solidFill>
+                <a:latin typeface="+mn-lt"/>
+                <a:ea typeface="+mn-ea"/>
+                <a:cs typeface="+mn-cs"/>
+              </a:defRPr>
+            </a:lvl5pPr>
+            <a:lvl6pPr marL="2514600" indent="-228600" algn="l" defTabSz="914400" rtl="0" eaLnBrk="1" latinLnBrk="0" hangingPunct="1">
+              <a:lnSpc>
+                <a:spcPct val="90000"/>
+              </a:lnSpc>
+              <a:spcBef>
+                <a:spcPts val="500"/>
+              </a:spcBef>
+              <a:buFont typeface="Arial" panose="020B0604020202020204" pitchFamily="34" charset="0"/>
+              <a:buChar char="•"/>
+              <a:defRPr sz="1800" kern="1200">
+                <a:solidFill>
+                  <a:schemeClr val="tx1"/>
+                </a:solidFill>
+                <a:latin typeface="+mn-lt"/>
+                <a:ea typeface="+mn-ea"/>
+                <a:cs typeface="+mn-cs"/>
+              </a:defRPr>
+            </a:lvl6pPr>
+            <a:lvl7pPr marL="2971800" indent="-228600" algn="l" defTabSz="914400" rtl="0" eaLnBrk="1" latinLnBrk="0" hangingPunct="1">
+              <a:lnSpc>
+                <a:spcPct val="90000"/>
+              </a:lnSpc>
+              <a:spcBef>
+                <a:spcPts val="500"/>
+              </a:spcBef>
+              <a:buFont typeface="Arial" panose="020B0604020202020204" pitchFamily="34" charset="0"/>
+              <a:buChar char="•"/>
+              <a:defRPr sz="1800" kern="1200">
+                <a:solidFill>
+                  <a:schemeClr val="tx1"/>
+                </a:solidFill>
+                <a:latin typeface="+mn-lt"/>
+                <a:ea typeface="+mn-ea"/>
+                <a:cs typeface="+mn-cs"/>
+              </a:defRPr>
+            </a:lvl7pPr>
+            <a:lvl8pPr marL="3429000" indent="-228600" algn="l" defTabSz="914400" rtl="0" eaLnBrk="1" latinLnBrk="0" hangingPunct="1">
+              <a:lnSpc>
+                <a:spcPct val="90000"/>
+              </a:lnSpc>
+              <a:spcBef>
+                <a:spcPts val="500"/>
+              </a:spcBef>
+              <a:buFont typeface="Arial" panose="020B0604020202020204" pitchFamily="34" charset="0"/>
+              <a:buChar char="•"/>
+              <a:defRPr sz="1800" kern="1200">
+                <a:solidFill>
+                  <a:schemeClr val="tx1"/>
+                </a:solidFill>
+                <a:latin typeface="+mn-lt"/>
+                <a:ea typeface="+mn-ea"/>
+                <a:cs typeface="+mn-cs"/>
+              </a:defRPr>
+            </a:lvl8pPr>
+            <a:lvl9pPr marL="3886200" indent="-228600" algn="l" defTabSz="914400" rtl="0" eaLnBrk="1" latinLnBrk="0" hangingPunct="1">
+              <a:lnSpc>
+                <a:spcPct val="90000"/>
+              </a:lnSpc>
+              <a:spcBef>
+                <a:spcPts val="500"/>
+              </a:spcBef>
+              <a:buFont typeface="Arial" panose="020B0604020202020204" pitchFamily="34" charset="0"/>
+              <a:buChar char="•"/>
+              <a:defRPr sz="1800" kern="1200">
+                <a:solidFill>
+                  <a:schemeClr val="tx1"/>
+                </a:solidFill>
+                <a:latin typeface="+mn-lt"/>
+                <a:ea typeface="+mn-ea"/>
+                <a:cs typeface="+mn-cs"/>
+              </a:defRPr>
+            </a:lvl9pPr>
+          </a:lstStyle>
+          <a:p>
+            <a:r>
+              <a:rPr lang="en-US" sz="1800" dirty="0"/>
+              <a:t>Clarity</a:t>
+            </a:r>
+          </a:p>
+        </p:txBody>
+      </p:sp>
+      <p:sp>
+        <p:nvSpPr>
+          <p:cNvPr id="6" name="Content Placeholder 2">
+            <a:extLst>
+              <a:ext uri="{FF2B5EF4-FFF2-40B4-BE49-F238E27FC236}">
+                <a16:creationId xmlns:a16="http://schemas.microsoft.com/office/drawing/2014/main" id="{56AB6BC8-60BB-9D4E-9996-9F94489917A0}"/>
+              </a:ext>
+            </a:extLst>
+          </p:cNvPr>
+          <p:cNvSpPr txBox="1">
+            <a:spLocks/>
+          </p:cNvSpPr>
+          <p:nvPr/>
+        </p:nvSpPr>
+        <p:spPr>
+          <a:xfrm>
+            <a:off x="8589198" y="3741374"/>
+            <a:ext cx="1692876" cy="645726"/>
+          </a:xfrm>
+          <a:prstGeom prst="rect">
+            <a:avLst/>
+          </a:prstGeom>
+        </p:spPr>
+        <p:txBody>
+          <a:bodyPr vert="horz" lIns="91440" tIns="45720" rIns="91440" bIns="45720" rtlCol="0">
+            <a:normAutofit/>
+          </a:bodyPr>
+          <a:lstStyle>
+            <a:lvl1pPr marL="228600" indent="-228600" algn="l" defTabSz="914400" rtl="0" eaLnBrk="1" latinLnBrk="0" hangingPunct="1">
+              <a:lnSpc>
+                <a:spcPct val="110000"/>
+              </a:lnSpc>
+              <a:spcBef>
+                <a:spcPts val="1000"/>
+              </a:spcBef>
+              <a:buClr>
+                <a:schemeClr val="accent5"/>
+              </a:buClr>
+              <a:buFont typeface="Avenir Next LT Pro" panose="020B0504020202020204" pitchFamily="34" charset="0"/>
+              <a:buChar char="+"/>
+              <a:defRPr sz="2800" kern="1200">
+                <a:solidFill>
+                  <a:schemeClr val="tx2"/>
+                </a:solidFill>
+                <a:latin typeface="+mn-lt"/>
+                <a:ea typeface="+mn-ea"/>
+                <a:cs typeface="+mn-cs"/>
+              </a:defRPr>
+            </a:lvl1pPr>
+            <a:lvl2pPr marL="685800" indent="-228600" algn="l" defTabSz="914400" rtl="0" eaLnBrk="1" latinLnBrk="0" hangingPunct="1">
+              <a:lnSpc>
+                <a:spcPct val="110000"/>
+              </a:lnSpc>
+              <a:spcBef>
+                <a:spcPts val="500"/>
+              </a:spcBef>
+              <a:buClr>
+                <a:schemeClr val="accent5"/>
+              </a:buClr>
+              <a:buFont typeface="Avenir Next LT Pro" panose="020B0504020202020204" pitchFamily="34" charset="0"/>
+              <a:buChar char="+"/>
+              <a:defRPr sz="2400" kern="1200">
+                <a:solidFill>
+                  <a:schemeClr val="tx2"/>
+                </a:solidFill>
+                <a:latin typeface="+mn-lt"/>
+                <a:ea typeface="+mn-ea"/>
+                <a:cs typeface="+mn-cs"/>
+              </a:defRPr>
+            </a:lvl2pPr>
+            <a:lvl3pPr marL="1143000" indent="-228600" algn="l" defTabSz="914400" rtl="0" eaLnBrk="1" latinLnBrk="0" hangingPunct="1">
+              <a:lnSpc>
+                <a:spcPct val="110000"/>
+              </a:lnSpc>
+              <a:spcBef>
+                <a:spcPts val="500"/>
+              </a:spcBef>
+              <a:buClr>
+                <a:schemeClr val="accent5"/>
+              </a:buClr>
+              <a:buFont typeface="Avenir Next LT Pro" panose="020B0504020202020204" pitchFamily="34" charset="0"/>
+              <a:buChar char="+"/>
+              <a:defRPr sz="2000" kern="1200">
+                <a:solidFill>
+                  <a:schemeClr val="tx2"/>
+                </a:solidFill>
+                <a:latin typeface="+mn-lt"/>
+                <a:ea typeface="+mn-ea"/>
+                <a:cs typeface="+mn-cs"/>
+              </a:defRPr>
+            </a:lvl3pPr>
+            <a:lvl4pPr marL="1600200" indent="-228600" algn="l" defTabSz="914400" rtl="0" eaLnBrk="1" latinLnBrk="0" hangingPunct="1">
+              <a:lnSpc>
+                <a:spcPct val="110000"/>
+              </a:lnSpc>
+              <a:spcBef>
+                <a:spcPts val="500"/>
+              </a:spcBef>
+              <a:buClr>
+                <a:schemeClr val="accent5"/>
+              </a:buClr>
+              <a:buFont typeface="Avenir Next LT Pro" panose="020B0504020202020204" pitchFamily="34" charset="0"/>
+              <a:buChar char="+"/>
+              <a:defRPr sz="1800" kern="1200">
+                <a:solidFill>
+                  <a:schemeClr val="tx2"/>
+                </a:solidFill>
+                <a:latin typeface="+mn-lt"/>
+                <a:ea typeface="+mn-ea"/>
+                <a:cs typeface="+mn-cs"/>
+              </a:defRPr>
+            </a:lvl4pPr>
+            <a:lvl5pPr marL="2057400" indent="-228600" algn="l" defTabSz="914400" rtl="0" eaLnBrk="1" latinLnBrk="0" hangingPunct="1">
+              <a:lnSpc>
+                <a:spcPct val="110000"/>
+              </a:lnSpc>
+              <a:spcBef>
+                <a:spcPts val="500"/>
+              </a:spcBef>
+              <a:buClr>
+                <a:schemeClr val="accent5"/>
+              </a:buClr>
+              <a:buFont typeface="Avenir Next LT Pro" panose="020B0504020202020204" pitchFamily="34" charset="0"/>
+              <a:buChar char="+"/>
+              <a:defRPr sz="1800" kern="1200">
+                <a:solidFill>
+                  <a:schemeClr val="tx2"/>
+                </a:solidFill>
+                <a:latin typeface="+mn-lt"/>
+                <a:ea typeface="+mn-ea"/>
+                <a:cs typeface="+mn-cs"/>
+              </a:defRPr>
+            </a:lvl5pPr>
+            <a:lvl6pPr marL="2514600" indent="-228600" algn="l" defTabSz="914400" rtl="0" eaLnBrk="1" latinLnBrk="0" hangingPunct="1">
+              <a:lnSpc>
+                <a:spcPct val="90000"/>
+              </a:lnSpc>
+              <a:spcBef>
+                <a:spcPts val="500"/>
+              </a:spcBef>
+              <a:buFont typeface="Arial" panose="020B0604020202020204" pitchFamily="34" charset="0"/>
+              <a:buChar char="•"/>
+              <a:defRPr sz="1800" kern="1200">
+                <a:solidFill>
+                  <a:schemeClr val="tx1"/>
+                </a:solidFill>
+                <a:latin typeface="+mn-lt"/>
+                <a:ea typeface="+mn-ea"/>
+                <a:cs typeface="+mn-cs"/>
+              </a:defRPr>
+            </a:lvl6pPr>
+            <a:lvl7pPr marL="2971800" indent="-228600" algn="l" defTabSz="914400" rtl="0" eaLnBrk="1" latinLnBrk="0" hangingPunct="1">
+              <a:lnSpc>
+                <a:spcPct val="90000"/>
+              </a:lnSpc>
+              <a:spcBef>
+                <a:spcPts val="500"/>
+              </a:spcBef>
+              <a:buFont typeface="Arial" panose="020B0604020202020204" pitchFamily="34" charset="0"/>
+              <a:buChar char="•"/>
+              <a:defRPr sz="1800" kern="1200">
+                <a:solidFill>
+                  <a:schemeClr val="tx1"/>
+                </a:solidFill>
+                <a:latin typeface="+mn-lt"/>
+                <a:ea typeface="+mn-ea"/>
+                <a:cs typeface="+mn-cs"/>
+              </a:defRPr>
+            </a:lvl7pPr>
+            <a:lvl8pPr marL="3429000" indent="-228600" algn="l" defTabSz="914400" rtl="0" eaLnBrk="1" latinLnBrk="0" hangingPunct="1">
+              <a:lnSpc>
+                <a:spcPct val="90000"/>
+              </a:lnSpc>
+              <a:spcBef>
+                <a:spcPts val="500"/>
+              </a:spcBef>
+              <a:buFont typeface="Arial" panose="020B0604020202020204" pitchFamily="34" charset="0"/>
+              <a:buChar char="•"/>
+              <a:defRPr sz="1800" kern="1200">
+                <a:solidFill>
+                  <a:schemeClr val="tx1"/>
+                </a:solidFill>
+                <a:latin typeface="+mn-lt"/>
+                <a:ea typeface="+mn-ea"/>
+                <a:cs typeface="+mn-cs"/>
+              </a:defRPr>
+            </a:lvl8pPr>
+            <a:lvl9pPr marL="3886200" indent="-228600" algn="l" defTabSz="914400" rtl="0" eaLnBrk="1" latinLnBrk="0" hangingPunct="1">
+              <a:lnSpc>
+                <a:spcPct val="90000"/>
+              </a:lnSpc>
+              <a:spcBef>
+                <a:spcPts val="500"/>
+              </a:spcBef>
+              <a:buFont typeface="Arial" panose="020B0604020202020204" pitchFamily="34" charset="0"/>
+              <a:buChar char="•"/>
+              <a:defRPr sz="1800" kern="1200">
+                <a:solidFill>
+                  <a:schemeClr val="tx1"/>
+                </a:solidFill>
+                <a:latin typeface="+mn-lt"/>
+                <a:ea typeface="+mn-ea"/>
+                <a:cs typeface="+mn-cs"/>
+              </a:defRPr>
+            </a:lvl9pPr>
+          </a:lstStyle>
+          <a:p>
+            <a:r>
+              <a:rPr lang="en-US" sz="1800" dirty="0" err="1"/>
+              <a:t>Colour</a:t>
+            </a:r>
+            <a:endParaRPr lang="en-US" sz="1800" dirty="0"/>
+          </a:p>
+        </p:txBody>
+      </p:sp>
+      <p:pic>
+        <p:nvPicPr>
+          <p:cNvPr id="8" name="Picture 7" descr="Diagram&#10;&#10;Description automatically generated">
+            <a:extLst>
+              <a:ext uri="{FF2B5EF4-FFF2-40B4-BE49-F238E27FC236}">
+                <a16:creationId xmlns:a16="http://schemas.microsoft.com/office/drawing/2014/main" id="{F043E7B3-B3AA-2F46-8A8E-B4DAF1E4E73B}"/>
+              </a:ext>
+            </a:extLst>
+          </p:cNvPr>
+          <p:cNvPicPr>
+            <a:picLocks noChangeAspect="1"/>
+          </p:cNvPicPr>
+          <p:nvPr/>
+        </p:nvPicPr>
+        <p:blipFill>
+          <a:blip r:embed="rId2"/>
+          <a:stretch>
+            <a:fillRect/>
+          </a:stretch>
+        </p:blipFill>
+        <p:spPr>
+          <a:xfrm>
+            <a:off x="5239250" y="1606380"/>
+            <a:ext cx="3202308" cy="2084836"/>
+          </a:xfrm>
+          <a:prstGeom prst="rect">
+            <a:avLst/>
+          </a:prstGeom>
+        </p:spPr>
+      </p:pic>
+      <p:pic>
+        <p:nvPicPr>
+          <p:cNvPr id="10" name="Picture 9" descr="A picture containing diagram&#10;&#10;Description automatically generated">
+            <a:extLst>
+              <a:ext uri="{FF2B5EF4-FFF2-40B4-BE49-F238E27FC236}">
+                <a16:creationId xmlns:a16="http://schemas.microsoft.com/office/drawing/2014/main" id="{E3465E8E-C7E0-9145-8E9F-D9E83AC8FC53}"/>
+              </a:ext>
+            </a:extLst>
+          </p:cNvPr>
+          <p:cNvPicPr>
+            <a:picLocks noChangeAspect="1"/>
+          </p:cNvPicPr>
+          <p:nvPr/>
+        </p:nvPicPr>
+        <p:blipFill>
+          <a:blip r:embed="rId3"/>
+          <a:stretch>
+            <a:fillRect/>
+          </a:stretch>
+        </p:blipFill>
+        <p:spPr>
+          <a:xfrm>
+            <a:off x="8589198" y="1606380"/>
+            <a:ext cx="3281054" cy="2084836"/>
+          </a:xfrm>
+          <a:prstGeom prst="rect">
+            <a:avLst/>
+          </a:prstGeom>
+        </p:spPr>
+      </p:pic>
+      <p:pic>
+        <p:nvPicPr>
+          <p:cNvPr id="12" name="Picture 11" descr="Graphical user interface, application&#10;&#10;Description automatically generated">
+            <a:extLst>
+              <a:ext uri="{FF2B5EF4-FFF2-40B4-BE49-F238E27FC236}">
+                <a16:creationId xmlns:a16="http://schemas.microsoft.com/office/drawing/2014/main" id="{3BC1F9AF-4C3C-2240-9800-5A3BC2271948}"/>
+              </a:ext>
+            </a:extLst>
+          </p:cNvPr>
+          <p:cNvPicPr>
+            <a:picLocks noChangeAspect="1"/>
+          </p:cNvPicPr>
+          <p:nvPr/>
+        </p:nvPicPr>
+        <p:blipFill>
+          <a:blip r:embed="rId4"/>
+          <a:stretch>
+            <a:fillRect/>
+          </a:stretch>
+        </p:blipFill>
+        <p:spPr>
+          <a:xfrm>
+            <a:off x="8589197" y="4053380"/>
+            <a:ext cx="3281053" cy="2110469"/>
+          </a:xfrm>
+          <a:prstGeom prst="rect">
+            <a:avLst/>
+          </a:prstGeom>
+        </p:spPr>
+      </p:pic>
+      <p:pic>
+        <p:nvPicPr>
+          <p:cNvPr id="14" name="Picture 13" descr="Shape&#10;&#10;Description automatically generated">
+            <a:extLst>
+              <a:ext uri="{FF2B5EF4-FFF2-40B4-BE49-F238E27FC236}">
+                <a16:creationId xmlns:a16="http://schemas.microsoft.com/office/drawing/2014/main" id="{A4B16EF6-C29D-6D46-BD60-1730CC00A0DE}"/>
+              </a:ext>
+            </a:extLst>
+          </p:cNvPr>
+          <p:cNvPicPr>
+            <a:picLocks noChangeAspect="1"/>
+          </p:cNvPicPr>
+          <p:nvPr/>
+        </p:nvPicPr>
+        <p:blipFill>
+          <a:blip r:embed="rId5"/>
+          <a:stretch>
+            <a:fillRect/>
+          </a:stretch>
+        </p:blipFill>
+        <p:spPr>
+          <a:xfrm>
+            <a:off x="5239250" y="4104031"/>
+            <a:ext cx="3202308" cy="2059818"/>
+          </a:xfrm>
+          <a:prstGeom prst="rect">
+            <a:avLst/>
+          </a:prstGeom>
+        </p:spPr>
+      </p:pic>
+      <p:pic>
+        <p:nvPicPr>
+          <p:cNvPr id="11" name="Picture 10" descr="Diagram&#10;&#10;Description automatically generated with medium confidence">
+            <a:extLst>
+              <a:ext uri="{FF2B5EF4-FFF2-40B4-BE49-F238E27FC236}">
+                <a16:creationId xmlns:a16="http://schemas.microsoft.com/office/drawing/2014/main" id="{751A2E60-0B56-F54E-ADD0-D3535D2AE4D3}"/>
+              </a:ext>
+            </a:extLst>
+          </p:cNvPr>
+          <p:cNvPicPr>
+            <a:picLocks noChangeAspect="1"/>
+          </p:cNvPicPr>
+          <p:nvPr/>
+        </p:nvPicPr>
+        <p:blipFill>
+          <a:blip r:embed="rId6"/>
+          <a:stretch>
+            <a:fillRect/>
+          </a:stretch>
+        </p:blipFill>
+        <p:spPr>
+          <a:xfrm>
+            <a:off x="254686" y="2379786"/>
+            <a:ext cx="4808824" cy="2723176"/>
+          </a:xfrm>
+          <a:prstGeom prst="rect">
+            <a:avLst/>
+          </a:prstGeom>
+          <a:ln>
+            <a:solidFill>
+              <a:schemeClr val="tx1"/>
+            </a:solidFill>
+          </a:ln>
+        </p:spPr>
+      </p:pic>
+    </p:spTree>
+    <p:extLst>
+      <p:ext uri="{BB962C8B-B14F-4D97-AF65-F5344CB8AC3E}">
+        <p14:creationId xmlns:p14="http://schemas.microsoft.com/office/powerpoint/2010/main" val="249613904"/>
       </p:ext>
     </p:extLst>
   </p:cSld>
